--- a/Architecture diagram/Deskmate SA diagram.pptx
+++ b/Architecture diagram/Deskmate SA diagram.pptx
@@ -2231,7 +2231,7 @@
           <a:p>
             <a:fld id="{1BE7A46D-B096-46A3-8BC6-2D24ADE8BFB6}" type="datetimeFigureOut">
               <a:rPr lang="en-SG" smtClean="0"/>
-              <a:t>16/6/2018</a:t>
+              <a:t>17/6/2018</a:t>
             </a:fld>
             <a:endParaRPr lang="en-SG"/>
           </a:p>
@@ -2423,7 +2423,7 @@
           <a:p>
             <a:fld id="{1BE7A46D-B096-46A3-8BC6-2D24ADE8BFB6}" type="datetimeFigureOut">
               <a:rPr lang="en-SG" smtClean="0"/>
-              <a:t>16/6/2018</a:t>
+              <a:t>17/6/2018</a:t>
             </a:fld>
             <a:endParaRPr lang="en-SG"/>
           </a:p>
@@ -2603,7 +2603,7 @@
           <a:p>
             <a:fld id="{1BE7A46D-B096-46A3-8BC6-2D24ADE8BFB6}" type="datetimeFigureOut">
               <a:rPr lang="en-SG" smtClean="0"/>
-              <a:t>16/6/2018</a:t>
+              <a:t>17/6/2018</a:t>
             </a:fld>
             <a:endParaRPr lang="en-SG"/>
           </a:p>
@@ -4941,7 +4941,7 @@
           <a:p>
             <a:fld id="{1BE7A46D-B096-46A3-8BC6-2D24ADE8BFB6}" type="datetimeFigureOut">
               <a:rPr lang="en-SG" smtClean="0"/>
-              <a:t>16/6/2018</a:t>
+              <a:t>17/6/2018</a:t>
             </a:fld>
             <a:endParaRPr lang="en-SG"/>
           </a:p>
@@ -5391,7 +5391,7 @@
           <a:p>
             <a:fld id="{1BE7A46D-B096-46A3-8BC6-2D24ADE8BFB6}" type="datetimeFigureOut">
               <a:rPr lang="en-SG" smtClean="0"/>
-              <a:t>16/6/2018</a:t>
+              <a:t>17/6/2018</a:t>
             </a:fld>
             <a:endParaRPr lang="en-SG"/>
           </a:p>
@@ -5520,7 +5520,7 @@
           <a:p>
             <a:fld id="{1BE7A46D-B096-46A3-8BC6-2D24ADE8BFB6}" type="datetimeFigureOut">
               <a:rPr lang="en-SG" smtClean="0"/>
-              <a:t>16/6/2018</a:t>
+              <a:t>17/6/2018</a:t>
             </a:fld>
             <a:endParaRPr lang="en-SG"/>
           </a:p>
@@ -7450,7 +7450,7 @@
           <a:p>
             <a:fld id="{1BE7A46D-B096-46A3-8BC6-2D24ADE8BFB6}" type="datetimeFigureOut">
               <a:rPr lang="en-SG" smtClean="0"/>
-              <a:t>16/6/2018</a:t>
+              <a:t>17/6/2018</a:t>
             </a:fld>
             <a:endParaRPr lang="en-SG"/>
           </a:p>
@@ -9696,7 +9696,7 @@
           <a:p>
             <a:fld id="{1BE7A46D-B096-46A3-8BC6-2D24ADE8BFB6}" type="datetimeFigureOut">
               <a:rPr lang="en-SG" smtClean="0"/>
-              <a:t>16/6/2018</a:t>
+              <a:t>17/6/2018</a:t>
             </a:fld>
             <a:endParaRPr lang="en-SG"/>
           </a:p>
@@ -13923,7 +13923,7 @@
           <a:p>
             <a:fld id="{1BE7A46D-B096-46A3-8BC6-2D24ADE8BFB6}" type="datetimeFigureOut">
               <a:rPr lang="en-SG" smtClean="0"/>
-              <a:t>16/6/2018</a:t>
+              <a:t>17/6/2018</a:t>
             </a:fld>
             <a:endParaRPr lang="en-SG"/>
           </a:p>
@@ -14678,8 +14678,8 @@
           </p:nvSpPr>
           <p:spPr>
             <a:xfrm rot="5400000">
-              <a:off x="6984481" y="957545"/>
-              <a:ext cx="745472" cy="1289730"/>
+              <a:off x="6964507" y="1040707"/>
+              <a:ext cx="745472" cy="1123405"/>
             </a:xfrm>
             <a:prstGeom prst="upDownArrow">
               <a:avLst/>
@@ -15339,8 +15339,8 @@
           </p:nvSpPr>
           <p:spPr>
             <a:xfrm rot="5400000">
-              <a:off x="3530622" y="922206"/>
-              <a:ext cx="745472" cy="1289730"/>
+              <a:off x="3494750" y="958078"/>
+              <a:ext cx="745472" cy="1217985"/>
             </a:xfrm>
             <a:prstGeom prst="upDownArrow">
               <a:avLst/>
@@ -15367,7 +15367,7 @@
             <a:lstStyle/>
             <a:p>
               <a:pPr algn="ctr"/>
-              <a:endParaRPr lang="en-SG"/>
+              <a:endParaRPr lang="en-SG" dirty="0"/>
             </a:p>
           </p:txBody>
         </p:sp>
@@ -19995,13 +19995,13 @@
   <p:clrMapOvr>
     <a:masterClrMapping/>
   </p:clrMapOvr>
-  <mc:AlternateContent xmlns:mc="http://schemas.openxmlformats.org/markup-compatibility/2006">
-    <mc:Choice xmlns:p14="http://schemas.microsoft.com/office/powerpoint/2010/main" Requires="p14">
+  <mc:AlternateContent xmlns:mc="http://schemas.openxmlformats.org/markup-compatibility/2006" xmlns:p14="http://schemas.microsoft.com/office/powerpoint/2010/main">
+    <mc:Choice Requires="p14">
       <p:transition spd="med" p14:dur="700">
         <p:fade/>
       </p:transition>
     </mc:Choice>
-    <mc:Fallback>
+    <mc:Fallback xmlns="">
       <p:transition spd="med">
         <p:fade/>
       </p:transition>
@@ -20995,13 +20995,13 @@
   <p:clrMapOvr>
     <a:masterClrMapping/>
   </p:clrMapOvr>
-  <mc:AlternateContent xmlns:mc="http://schemas.openxmlformats.org/markup-compatibility/2006">
-    <mc:Choice xmlns:p14="http://schemas.microsoft.com/office/powerpoint/2010/main" Requires="p14">
+  <mc:AlternateContent xmlns:mc="http://schemas.openxmlformats.org/markup-compatibility/2006" xmlns:p14="http://schemas.microsoft.com/office/powerpoint/2010/main">
+    <mc:Choice Requires="p14">
       <p:transition spd="med" p14:dur="700">
         <p:fade/>
       </p:transition>
     </mc:Choice>
-    <mc:Fallback>
+    <mc:Fallback xmlns="">
       <p:transition spd="med">
         <p:fade/>
       </p:transition>

--- a/Architecture diagram/Deskmate SA diagram.pptx
+++ b/Architecture diagram/Deskmate SA diagram.pptx
@@ -112,6 +112,18 @@
     </p:ext>
   </p:extLst>
 </p:presentation>
+</file>
+
+<file path=ppt/commentAuthors.xml><?xml version="1.0" encoding="utf-8"?>
+<p:cmAuthorLst xmlns:a="http://schemas.openxmlformats.org/drawingml/2006/main" xmlns:r="http://schemas.openxmlformats.org/officeDocument/2006/relationships" xmlns:p="http://schemas.openxmlformats.org/presentationml/2006/main">
+  <p:cmAuthor id="1" name="Jun Sheng Chen" initials="JSC" lastIdx="1" clrIdx="0">
+    <p:extLst>
+      <p:ext uri="{19B8F6BF-5375-455C-9EA6-DF929625EA0E}">
+        <p15:presenceInfo xmlns:p15="http://schemas.microsoft.com/office/powerpoint/2012/main" userId="0a2da8452e5f5558" providerId="Windows Live"/>
+      </p:ext>
+    </p:extLst>
+  </p:cmAuthor>
+</p:cmAuthorLst>
 </file>
 
 <file path=ppt/slideLayouts/slideLayout1.xml><?xml version="1.0" encoding="utf-8"?>
@@ -2231,7 +2243,7 @@
           <a:p>
             <a:fld id="{1BE7A46D-B096-46A3-8BC6-2D24ADE8BFB6}" type="datetimeFigureOut">
               <a:rPr lang="en-SG" smtClean="0"/>
-              <a:t>17/6/2018</a:t>
+              <a:t>18/6/2018</a:t>
             </a:fld>
             <a:endParaRPr lang="en-SG"/>
           </a:p>
@@ -2423,7 +2435,7 @@
           <a:p>
             <a:fld id="{1BE7A46D-B096-46A3-8BC6-2D24ADE8BFB6}" type="datetimeFigureOut">
               <a:rPr lang="en-SG" smtClean="0"/>
-              <a:t>17/6/2018</a:t>
+              <a:t>18/6/2018</a:t>
             </a:fld>
             <a:endParaRPr lang="en-SG"/>
           </a:p>
@@ -2603,7 +2615,7 @@
           <a:p>
             <a:fld id="{1BE7A46D-B096-46A3-8BC6-2D24ADE8BFB6}" type="datetimeFigureOut">
               <a:rPr lang="en-SG" smtClean="0"/>
-              <a:t>17/6/2018</a:t>
+              <a:t>18/6/2018</a:t>
             </a:fld>
             <a:endParaRPr lang="en-SG"/>
           </a:p>
@@ -4941,7 +4953,7 @@
           <a:p>
             <a:fld id="{1BE7A46D-B096-46A3-8BC6-2D24ADE8BFB6}" type="datetimeFigureOut">
               <a:rPr lang="en-SG" smtClean="0"/>
-              <a:t>17/6/2018</a:t>
+              <a:t>18/6/2018</a:t>
             </a:fld>
             <a:endParaRPr lang="en-SG"/>
           </a:p>
@@ -5391,7 +5403,7 @@
           <a:p>
             <a:fld id="{1BE7A46D-B096-46A3-8BC6-2D24ADE8BFB6}" type="datetimeFigureOut">
               <a:rPr lang="en-SG" smtClean="0"/>
-              <a:t>17/6/2018</a:t>
+              <a:t>18/6/2018</a:t>
             </a:fld>
             <a:endParaRPr lang="en-SG"/>
           </a:p>
@@ -5520,7 +5532,7 @@
           <a:p>
             <a:fld id="{1BE7A46D-B096-46A3-8BC6-2D24ADE8BFB6}" type="datetimeFigureOut">
               <a:rPr lang="en-SG" smtClean="0"/>
-              <a:t>17/6/2018</a:t>
+              <a:t>18/6/2018</a:t>
             </a:fld>
             <a:endParaRPr lang="en-SG"/>
           </a:p>
@@ -7450,7 +7462,7 @@
           <a:p>
             <a:fld id="{1BE7A46D-B096-46A3-8BC6-2D24ADE8BFB6}" type="datetimeFigureOut">
               <a:rPr lang="en-SG" smtClean="0"/>
-              <a:t>17/6/2018</a:t>
+              <a:t>18/6/2018</a:t>
             </a:fld>
             <a:endParaRPr lang="en-SG"/>
           </a:p>
@@ -9696,7 +9708,7 @@
           <a:p>
             <a:fld id="{1BE7A46D-B096-46A3-8BC6-2D24ADE8BFB6}" type="datetimeFigureOut">
               <a:rPr lang="en-SG" smtClean="0"/>
-              <a:t>17/6/2018</a:t>
+              <a:t>18/6/2018</a:t>
             </a:fld>
             <a:endParaRPr lang="en-SG"/>
           </a:p>
@@ -13923,7 +13935,7 @@
           <a:p>
             <a:fld id="{1BE7A46D-B096-46A3-8BC6-2D24ADE8BFB6}" type="datetimeFigureOut">
               <a:rPr lang="en-SG" smtClean="0"/>
-              <a:t>17/6/2018</a:t>
+              <a:t>18/6/2018</a:t>
             </a:fld>
             <a:endParaRPr lang="en-SG"/>
           </a:p>
@@ -14443,8 +14455,8 @@
         </p:nvCxnSpPr>
         <p:spPr>
           <a:xfrm flipV="1">
-            <a:off x="2236292" y="1811375"/>
-            <a:ext cx="4991" cy="293309"/>
+            <a:off x="2247813" y="1811375"/>
+            <a:ext cx="1" cy="293309"/>
           </a:xfrm>
           <a:prstGeom prst="straightConnector1">
             <a:avLst/>
@@ -15617,8 +15629,8 @@
                 </p:nvSpPr>
                 <p:spPr>
                   <a:xfrm>
-                    <a:off x="1356020" y="714116"/>
-                    <a:ext cx="1535267" cy="239185"/>
+                    <a:off x="1346202" y="714116"/>
+                    <a:ext cx="1563595" cy="239185"/>
                   </a:xfrm>
                   <a:prstGeom prst="rect">
                     <a:avLst/>
@@ -15666,8 +15678,8 @@
                 </p:nvSpPr>
                 <p:spPr>
                   <a:xfrm>
-                    <a:off x="1351208" y="1241715"/>
-                    <a:ext cx="1538747" cy="381697"/>
+                    <a:off x="1346202" y="1241715"/>
+                    <a:ext cx="1563595" cy="381697"/>
                   </a:xfrm>
                   <a:prstGeom prst="rect">
                     <a:avLst/>
@@ -15715,8 +15727,8 @@
                 </p:nvSpPr>
                 <p:spPr>
                   <a:xfrm>
-                    <a:off x="1351209" y="365670"/>
-                    <a:ext cx="1538747" cy="248316"/>
+                    <a:off x="1346202" y="365670"/>
+                    <a:ext cx="1563595" cy="248316"/>
                   </a:xfrm>
                   <a:prstGeom prst="rect">
                     <a:avLst/>
@@ -15767,8 +15779,8 @@
                 </p:nvSpPr>
                 <p:spPr>
                   <a:xfrm>
-                    <a:off x="1339867" y="1916721"/>
-                    <a:ext cx="1550089" cy="381697"/>
+                    <a:off x="1346202" y="1916721"/>
+                    <a:ext cx="1563594" cy="381697"/>
                   </a:xfrm>
                   <a:prstGeom prst="rect">
                     <a:avLst/>
@@ -15806,137 +15818,127 @@
                 </p:txBody>
               </p:sp>
             </p:grpSp>
-            <p:grpSp>
-              <p:nvGrpSpPr>
-                <p:cNvPr id="21" name="Group 20">
+            <p:sp>
+              <p:nvSpPr>
+                <p:cNvPr id="69" name="Rectangle 68">
                   <a:extLst>
                     <a:ext uri="{FF2B5EF4-FFF2-40B4-BE49-F238E27FC236}">
-                      <a16:creationId xmlns:a16="http://schemas.microsoft.com/office/drawing/2014/main" id="{21DCBA26-3139-46D1-B2E4-5FBAD7193997}"/>
+                      <a16:creationId xmlns:a16="http://schemas.microsoft.com/office/drawing/2014/main" id="{06E3D97B-24A0-4D3C-9256-91607B8CC0E2}"/>
                     </a:ext>
                   </a:extLst>
                 </p:cNvPr>
-                <p:cNvGrpSpPr/>
+                <p:cNvSpPr/>
                 <p:nvPr/>
-              </p:nvGrpSpPr>
-              <p:grpSpPr>
+              </p:nvSpPr>
+              <p:spPr>
                 <a:xfrm>
                   <a:off x="3094516" y="3930297"/>
                   <a:ext cx="1789936" cy="2869008"/>
-                  <a:chOff x="534332" y="3947252"/>
-                  <a:chExt cx="1789936" cy="2869008"/>
                 </a:xfrm>
-              </p:grpSpPr>
-              <p:sp>
-                <p:nvSpPr>
-                  <p:cNvPr id="69" name="Rectangle 68">
-                    <a:extLst>
-                      <a:ext uri="{FF2B5EF4-FFF2-40B4-BE49-F238E27FC236}">
-                        <a16:creationId xmlns:a16="http://schemas.microsoft.com/office/drawing/2014/main" id="{06E3D97B-24A0-4D3C-9256-91607B8CC0E2}"/>
-                      </a:ext>
-                    </a:extLst>
-                  </p:cNvPr>
-                  <p:cNvSpPr/>
-                  <p:nvPr/>
-                </p:nvSpPr>
-                <p:spPr>
-                  <a:xfrm>
-                    <a:off x="534332" y="3947252"/>
-                    <a:ext cx="1789936" cy="2869008"/>
-                  </a:xfrm>
-                  <a:prstGeom prst="rect">
-                    <a:avLst/>
-                  </a:prstGeom>
+                <a:prstGeom prst="rect">
+                  <a:avLst/>
+                </a:prstGeom>
+                <a:solidFill>
+                  <a:schemeClr val="accent5">
+                    <a:lumMod val="20000"/>
+                    <a:lumOff val="80000"/>
+                  </a:schemeClr>
+                </a:solidFill>
+                <a:ln>
                   <a:solidFill>
-                    <a:schemeClr val="accent5">
-                      <a:lumMod val="20000"/>
-                      <a:lumOff val="80000"/>
+                    <a:schemeClr val="bg1">
+                      <a:lumMod val="95000"/>
                     </a:schemeClr>
                   </a:solidFill>
-                  <a:ln>
-                    <a:solidFill>
-                      <a:schemeClr val="bg1">
-                        <a:lumMod val="95000"/>
-                      </a:schemeClr>
-                    </a:solidFill>
-                  </a:ln>
-                </p:spPr>
-                <p:style>
-                  <a:lnRef idx="2">
-                    <a:schemeClr val="accent2">
-                      <a:shade val="50000"/>
-                    </a:schemeClr>
-                  </a:lnRef>
-                  <a:fillRef idx="1">
-                    <a:schemeClr val="accent2"/>
-                  </a:fillRef>
-                  <a:effectRef idx="0">
-                    <a:schemeClr val="accent2"/>
-                  </a:effectRef>
-                  <a:fontRef idx="minor">
-                    <a:schemeClr val="lt1"/>
-                  </a:fontRef>
-                </p:style>
-                <p:txBody>
-                  <a:bodyPr rtlCol="0" anchor="t"/>
-                  <a:lstStyle/>
-                  <a:p>
-                    <a:pPr algn="ctr"/>
-                    <a:endParaRPr lang="en-SG" sz="1200" b="1" dirty="0">
+                </a:ln>
+              </p:spPr>
+              <p:style>
+                <a:lnRef idx="2">
+                  <a:schemeClr val="accent2">
+                    <a:shade val="50000"/>
+                  </a:schemeClr>
+                </a:lnRef>
+                <a:fillRef idx="1">
+                  <a:schemeClr val="accent2"/>
+                </a:fillRef>
+                <a:effectRef idx="0">
+                  <a:schemeClr val="accent2"/>
+                </a:effectRef>
+                <a:fontRef idx="minor">
+                  <a:schemeClr val="lt1"/>
+                </a:fontRef>
+              </p:style>
+              <p:txBody>
+                <a:bodyPr rtlCol="0" anchor="t"/>
+                <a:lstStyle/>
+                <a:p>
+                  <a:pPr algn="ctr"/>
+                  <a:r>
+                    <a:rPr lang="en-SG" sz="1200" dirty="0">
                       <a:solidFill>
                         <a:schemeClr val="tx1"/>
                       </a:solidFill>
-                    </a:endParaRPr>
-                  </a:p>
-                </p:txBody>
-              </p:sp>
-              <p:pic>
-                <p:nvPicPr>
-                  <p:cNvPr id="1034" name="Picture 10" descr="âwiki pngâçå¾çæç´¢ç»æ">
-                    <a:extLst>
-                      <a:ext uri="{FF2B5EF4-FFF2-40B4-BE49-F238E27FC236}">
-                        <a16:creationId xmlns:a16="http://schemas.microsoft.com/office/drawing/2014/main" id="{242DD990-67C7-47EE-BB93-A3CCB271E9AB}"/>
-                      </a:ext>
-                    </a:extLst>
-                  </p:cNvPr>
-                  <p:cNvPicPr>
-                    <a:picLocks noChangeAspect="1" noChangeArrowheads="1"/>
-                  </p:cNvPicPr>
-                  <p:nvPr/>
-                </p:nvPicPr>
-                <p:blipFill>
-                  <a:blip r:embed="rId6">
-                    <a:extLst>
-                      <a:ext uri="{28A0092B-C50C-407E-A947-70E740481C1C}">
-                        <a14:useLocalDpi xmlns:a14="http://schemas.microsoft.com/office/drawing/2010/main" val="0"/>
-                      </a:ext>
-                    </a:extLst>
-                  </a:blip>
-                  <a:srcRect/>
-                  <a:stretch>
-                    <a:fillRect/>
-                  </a:stretch>
-                </p:blipFill>
-                <p:spPr bwMode="auto">
-                  <a:xfrm>
-                    <a:off x="574548" y="6327348"/>
-                    <a:ext cx="439746" cy="439746"/>
-                  </a:xfrm>
-                  <a:prstGeom prst="rect">
-                    <a:avLst/>
-                  </a:prstGeom>
-                  <a:noFill/>
-                  <a:extLst>
-                    <a:ext uri="{909E8E84-426E-40DD-AFC4-6F175D3DCCD1}">
-                      <a14:hiddenFill xmlns:a14="http://schemas.microsoft.com/office/drawing/2010/main">
-                        <a:solidFill>
-                          <a:srgbClr val="FFFFFF"/>
-                        </a:solidFill>
-                      </a14:hiddenFill>
-                    </a:ext>
-                  </a:extLst>
-                </p:spPr>
-              </p:pic>
-            </p:grpSp>
+                    </a:rPr>
+                    <a:t>Http call </a:t>
+                  </a:r>
+                </a:p>
+                <a:p>
+                  <a:pPr algn="ctr"/>
+                  <a:r>
+                    <a:rPr lang="en-SG" sz="1200" dirty="0">
+                      <a:solidFill>
+                        <a:schemeClr val="tx1"/>
+                      </a:solidFill>
+                    </a:rPr>
+                    <a:t>To</a:t>
+                  </a:r>
+                </a:p>
+                <a:p>
+                  <a:pPr algn="ctr"/>
+                  <a:r>
+                    <a:rPr lang="en-SG" sz="1200" dirty="0">
+                      <a:solidFill>
+                        <a:schemeClr val="tx1"/>
+                      </a:solidFill>
+                    </a:rPr>
+                    <a:t>Retrieve </a:t>
+                  </a:r>
+                </a:p>
+                <a:p>
+                  <a:pPr algn="ctr"/>
+                  <a:r>
+                    <a:rPr lang="en-SG" sz="1200" dirty="0">
+                      <a:solidFill>
+                        <a:schemeClr val="tx1"/>
+                      </a:solidFill>
+                    </a:rPr>
+                    <a:t>Data </a:t>
+                  </a:r>
+                </a:p>
+                <a:p>
+                  <a:pPr algn="ctr"/>
+                  <a:r>
+                    <a:rPr lang="en-SG" sz="1200" dirty="0">
+                      <a:solidFill>
+                        <a:schemeClr val="tx1"/>
+                      </a:solidFill>
+                    </a:rPr>
+                    <a:t>From</a:t>
+                  </a:r>
+                </a:p>
+                <a:p>
+                  <a:pPr algn="ctr"/>
+                  <a:r>
+                    <a:rPr lang="en-SG" sz="1200" dirty="0">
+                      <a:solidFill>
+                        <a:schemeClr val="tx1"/>
+                      </a:solidFill>
+                    </a:rPr>
+                    <a:t>Answers.com</a:t>
+                  </a:r>
+                </a:p>
+              </p:txBody>
+            </p:sp>
           </p:grpSp>
           <p:sp>
             <p:nvSpPr>
@@ -16123,7 +16125,7 @@
                   <p:nvPr/>
                 </p:nvPicPr>
                 <p:blipFill>
-                  <a:blip r:embed="rId7">
+                  <a:blip r:embed="rId6">
                     <a:extLst>
                       <a:ext uri="{28A0092B-C50C-407E-A947-70E740481C1C}">
                         <a14:useLocalDpi xmlns:a14="http://schemas.microsoft.com/office/drawing/2010/main" val="0"/>
@@ -16249,7 +16251,7 @@
                   <p:nvPr/>
                 </p:nvPicPr>
                 <p:blipFill>
-                  <a:blip r:embed="rId8">
+                  <a:blip r:embed="rId7">
                     <a:extLst>
                       <a:ext uri="{28A0092B-C50C-407E-A947-70E740481C1C}">
                         <a14:useLocalDpi xmlns:a14="http://schemas.microsoft.com/office/drawing/2010/main" val="0"/>
@@ -16382,7 +16384,7 @@
                     <p:nvPr/>
                   </p:nvPicPr>
                   <p:blipFill>
-                    <a:blip r:embed="rId9">
+                    <a:blip r:embed="rId8">
                       <a:extLst>
                         <a:ext uri="{28A0092B-C50C-407E-A947-70E740481C1C}">
                           <a14:useLocalDpi xmlns:a14="http://schemas.microsoft.com/office/drawing/2010/main" val="0"/>
@@ -16640,7 +16642,7 @@
                 <p:sp>
                   <p:nvSpPr>
                     <p:cNvPr id="92" name="Rectangle 91">
-                      <a:hlinkClick r:id="rId10"/>
+                      <a:hlinkClick r:id="rId9"/>
                       <a:extLst>
                         <a:ext uri="{FF2B5EF4-FFF2-40B4-BE49-F238E27FC236}">
                           <a16:creationId xmlns:a16="http://schemas.microsoft.com/office/drawing/2014/main" id="{75B78D9C-9DF0-4428-AF7E-CCFC88D47636}"/>
@@ -16706,7 +16708,7 @@
                     <p:nvPr/>
                   </p:nvPicPr>
                   <p:blipFill>
-                    <a:blip r:embed="rId11">
+                    <a:blip r:embed="rId10">
                       <a:extLst>
                         <a:ext uri="{28A0092B-C50C-407E-A947-70E740481C1C}">
                           <a14:useLocalDpi xmlns:a14="http://schemas.microsoft.com/office/drawing/2010/main" val="0"/>
@@ -16781,7 +16783,7 @@
                         <a:solidFill>
                           <a:schemeClr val="tx1"/>
                         </a:solidFill>
-                        <a:hlinkClick r:id="rId10"/>
+                        <a:hlinkClick r:id="rId9"/>
                       </a:rPr>
                       <a:t>Teachers Portal</a:t>
                     </a:r>
@@ -16876,7 +16878,7 @@
           <p:nvPr/>
         </p:nvPicPr>
         <p:blipFill>
-          <a:blip r:embed="rId12">
+          <a:blip r:embed="rId11">
             <a:extLst>
               <a:ext uri="{28A0092B-C50C-407E-A947-70E740481C1C}">
                 <a14:useLocalDpi xmlns:a14="http://schemas.microsoft.com/office/drawing/2010/main" val="0"/>
@@ -16924,7 +16926,7 @@
           <p:nvPr/>
         </p:nvPicPr>
         <p:blipFill>
-          <a:blip r:embed="rId13">
+          <a:blip r:embed="rId12">
             <a:extLst>
               <a:ext uri="{28A0092B-C50C-407E-A947-70E740481C1C}">
                 <a14:useLocalDpi xmlns:a14="http://schemas.microsoft.com/office/drawing/2010/main" val="0"/>
@@ -16956,6 +16958,285 @@
           </a:extLst>
         </p:spPr>
       </p:pic>
+      <p:pic>
+        <p:nvPicPr>
+          <p:cNvPr id="3" name="Picture 2">
+            <a:extLst>
+              <a:ext uri="{FF2B5EF4-FFF2-40B4-BE49-F238E27FC236}">
+                <a16:creationId xmlns:a16="http://schemas.microsoft.com/office/drawing/2014/main" id="{B50DB7D9-FDB9-478B-8308-83BAFB53DDFF}"/>
+              </a:ext>
+            </a:extLst>
+          </p:cNvPr>
+          <p:cNvPicPr>
+            <a:picLocks noChangeAspect="1"/>
+          </p:cNvPicPr>
+          <p:nvPr/>
+        </p:nvPicPr>
+        <p:blipFill>
+          <a:blip r:embed="rId13">
+            <a:extLst>
+              <a:ext uri="{28A0092B-C50C-407E-A947-70E740481C1C}">
+                <a14:useLocalDpi xmlns:a14="http://schemas.microsoft.com/office/drawing/2010/main" val="0"/>
+              </a:ext>
+            </a:extLst>
+          </a:blip>
+          <a:stretch>
+            <a:fillRect/>
+          </a:stretch>
+        </p:blipFill>
+        <p:spPr>
+          <a:xfrm>
+            <a:off x="1508995" y="5045435"/>
+            <a:ext cx="1480662" cy="1480662"/>
+          </a:xfrm>
+          <a:prstGeom prst="rect">
+            <a:avLst/>
+          </a:prstGeom>
+        </p:spPr>
+      </p:pic>
+      <p:sp>
+        <p:nvSpPr>
+          <p:cNvPr id="4" name="TextBox 3">
+            <a:extLst>
+              <a:ext uri="{FF2B5EF4-FFF2-40B4-BE49-F238E27FC236}">
+                <a16:creationId xmlns:a16="http://schemas.microsoft.com/office/drawing/2014/main" id="{F968F43C-1335-47A3-B8DA-24E7EFE57E0F}"/>
+              </a:ext>
+            </a:extLst>
+          </p:cNvPr>
+          <p:cNvSpPr txBox="1"/>
+          <p:nvPr/>
+        </p:nvSpPr>
+        <p:spPr>
+          <a:xfrm>
+            <a:off x="276460" y="2087156"/>
+            <a:ext cx="994014" cy="369332"/>
+          </a:xfrm>
+          <a:prstGeom prst="rect">
+            <a:avLst/>
+          </a:prstGeom>
+          <a:noFill/>
+        </p:spPr>
+        <p:txBody>
+          <a:bodyPr wrap="square" rtlCol="0">
+            <a:spAutoFit/>
+          </a:bodyPr>
+          <a:lstStyle/>
+          <a:p>
+            <a:r>
+              <a:rPr lang="en-SG" altLang="zh-CN" dirty="0"/>
+              <a:t>Student</a:t>
+            </a:r>
+            <a:endParaRPr lang="zh-CN" altLang="en-US" dirty="0"/>
+          </a:p>
+        </p:txBody>
+      </p:sp>
+      <p:sp>
+        <p:nvSpPr>
+          <p:cNvPr id="62" name="TextBox 61">
+            <a:extLst>
+              <a:ext uri="{FF2B5EF4-FFF2-40B4-BE49-F238E27FC236}">
+                <a16:creationId xmlns:a16="http://schemas.microsoft.com/office/drawing/2014/main" id="{A46CE0F4-36D0-48B7-92F4-DBAA38F86464}"/>
+              </a:ext>
+            </a:extLst>
+          </p:cNvPr>
+          <p:cNvSpPr txBox="1"/>
+          <p:nvPr/>
+        </p:nvSpPr>
+        <p:spPr>
+          <a:xfrm rot="5400000">
+            <a:off x="11408520" y="6003438"/>
+            <a:ext cx="1026811" cy="369332"/>
+          </a:xfrm>
+          <a:prstGeom prst="rect">
+            <a:avLst/>
+          </a:prstGeom>
+          <a:noFill/>
+        </p:spPr>
+        <p:txBody>
+          <a:bodyPr wrap="square" rtlCol="0">
+            <a:spAutoFit/>
+          </a:bodyPr>
+          <a:lstStyle/>
+          <a:p>
+            <a:r>
+              <a:rPr lang="en-SG" altLang="zh-CN" dirty="0"/>
+              <a:t>Teacher</a:t>
+            </a:r>
+            <a:endParaRPr lang="zh-CN" altLang="en-US" dirty="0"/>
+          </a:p>
+        </p:txBody>
+      </p:sp>
+      <p:cxnSp>
+        <p:nvCxnSpPr>
+          <p:cNvPr id="15" name="Straight Arrow Connector 14">
+            <a:extLst>
+              <a:ext uri="{FF2B5EF4-FFF2-40B4-BE49-F238E27FC236}">
+                <a16:creationId xmlns:a16="http://schemas.microsoft.com/office/drawing/2014/main" id="{C4CDDC46-ED34-42AA-97C7-A92ABDE0041F}"/>
+              </a:ext>
+            </a:extLst>
+          </p:cNvPr>
+          <p:cNvCxnSpPr>
+            <a:stCxn id="34" idx="2"/>
+            <a:endCxn id="89" idx="0"/>
+          </p:cNvCxnSpPr>
+          <p:nvPr/>
+        </p:nvCxnSpPr>
+        <p:spPr>
+          <a:xfrm>
+            <a:off x="9379756" y="2507992"/>
+            <a:ext cx="0" cy="444366"/>
+          </a:xfrm>
+          <a:prstGeom prst="straightConnector1">
+            <a:avLst/>
+          </a:prstGeom>
+          <a:ln w="38100">
+            <a:headEnd type="triangle"/>
+            <a:tailEnd type="triangle"/>
+          </a:ln>
+        </p:spPr>
+        <p:style>
+          <a:lnRef idx="1">
+            <a:schemeClr val="accent2"/>
+          </a:lnRef>
+          <a:fillRef idx="0">
+            <a:schemeClr val="accent2"/>
+          </a:fillRef>
+          <a:effectRef idx="0">
+            <a:schemeClr val="accent2"/>
+          </a:effectRef>
+          <a:fontRef idx="minor">
+            <a:schemeClr val="tx1"/>
+          </a:fontRef>
+        </p:style>
+      </p:cxnSp>
+      <p:cxnSp>
+        <p:nvCxnSpPr>
+          <p:cNvPr id="67" name="Straight Arrow Connector 66">
+            <a:extLst>
+              <a:ext uri="{FF2B5EF4-FFF2-40B4-BE49-F238E27FC236}">
+                <a16:creationId xmlns:a16="http://schemas.microsoft.com/office/drawing/2014/main" id="{D2837019-3896-4F9B-B9FF-7A6279805234}"/>
+              </a:ext>
+            </a:extLst>
+          </p:cNvPr>
+          <p:cNvCxnSpPr>
+            <a:cxnSpLocks/>
+            <a:stCxn id="89" idx="2"/>
+            <a:endCxn id="92" idx="0"/>
+          </p:cNvCxnSpPr>
+          <p:nvPr/>
+        </p:nvCxnSpPr>
+        <p:spPr>
+          <a:xfrm>
+            <a:off x="9379756" y="4834199"/>
+            <a:ext cx="0" cy="497223"/>
+          </a:xfrm>
+          <a:prstGeom prst="straightConnector1">
+            <a:avLst/>
+          </a:prstGeom>
+          <a:ln w="38100">
+            <a:headEnd type="triangle"/>
+            <a:tailEnd type="triangle"/>
+          </a:ln>
+        </p:spPr>
+        <p:style>
+          <a:lnRef idx="1">
+            <a:schemeClr val="accent2"/>
+          </a:lnRef>
+          <a:fillRef idx="0">
+            <a:schemeClr val="accent2"/>
+          </a:fillRef>
+          <a:effectRef idx="0">
+            <a:schemeClr val="accent2"/>
+          </a:effectRef>
+          <a:fontRef idx="minor">
+            <a:schemeClr val="tx1"/>
+          </a:fontRef>
+        </p:style>
+      </p:cxnSp>
+      <p:cxnSp>
+        <p:nvCxnSpPr>
+          <p:cNvPr id="23" name="Straight Arrow Connector 22">
+            <a:extLst>
+              <a:ext uri="{FF2B5EF4-FFF2-40B4-BE49-F238E27FC236}">
+                <a16:creationId xmlns:a16="http://schemas.microsoft.com/office/drawing/2014/main" id="{BFB287BE-E976-4448-9185-967003BE72F3}"/>
+              </a:ext>
+            </a:extLst>
+          </p:cNvPr>
+          <p:cNvCxnSpPr>
+            <a:cxnSpLocks/>
+            <a:stCxn id="60" idx="0"/>
+            <a:endCxn id="10" idx="2"/>
+          </p:cNvCxnSpPr>
+          <p:nvPr/>
+        </p:nvCxnSpPr>
+        <p:spPr>
+          <a:xfrm flipV="1">
+            <a:off x="2247813" y="1811375"/>
+            <a:ext cx="1" cy="293309"/>
+          </a:xfrm>
+          <a:prstGeom prst="straightConnector1">
+            <a:avLst/>
+          </a:prstGeom>
+          <a:ln w="38100">
+            <a:tailEnd type="triangle"/>
+          </a:ln>
+        </p:spPr>
+        <p:style>
+          <a:lnRef idx="1">
+            <a:schemeClr val="accent2"/>
+          </a:lnRef>
+          <a:fillRef idx="0">
+            <a:schemeClr val="accent2"/>
+          </a:fillRef>
+          <a:effectRef idx="0">
+            <a:schemeClr val="accent2"/>
+          </a:effectRef>
+          <a:fontRef idx="minor">
+            <a:schemeClr val="tx1"/>
+          </a:fontRef>
+        </p:style>
+      </p:cxnSp>
+      <p:cxnSp>
+        <p:nvCxnSpPr>
+          <p:cNvPr id="25" name="Straight Connector 24">
+            <a:extLst>
+              <a:ext uri="{FF2B5EF4-FFF2-40B4-BE49-F238E27FC236}">
+                <a16:creationId xmlns:a16="http://schemas.microsoft.com/office/drawing/2014/main" id="{EAE28F8D-863E-4940-8FC9-BD5D2C5E4A81}"/>
+              </a:ext>
+            </a:extLst>
+          </p:cNvPr>
+          <p:cNvCxnSpPr>
+            <a:cxnSpLocks/>
+            <a:stCxn id="13" idx="2"/>
+            <a:endCxn id="9" idx="0"/>
+          </p:cNvCxnSpPr>
+          <p:nvPr/>
+        </p:nvCxnSpPr>
+        <p:spPr>
+          <a:xfrm>
+            <a:off x="2247814" y="801949"/>
+            <a:ext cx="0" cy="100130"/>
+          </a:xfrm>
+          <a:prstGeom prst="line">
+            <a:avLst/>
+          </a:prstGeom>
+          <a:ln w="38100"/>
+        </p:spPr>
+        <p:style>
+          <a:lnRef idx="1">
+            <a:schemeClr val="accent2"/>
+          </a:lnRef>
+          <a:fillRef idx="0">
+            <a:schemeClr val="accent2"/>
+          </a:fillRef>
+          <a:effectRef idx="0">
+            <a:schemeClr val="accent2"/>
+          </a:effectRef>
+          <a:fontRef idx="minor">
+            <a:schemeClr val="tx1"/>
+          </a:fontRef>
+        </p:style>
+      </p:cxnSp>
     </p:spTree>
     <p:extLst>
       <p:ext uri="{BB962C8B-B14F-4D97-AF65-F5344CB8AC3E}">

--- a/Architecture diagram/Deskmate SA diagram.pptx
+++ b/Architecture diagram/Deskmate SA diagram.pptx
@@ -2243,7 +2243,7 @@
           <a:p>
             <a:fld id="{1BE7A46D-B096-46A3-8BC6-2D24ADE8BFB6}" type="datetimeFigureOut">
               <a:rPr lang="en-SG" smtClean="0"/>
-              <a:t>18/6/2018</a:t>
+              <a:t>19/6/2018</a:t>
             </a:fld>
             <a:endParaRPr lang="en-SG"/>
           </a:p>
@@ -2435,7 +2435,7 @@
           <a:p>
             <a:fld id="{1BE7A46D-B096-46A3-8BC6-2D24ADE8BFB6}" type="datetimeFigureOut">
               <a:rPr lang="en-SG" smtClean="0"/>
-              <a:t>18/6/2018</a:t>
+              <a:t>19/6/2018</a:t>
             </a:fld>
             <a:endParaRPr lang="en-SG"/>
           </a:p>
@@ -2615,7 +2615,7 @@
           <a:p>
             <a:fld id="{1BE7A46D-B096-46A3-8BC6-2D24ADE8BFB6}" type="datetimeFigureOut">
               <a:rPr lang="en-SG" smtClean="0"/>
-              <a:t>18/6/2018</a:t>
+              <a:t>19/6/2018</a:t>
             </a:fld>
             <a:endParaRPr lang="en-SG"/>
           </a:p>
@@ -4953,7 +4953,7 @@
           <a:p>
             <a:fld id="{1BE7A46D-B096-46A3-8BC6-2D24ADE8BFB6}" type="datetimeFigureOut">
               <a:rPr lang="en-SG" smtClean="0"/>
-              <a:t>18/6/2018</a:t>
+              <a:t>19/6/2018</a:t>
             </a:fld>
             <a:endParaRPr lang="en-SG"/>
           </a:p>
@@ -5403,7 +5403,7 @@
           <a:p>
             <a:fld id="{1BE7A46D-B096-46A3-8BC6-2D24ADE8BFB6}" type="datetimeFigureOut">
               <a:rPr lang="en-SG" smtClean="0"/>
-              <a:t>18/6/2018</a:t>
+              <a:t>19/6/2018</a:t>
             </a:fld>
             <a:endParaRPr lang="en-SG"/>
           </a:p>
@@ -5532,7 +5532,7 @@
           <a:p>
             <a:fld id="{1BE7A46D-B096-46A3-8BC6-2D24ADE8BFB6}" type="datetimeFigureOut">
               <a:rPr lang="en-SG" smtClean="0"/>
-              <a:t>18/6/2018</a:t>
+              <a:t>19/6/2018</a:t>
             </a:fld>
             <a:endParaRPr lang="en-SG"/>
           </a:p>
@@ -7462,7 +7462,7 @@
           <a:p>
             <a:fld id="{1BE7A46D-B096-46A3-8BC6-2D24ADE8BFB6}" type="datetimeFigureOut">
               <a:rPr lang="en-SG" smtClean="0"/>
-              <a:t>18/6/2018</a:t>
+              <a:t>19/6/2018</a:t>
             </a:fld>
             <a:endParaRPr lang="en-SG"/>
           </a:p>
@@ -9708,7 +9708,7 @@
           <a:p>
             <a:fld id="{1BE7A46D-B096-46A3-8BC6-2D24ADE8BFB6}" type="datetimeFigureOut">
               <a:rPr lang="en-SG" smtClean="0"/>
-              <a:t>18/6/2018</a:t>
+              <a:t>19/6/2018</a:t>
             </a:fld>
             <a:endParaRPr lang="en-SG"/>
           </a:p>
@@ -13935,7 +13935,7 @@
           <a:p>
             <a:fld id="{1BE7A46D-B096-46A3-8BC6-2D24ADE8BFB6}" type="datetimeFigureOut">
               <a:rPr lang="en-SG" smtClean="0"/>
-              <a:t>18/6/2018</a:t>
+              <a:t>19/6/2018</a:t>
             </a:fld>
             <a:endParaRPr lang="en-SG"/>
           </a:p>
@@ -14658,10 +14658,10 @@
       </p:cxnSp>
       <p:grpSp>
         <p:nvGrpSpPr>
-          <p:cNvPr id="97" name="Group 96">
+          <p:cNvPr id="12" name="Group 11">
             <a:extLst>
               <a:ext uri="{FF2B5EF4-FFF2-40B4-BE49-F238E27FC236}">
-                <a16:creationId xmlns:a16="http://schemas.microsoft.com/office/drawing/2014/main" id="{2ED56B15-F711-439B-94AF-198A9B8E5280}"/>
+                <a16:creationId xmlns:a16="http://schemas.microsoft.com/office/drawing/2014/main" id="{36B9CBF7-2396-40E0-86B1-A84A5D92C991}"/>
               </a:ext>
             </a:extLst>
           </p:cNvPr>
@@ -14670,64 +14670,113 @@
         </p:nvGrpSpPr>
         <p:grpSpPr>
           <a:xfrm>
-            <a:off x="1353742" y="56681"/>
-            <a:ext cx="9422960" cy="6644828"/>
-            <a:chOff x="1458517" y="56681"/>
-            <a:chExt cx="9422960" cy="6644828"/>
+            <a:off x="114696" y="56681"/>
+            <a:ext cx="12080797" cy="6917360"/>
+            <a:chOff x="114696" y="56681"/>
+            <a:chExt cx="12080797" cy="6917360"/>
           </a:xfrm>
         </p:grpSpPr>
-        <p:sp>
-          <p:nvSpPr>
-            <p:cNvPr id="80" name="Arrow: Up-Down 79">
+        <p:pic>
+          <p:nvPicPr>
+            <p:cNvPr id="1036" name="Picture 12" descr="âstudent pngâçå¾çæç´¢ç»æ">
               <a:extLst>
                 <a:ext uri="{FF2B5EF4-FFF2-40B4-BE49-F238E27FC236}">
-                  <a16:creationId xmlns:a16="http://schemas.microsoft.com/office/drawing/2014/main" id="{4744EA38-3883-423C-A673-CEF087CA7A62}"/>
+                  <a16:creationId xmlns:a16="http://schemas.microsoft.com/office/drawing/2014/main" id="{22CB1FAC-FCD9-486C-B04A-290475ED0C0F}"/>
                 </a:ext>
               </a:extLst>
             </p:cNvPr>
-            <p:cNvSpPr/>
+            <p:cNvPicPr>
+              <a:picLocks noChangeAspect="1" noChangeArrowheads="1"/>
+            </p:cNvPicPr>
             <p:nvPr/>
-          </p:nvSpPr>
-          <p:spPr>
-            <a:xfrm rot="5400000">
-              <a:off x="6964507" y="1040707"/>
-              <a:ext cx="745472" cy="1123405"/>
+          </p:nvPicPr>
+          <p:blipFill>
+            <a:blip r:embed="rId2">
+              <a:extLst>
+                <a:ext uri="{28A0092B-C50C-407E-A947-70E740481C1C}">
+                  <a14:useLocalDpi xmlns:a14="http://schemas.microsoft.com/office/drawing/2010/main" val="0"/>
+                </a:ext>
+              </a:extLst>
+            </a:blip>
+            <a:srcRect/>
+            <a:stretch>
+              <a:fillRect/>
+            </a:stretch>
+          </p:blipFill>
+          <p:spPr bwMode="auto">
+            <a:xfrm>
+              <a:off x="10059426" y="4837974"/>
+              <a:ext cx="2136067" cy="2136067"/>
             </a:xfrm>
-            <a:prstGeom prst="upDownArrow">
+            <a:prstGeom prst="rect">
               <a:avLst/>
             </a:prstGeom>
+            <a:noFill/>
+            <a:extLst>
+              <a:ext uri="{909E8E84-426E-40DD-AFC4-6F175D3DCCD1}">
+                <a14:hiddenFill xmlns:a14="http://schemas.microsoft.com/office/drawing/2010/main">
+                  <a:solidFill>
+                    <a:srgbClr val="FFFFFF"/>
+                  </a:solidFill>
+                </a14:hiddenFill>
+              </a:ext>
+            </a:extLst>
           </p:spPr>
-          <p:style>
-            <a:lnRef idx="2">
-              <a:schemeClr val="accent1">
-                <a:shade val="50000"/>
-              </a:schemeClr>
-            </a:lnRef>
-            <a:fillRef idx="1">
-              <a:schemeClr val="accent1"/>
-            </a:fillRef>
-            <a:effectRef idx="0">
-              <a:schemeClr val="accent1"/>
-            </a:effectRef>
-            <a:fontRef idx="minor">
-              <a:schemeClr val="lt1"/>
-            </a:fontRef>
-          </p:style>
-          <p:txBody>
-            <a:bodyPr rtlCol="0" anchor="ctr"/>
-            <a:lstStyle/>
-            <a:p>
-              <a:pPr algn="ctr"/>
-              <a:endParaRPr lang="en-SG"/>
-            </a:p>
-          </p:txBody>
-        </p:sp>
+        </p:pic>
+        <p:pic>
+          <p:nvPicPr>
+            <p:cNvPr id="1038" name="Picture 14" descr="ç¸å+³å¾ç">
+              <a:extLst>
+                <a:ext uri="{FF2B5EF4-FFF2-40B4-BE49-F238E27FC236}">
+                  <a16:creationId xmlns:a16="http://schemas.microsoft.com/office/drawing/2014/main" id="{206A12B7-DE5F-419B-B6FC-EEA7CCB3DCB2}"/>
+                </a:ext>
+              </a:extLst>
+            </p:cNvPr>
+            <p:cNvPicPr>
+              <a:picLocks noChangeAspect="1" noChangeArrowheads="1"/>
+            </p:cNvPicPr>
+            <p:nvPr/>
+          </p:nvPicPr>
+          <p:blipFill>
+            <a:blip r:embed="rId3">
+              <a:extLst>
+                <a:ext uri="{28A0092B-C50C-407E-A947-70E740481C1C}">
+                  <a14:useLocalDpi xmlns:a14="http://schemas.microsoft.com/office/drawing/2010/main" val="0"/>
+                </a:ext>
+              </a:extLst>
+            </a:blip>
+            <a:srcRect/>
+            <a:stretch>
+              <a:fillRect/>
+            </a:stretch>
+          </p:blipFill>
+          <p:spPr bwMode="auto">
+            <a:xfrm>
+              <a:off x="114696" y="842463"/>
+              <a:ext cx="1292075" cy="1292075"/>
+            </a:xfrm>
+            <a:prstGeom prst="rect">
+              <a:avLst/>
+            </a:prstGeom>
+            <a:noFill/>
+            <a:extLst>
+              <a:ext uri="{909E8E84-426E-40DD-AFC4-6F175D3DCCD1}">
+                <a14:hiddenFill xmlns:a14="http://schemas.microsoft.com/office/drawing/2010/main">
+                  <a:solidFill>
+                    <a:srgbClr val="FFFFFF"/>
+                  </a:solidFill>
+                </a14:hiddenFill>
+              </a:ext>
+            </a:extLst>
+          </p:spPr>
+        </p:pic>
         <p:grpSp>
           <p:nvGrpSpPr>
-            <p:cNvPr id="70" name="Group 69">
+            <p:cNvPr id="5" name="Group 4">
               <a:extLst>
                 <a:ext uri="{FF2B5EF4-FFF2-40B4-BE49-F238E27FC236}">
-                  <a16:creationId xmlns:a16="http://schemas.microsoft.com/office/drawing/2014/main" id="{487F9632-9FCD-4E9C-93D3-B491622B0498}"/>
+                  <a16:creationId xmlns:a16="http://schemas.microsoft.com/office/drawing/2014/main" id="{44049F81-A908-4EBE-BC10-3452CDC33509}"/>
                 </a:ext>
               </a:extLst>
             </p:cNvPr>
@@ -14736,18 +14785,18 @@
           </p:nvGrpSpPr>
           <p:grpSpPr>
             <a:xfrm>
-              <a:off x="4562169" y="56681"/>
-              <a:ext cx="2130103" cy="6644828"/>
-              <a:chOff x="9466540" y="254858"/>
-              <a:chExt cx="2130103" cy="6644828"/>
+              <a:off x="1353742" y="56681"/>
+              <a:ext cx="9422960" cy="6644828"/>
+              <a:chOff x="1353742" y="56681"/>
+              <a:chExt cx="9422960" cy="6644828"/>
             </a:xfrm>
           </p:grpSpPr>
           <p:grpSp>
             <p:nvGrpSpPr>
-              <p:cNvPr id="20" name="Group 19">
+              <p:cNvPr id="97" name="Group 96">
                 <a:extLst>
                   <a:ext uri="{FF2B5EF4-FFF2-40B4-BE49-F238E27FC236}">
-                    <a16:creationId xmlns:a16="http://schemas.microsoft.com/office/drawing/2014/main" id="{140FE715-5643-4417-87A4-5E936D20D797}"/>
+                    <a16:creationId xmlns:a16="http://schemas.microsoft.com/office/drawing/2014/main" id="{2ED56B15-F711-439B-94AF-198A9B8E5280}"/>
                   </a:ext>
                 </a:extLst>
               </p:cNvPr>
@@ -14756,18 +14805,18 @@
             </p:nvGrpSpPr>
             <p:grpSpPr>
               <a:xfrm>
-                <a:off x="9466540" y="254858"/>
-                <a:ext cx="2130103" cy="6644828"/>
-                <a:chOff x="9466540" y="254858"/>
-                <a:chExt cx="2130103" cy="6644828"/>
+                <a:off x="1353742" y="56681"/>
+                <a:ext cx="9422960" cy="6644828"/>
+                <a:chOff x="1458517" y="56681"/>
+                <a:chExt cx="9422960" cy="6644828"/>
               </a:xfrm>
             </p:grpSpPr>
             <p:sp>
               <p:nvSpPr>
-                <p:cNvPr id="11" name="Rectangle 10">
+                <p:cNvPr id="80" name="Arrow: Up-Down 79">
                   <a:extLst>
                     <a:ext uri="{FF2B5EF4-FFF2-40B4-BE49-F238E27FC236}">
-                      <a16:creationId xmlns:a16="http://schemas.microsoft.com/office/drawing/2014/main" id="{22E2ADF6-8080-458E-9708-D57C75815121}"/>
+                      <a16:creationId xmlns:a16="http://schemas.microsoft.com/office/drawing/2014/main" id="{4744EA38-3883-423C-A673-CEF087CA7A62}"/>
                     </a:ext>
                   </a:extLst>
                 </p:cNvPr>
@@ -14775,660 +14824,45 @@
                 <p:nvPr/>
               </p:nvSpPr>
               <p:spPr>
-                <a:xfrm>
-                  <a:off x="9466540" y="385157"/>
-                  <a:ext cx="2130103" cy="6514529"/>
+                <a:xfrm rot="5400000">
+                  <a:off x="6964507" y="1040707"/>
+                  <a:ext cx="745472" cy="1123405"/>
                 </a:xfrm>
-                <a:prstGeom prst="rect">
+                <a:prstGeom prst="upDownArrow">
                   <a:avLst/>
                 </a:prstGeom>
-                <a:solidFill>
-                  <a:schemeClr val="accent4">
-                    <a:lumMod val="20000"/>
-                    <a:lumOff val="80000"/>
-                  </a:schemeClr>
-                </a:solidFill>
-                <a:ln>
-                  <a:solidFill>
-                    <a:schemeClr val="bg1">
-                      <a:lumMod val="95000"/>
-                    </a:schemeClr>
-                  </a:solidFill>
-                </a:ln>
               </p:spPr>
               <p:style>
                 <a:lnRef idx="2">
-                  <a:schemeClr val="accent2">
+                  <a:schemeClr val="accent1">
                     <a:shade val="50000"/>
                   </a:schemeClr>
                 </a:lnRef>
                 <a:fillRef idx="1">
-                  <a:schemeClr val="accent2"/>
+                  <a:schemeClr val="accent1"/>
                 </a:fillRef>
                 <a:effectRef idx="0">
-                  <a:schemeClr val="accent2"/>
+                  <a:schemeClr val="accent1"/>
                 </a:effectRef>
                 <a:fontRef idx="minor">
                   <a:schemeClr val="lt1"/>
                 </a:fontRef>
               </p:style>
               <p:txBody>
-                <a:bodyPr rtlCol="0" anchor="t"/>
+                <a:bodyPr rtlCol="0" anchor="ctr"/>
                 <a:lstStyle/>
                 <a:p>
-                  <a:endParaRPr lang="en-SG" sz="1200" b="1" dirty="0">
-                    <a:solidFill>
-                      <a:schemeClr val="tx1"/>
-                    </a:solidFill>
-                  </a:endParaRPr>
+                  <a:pPr algn="ctr"/>
+                  <a:endParaRPr lang="en-SG"/>
                 </a:p>
               </p:txBody>
             </p:sp>
-            <p:pic>
-              <p:nvPicPr>
-                <p:cNvPr id="1030" name="Picture 6" descr="âdialogflow pngâçå¾çæç´¢ç»æ">
+            <p:grpSp>
+              <p:nvGrpSpPr>
+                <p:cNvPr id="70" name="Group 69">
                   <a:extLst>
                     <a:ext uri="{FF2B5EF4-FFF2-40B4-BE49-F238E27FC236}">
-                      <a16:creationId xmlns:a16="http://schemas.microsoft.com/office/drawing/2014/main" id="{05D71D60-8D04-488E-8DAC-19190FC79039}"/>
-                    </a:ext>
-                  </a:extLst>
-                </p:cNvPr>
-                <p:cNvPicPr>
-                  <a:picLocks noChangeAspect="1" noChangeArrowheads="1"/>
-                </p:cNvPicPr>
-                <p:nvPr/>
-              </p:nvPicPr>
-              <p:blipFill>
-                <a:blip r:embed="rId2">
-                  <a:extLst>
-                    <a:ext uri="{28A0092B-C50C-407E-A947-70E740481C1C}">
-                      <a14:useLocalDpi xmlns:a14="http://schemas.microsoft.com/office/drawing/2010/main" val="0"/>
-                    </a:ext>
-                  </a:extLst>
-                </a:blip>
-                <a:srcRect/>
-                <a:stretch>
-                  <a:fillRect/>
-                </a:stretch>
-              </p:blipFill>
-              <p:spPr bwMode="auto">
-                <a:xfrm>
-                  <a:off x="9612931" y="254858"/>
-                  <a:ext cx="1756586" cy="465222"/>
-                </a:xfrm>
-                <a:prstGeom prst="rect">
-                  <a:avLst/>
-                </a:prstGeom>
-                <a:noFill/>
-                <a:extLst>
-                  <a:ext uri="{909E8E84-426E-40DD-AFC4-6F175D3DCCD1}">
-                    <a14:hiddenFill xmlns:a14="http://schemas.microsoft.com/office/drawing/2010/main">
-                      <a:solidFill>
-                        <a:srgbClr val="FFFFFF"/>
-                      </a:solidFill>
-                    </a14:hiddenFill>
-                  </a:ext>
-                </a:extLst>
-              </p:spPr>
-            </p:pic>
-          </p:grpSp>
-          <p:sp>
-            <p:nvSpPr>
-              <p:cNvPr id="51" name="Rectangle 50">
-                <a:extLst>
-                  <a:ext uri="{FF2B5EF4-FFF2-40B4-BE49-F238E27FC236}">
-                    <a16:creationId xmlns:a16="http://schemas.microsoft.com/office/drawing/2014/main" id="{73397B4A-1B58-4F05-90CF-A85E2FAC95A8}"/>
-                  </a:ext>
-                </a:extLst>
-              </p:cNvPr>
-              <p:cNvSpPr/>
-              <p:nvPr/>
-            </p:nvSpPr>
-            <p:spPr>
-              <a:xfrm>
-                <a:off x="9612931" y="824329"/>
-                <a:ext cx="1800000" cy="720000"/>
-              </a:xfrm>
-              <a:prstGeom prst="rect">
-                <a:avLst/>
-              </a:prstGeom>
-              <a:solidFill>
-                <a:schemeClr val="accent4">
-                  <a:lumMod val="60000"/>
-                  <a:lumOff val="40000"/>
-                </a:schemeClr>
-              </a:solidFill>
-              <a:ln>
-                <a:noFill/>
-              </a:ln>
-            </p:spPr>
-            <p:style>
-              <a:lnRef idx="2">
-                <a:schemeClr val="accent1">
-                  <a:shade val="50000"/>
-                </a:schemeClr>
-              </a:lnRef>
-              <a:fillRef idx="1">
-                <a:schemeClr val="accent1"/>
-              </a:fillRef>
-              <a:effectRef idx="0">
-                <a:schemeClr val="accent1"/>
-              </a:effectRef>
-              <a:fontRef idx="minor">
-                <a:schemeClr val="lt1"/>
-              </a:fontRef>
-            </p:style>
-            <p:txBody>
-              <a:bodyPr rtlCol="0" anchor="ctr"/>
-              <a:lstStyle/>
-              <a:p>
-                <a:pPr algn="ctr"/>
-                <a:r>
-                  <a:rPr lang="en-US" altLang="zh-CN" dirty="0">
-                    <a:solidFill>
-                      <a:schemeClr val="tx1"/>
-                    </a:solidFill>
-                  </a:rPr>
-                  <a:t>Welcome</a:t>
-                </a:r>
-                <a:endParaRPr lang="en-SG" dirty="0">
-                  <a:solidFill>
-                    <a:schemeClr val="tx1"/>
-                  </a:solidFill>
-                </a:endParaRPr>
-              </a:p>
-            </p:txBody>
-          </p:sp>
-          <p:sp>
-            <p:nvSpPr>
-              <p:cNvPr id="106" name="Rectangle 105">
-                <a:extLst>
-                  <a:ext uri="{FF2B5EF4-FFF2-40B4-BE49-F238E27FC236}">
-                    <a16:creationId xmlns:a16="http://schemas.microsoft.com/office/drawing/2014/main" id="{8EC9A483-23E4-46EC-B396-6A61C8714321}"/>
-                  </a:ext>
-                </a:extLst>
-              </p:cNvPr>
-              <p:cNvSpPr/>
-              <p:nvPr/>
-            </p:nvSpPr>
-            <p:spPr>
-              <a:xfrm>
-                <a:off x="9612931" y="3411376"/>
-                <a:ext cx="1800000" cy="720000"/>
-              </a:xfrm>
-              <a:prstGeom prst="rect">
-                <a:avLst/>
-              </a:prstGeom>
-              <a:solidFill>
-                <a:schemeClr val="accent4">
-                  <a:lumMod val="60000"/>
-                  <a:lumOff val="40000"/>
-                </a:schemeClr>
-              </a:solidFill>
-              <a:ln>
-                <a:noFill/>
-              </a:ln>
-            </p:spPr>
-            <p:style>
-              <a:lnRef idx="2">
-                <a:schemeClr val="accent1">
-                  <a:shade val="50000"/>
-                </a:schemeClr>
-              </a:lnRef>
-              <a:fillRef idx="1">
-                <a:schemeClr val="accent1"/>
-              </a:fillRef>
-              <a:effectRef idx="0">
-                <a:schemeClr val="accent1"/>
-              </a:effectRef>
-              <a:fontRef idx="minor">
-                <a:schemeClr val="lt1"/>
-              </a:fontRef>
-            </p:style>
-            <p:txBody>
-              <a:bodyPr rtlCol="0" anchor="ctr"/>
-              <a:lstStyle/>
-              <a:p>
-                <a:pPr algn="ctr"/>
-                <a:r>
-                  <a:rPr lang="en-US" altLang="zh-CN" dirty="0">
-                    <a:solidFill>
-                      <a:schemeClr val="tx1"/>
-                    </a:solidFill>
-                  </a:rPr>
-                  <a:t>Get Messages</a:t>
-                </a:r>
-                <a:endParaRPr lang="en-SG" dirty="0">
-                  <a:solidFill>
-                    <a:schemeClr val="tx1"/>
-                  </a:solidFill>
-                </a:endParaRPr>
-              </a:p>
-            </p:txBody>
-          </p:sp>
-          <p:sp>
-            <p:nvSpPr>
-              <p:cNvPr id="107" name="Rectangle 106">
-                <a:extLst>
-                  <a:ext uri="{FF2B5EF4-FFF2-40B4-BE49-F238E27FC236}">
-                    <a16:creationId xmlns:a16="http://schemas.microsoft.com/office/drawing/2014/main" id="{0091FB11-82C7-4C45-B217-4FBF80A28DCB}"/>
-                  </a:ext>
-                </a:extLst>
-              </p:cNvPr>
-              <p:cNvSpPr/>
-              <p:nvPr/>
-            </p:nvSpPr>
-            <p:spPr>
-              <a:xfrm>
-                <a:off x="9612931" y="4273725"/>
-                <a:ext cx="1800000" cy="720000"/>
-              </a:xfrm>
-              <a:prstGeom prst="rect">
-                <a:avLst/>
-              </a:prstGeom>
-              <a:solidFill>
-                <a:schemeClr val="accent4">
-                  <a:lumMod val="60000"/>
-                  <a:lumOff val="40000"/>
-                </a:schemeClr>
-              </a:solidFill>
-              <a:ln>
-                <a:noFill/>
-              </a:ln>
-            </p:spPr>
-            <p:style>
-              <a:lnRef idx="2">
-                <a:schemeClr val="accent1">
-                  <a:shade val="50000"/>
-                </a:schemeClr>
-              </a:lnRef>
-              <a:fillRef idx="1">
-                <a:schemeClr val="accent1"/>
-              </a:fillRef>
-              <a:effectRef idx="0">
-                <a:schemeClr val="accent1"/>
-              </a:effectRef>
-              <a:fontRef idx="minor">
-                <a:schemeClr val="lt1"/>
-              </a:fontRef>
-            </p:style>
-            <p:txBody>
-              <a:bodyPr rtlCol="0" anchor="ctr"/>
-              <a:lstStyle/>
-              <a:p>
-                <a:pPr algn="ctr"/>
-                <a:r>
-                  <a:rPr lang="en-US" altLang="zh-CN" dirty="0">
-                    <a:solidFill>
-                      <a:schemeClr val="tx1"/>
-                    </a:solidFill>
-                  </a:rPr>
-                  <a:t>Send Message</a:t>
-                </a:r>
-                <a:endParaRPr lang="en-SG" dirty="0">
-                  <a:solidFill>
-                    <a:schemeClr val="tx1"/>
-                  </a:solidFill>
-                </a:endParaRPr>
-              </a:p>
-            </p:txBody>
-          </p:sp>
-          <p:sp>
-            <p:nvSpPr>
-              <p:cNvPr id="108" name="Rectangle 107">
-                <a:extLst>
-                  <a:ext uri="{FF2B5EF4-FFF2-40B4-BE49-F238E27FC236}">
-                    <a16:creationId xmlns:a16="http://schemas.microsoft.com/office/drawing/2014/main" id="{CEE16E29-ECFE-4C4B-9AE2-9732079FA154}"/>
-                  </a:ext>
-                </a:extLst>
-              </p:cNvPr>
-              <p:cNvSpPr/>
-              <p:nvPr/>
-            </p:nvSpPr>
-            <p:spPr>
-              <a:xfrm>
-                <a:off x="9612931" y="1686678"/>
-                <a:ext cx="1800000" cy="720000"/>
-              </a:xfrm>
-              <a:prstGeom prst="rect">
-                <a:avLst/>
-              </a:prstGeom>
-              <a:solidFill>
-                <a:schemeClr val="accent4">
-                  <a:lumMod val="60000"/>
-                  <a:lumOff val="40000"/>
-                </a:schemeClr>
-              </a:solidFill>
-              <a:ln>
-                <a:noFill/>
-              </a:ln>
-            </p:spPr>
-            <p:style>
-              <a:lnRef idx="2">
-                <a:schemeClr val="accent1">
-                  <a:shade val="50000"/>
-                </a:schemeClr>
-              </a:lnRef>
-              <a:fillRef idx="1">
-                <a:schemeClr val="accent1"/>
-              </a:fillRef>
-              <a:effectRef idx="0">
-                <a:schemeClr val="accent1"/>
-              </a:effectRef>
-              <a:fontRef idx="minor">
-                <a:schemeClr val="lt1"/>
-              </a:fontRef>
-            </p:style>
-            <p:txBody>
-              <a:bodyPr rtlCol="0" anchor="ctr"/>
-              <a:lstStyle/>
-              <a:p>
-                <a:pPr algn="ctr"/>
-                <a:r>
-                  <a:rPr lang="en-US" altLang="zh-CN" dirty="0">
-                    <a:solidFill>
-                      <a:schemeClr val="tx1"/>
-                    </a:solidFill>
-                  </a:rPr>
-                  <a:t>Start Homework</a:t>
-                </a:r>
-                <a:endParaRPr lang="en-SG" dirty="0">
-                  <a:solidFill>
-                    <a:schemeClr val="tx1"/>
-                  </a:solidFill>
-                </a:endParaRPr>
-              </a:p>
-            </p:txBody>
-          </p:sp>
-          <p:sp>
-            <p:nvSpPr>
-              <p:cNvPr id="109" name="Rectangle 108">
-                <a:extLst>
-                  <a:ext uri="{FF2B5EF4-FFF2-40B4-BE49-F238E27FC236}">
-                    <a16:creationId xmlns:a16="http://schemas.microsoft.com/office/drawing/2014/main" id="{1FDC1E27-9EB6-4D38-9C63-DE5A47F5E7DB}"/>
-                  </a:ext>
-                </a:extLst>
-              </p:cNvPr>
-              <p:cNvSpPr/>
-              <p:nvPr/>
-            </p:nvSpPr>
-            <p:spPr>
-              <a:xfrm>
-                <a:off x="9612931" y="2549027"/>
-                <a:ext cx="1800000" cy="720000"/>
-              </a:xfrm>
-              <a:prstGeom prst="rect">
-                <a:avLst/>
-              </a:prstGeom>
-              <a:solidFill>
-                <a:schemeClr val="accent4">
-                  <a:lumMod val="60000"/>
-                  <a:lumOff val="40000"/>
-                </a:schemeClr>
-              </a:solidFill>
-              <a:ln>
-                <a:noFill/>
-              </a:ln>
-            </p:spPr>
-            <p:style>
-              <a:lnRef idx="2">
-                <a:schemeClr val="accent1">
-                  <a:shade val="50000"/>
-                </a:schemeClr>
-              </a:lnRef>
-              <a:fillRef idx="1">
-                <a:schemeClr val="accent1"/>
-              </a:fillRef>
-              <a:effectRef idx="0">
-                <a:schemeClr val="accent1"/>
-              </a:effectRef>
-              <a:fontRef idx="minor">
-                <a:schemeClr val="lt1"/>
-              </a:fontRef>
-            </p:style>
-            <p:txBody>
-              <a:bodyPr rtlCol="0" anchor="ctr"/>
-              <a:lstStyle/>
-              <a:p>
-                <a:pPr algn="ctr"/>
-                <a:r>
-                  <a:rPr lang="en-US" altLang="zh-CN" dirty="0">
-                    <a:solidFill>
-                      <a:schemeClr val="tx1"/>
-                    </a:solidFill>
-                  </a:rPr>
-                  <a:t>Get Homework</a:t>
-                </a:r>
-                <a:endParaRPr lang="en-SG" dirty="0">
-                  <a:solidFill>
-                    <a:schemeClr val="tx1"/>
-                  </a:solidFill>
-                </a:endParaRPr>
-              </a:p>
-            </p:txBody>
-          </p:sp>
-          <p:sp>
-            <p:nvSpPr>
-              <p:cNvPr id="110" name="Rectangle 109">
-                <a:extLst>
-                  <a:ext uri="{FF2B5EF4-FFF2-40B4-BE49-F238E27FC236}">
-                    <a16:creationId xmlns:a16="http://schemas.microsoft.com/office/drawing/2014/main" id="{A4A9BEB0-4451-470F-8FB5-03F329F69F1E}"/>
-                  </a:ext>
-                </a:extLst>
-              </p:cNvPr>
-              <p:cNvSpPr/>
-              <p:nvPr/>
-            </p:nvSpPr>
-            <p:spPr>
-              <a:xfrm>
-                <a:off x="9612931" y="5136074"/>
-                <a:ext cx="1800000" cy="720000"/>
-              </a:xfrm>
-              <a:prstGeom prst="rect">
-                <a:avLst/>
-              </a:prstGeom>
-              <a:solidFill>
-                <a:schemeClr val="accent4">
-                  <a:lumMod val="40000"/>
-                  <a:lumOff val="60000"/>
-                </a:schemeClr>
-              </a:solidFill>
-              <a:ln>
-                <a:noFill/>
-              </a:ln>
-            </p:spPr>
-            <p:style>
-              <a:lnRef idx="2">
-                <a:schemeClr val="accent1">
-                  <a:shade val="50000"/>
-                </a:schemeClr>
-              </a:lnRef>
-              <a:fillRef idx="1">
-                <a:schemeClr val="accent1"/>
-              </a:fillRef>
-              <a:effectRef idx="0">
-                <a:schemeClr val="accent1"/>
-              </a:effectRef>
-              <a:fontRef idx="minor">
-                <a:schemeClr val="lt1"/>
-              </a:fontRef>
-            </p:style>
-            <p:txBody>
-              <a:bodyPr rtlCol="0" anchor="ctr"/>
-              <a:lstStyle/>
-              <a:p>
-                <a:pPr algn="ctr"/>
-                <a:r>
-                  <a:rPr lang="en-US" altLang="zh-CN" dirty="0">
-                    <a:solidFill>
-                      <a:schemeClr val="tx1"/>
-                    </a:solidFill>
-                  </a:rPr>
-                  <a:t>Ask Anything</a:t>
-                </a:r>
-              </a:p>
-            </p:txBody>
-          </p:sp>
-          <p:sp>
-            <p:nvSpPr>
-              <p:cNvPr id="111" name="Rectangle 110">
-                <a:extLst>
-                  <a:ext uri="{FF2B5EF4-FFF2-40B4-BE49-F238E27FC236}">
-                    <a16:creationId xmlns:a16="http://schemas.microsoft.com/office/drawing/2014/main" id="{D238B546-2449-454B-ADC4-F7B050B0D187}"/>
-                  </a:ext>
-                </a:extLst>
-              </p:cNvPr>
-              <p:cNvSpPr/>
-              <p:nvPr/>
-            </p:nvSpPr>
-            <p:spPr>
-              <a:xfrm>
-                <a:off x="9612931" y="5998422"/>
-                <a:ext cx="1800000" cy="720000"/>
-              </a:xfrm>
-              <a:prstGeom prst="rect">
-                <a:avLst/>
-              </a:prstGeom>
-              <a:solidFill>
-                <a:schemeClr val="accent4">
-                  <a:lumMod val="40000"/>
-                  <a:lumOff val="60000"/>
-                </a:schemeClr>
-              </a:solidFill>
-              <a:ln>
-                <a:noFill/>
-              </a:ln>
-            </p:spPr>
-            <p:style>
-              <a:lnRef idx="2">
-                <a:schemeClr val="accent1">
-                  <a:shade val="50000"/>
-                </a:schemeClr>
-              </a:lnRef>
-              <a:fillRef idx="1">
-                <a:schemeClr val="accent1"/>
-              </a:fillRef>
-              <a:effectRef idx="0">
-                <a:schemeClr val="accent1"/>
-              </a:effectRef>
-              <a:fontRef idx="minor">
-                <a:schemeClr val="lt1"/>
-              </a:fontRef>
-            </p:style>
-            <p:txBody>
-              <a:bodyPr rtlCol="0" anchor="ctr"/>
-              <a:lstStyle/>
-              <a:p>
-                <a:pPr algn="ctr"/>
-                <a:r>
-                  <a:rPr lang="en-US" altLang="zh-CN" dirty="0">
-                    <a:solidFill>
-                      <a:schemeClr val="tx1"/>
-                    </a:solidFill>
-                  </a:rPr>
-                  <a:t>Other Helper Intents…</a:t>
-                </a:r>
-                <a:endParaRPr lang="en-SG" dirty="0">
-                  <a:solidFill>
-                    <a:schemeClr val="tx1"/>
-                  </a:solidFill>
-                </a:endParaRPr>
-              </a:p>
-            </p:txBody>
-          </p:sp>
-        </p:grpSp>
-        <p:sp>
-          <p:nvSpPr>
-            <p:cNvPr id="131" name="Arrow: Up-Down 130">
-              <a:extLst>
-                <a:ext uri="{FF2B5EF4-FFF2-40B4-BE49-F238E27FC236}">
-                  <a16:creationId xmlns:a16="http://schemas.microsoft.com/office/drawing/2014/main" id="{FE6823B4-9BA5-4B97-8094-4197D440C471}"/>
-                </a:ext>
-              </a:extLst>
-            </p:cNvPr>
-            <p:cNvSpPr/>
-            <p:nvPr/>
-          </p:nvSpPr>
-          <p:spPr>
-            <a:xfrm rot="5400000">
-              <a:off x="3494750" y="958078"/>
-              <a:ext cx="745472" cy="1217985"/>
-            </a:xfrm>
-            <a:prstGeom prst="upDownArrow">
-              <a:avLst/>
-            </a:prstGeom>
-          </p:spPr>
-          <p:style>
-            <a:lnRef idx="2">
-              <a:schemeClr val="accent1">
-                <a:shade val="50000"/>
-              </a:schemeClr>
-            </a:lnRef>
-            <a:fillRef idx="1">
-              <a:schemeClr val="accent1"/>
-            </a:fillRef>
-            <a:effectRef idx="0">
-              <a:schemeClr val="accent1"/>
-            </a:effectRef>
-            <a:fontRef idx="minor">
-              <a:schemeClr val="lt1"/>
-            </a:fontRef>
-          </p:style>
-          <p:txBody>
-            <a:bodyPr rtlCol="0" anchor="ctr"/>
-            <a:lstStyle/>
-            <a:p>
-              <a:pPr algn="ctr"/>
-              <a:endParaRPr lang="en-SG" dirty="0"/>
-            </a:p>
-          </p:txBody>
-        </p:sp>
-        <p:grpSp>
-          <p:nvGrpSpPr>
-            <p:cNvPr id="96" name="Group 95">
-              <a:extLst>
-                <a:ext uri="{FF2B5EF4-FFF2-40B4-BE49-F238E27FC236}">
-                  <a16:creationId xmlns:a16="http://schemas.microsoft.com/office/drawing/2014/main" id="{B683B13E-B4BF-400D-B59B-A61C03F60DAA}"/>
-                </a:ext>
-              </a:extLst>
-            </p:cNvPr>
-            <p:cNvGrpSpPr/>
-            <p:nvPr/>
-          </p:nvGrpSpPr>
-          <p:grpSpPr>
-            <a:xfrm>
-              <a:off x="1458517" y="59955"/>
-              <a:ext cx="1789936" cy="6641554"/>
-              <a:chOff x="1458517" y="59955"/>
-              <a:chExt cx="1789936" cy="6641554"/>
-            </a:xfrm>
-          </p:grpSpPr>
-          <p:grpSp>
-            <p:nvGrpSpPr>
-              <p:cNvPr id="82" name="Group 81">
-                <a:extLst>
-                  <a:ext uri="{FF2B5EF4-FFF2-40B4-BE49-F238E27FC236}">
-                    <a16:creationId xmlns:a16="http://schemas.microsoft.com/office/drawing/2014/main" id="{85F3E959-C868-4891-889C-2CEFA6E34A87}"/>
-                  </a:ext>
-                </a:extLst>
-              </p:cNvPr>
-              <p:cNvGrpSpPr/>
-              <p:nvPr/>
-            </p:nvGrpSpPr>
-            <p:grpSpPr>
-              <a:xfrm>
-                <a:off x="1458517" y="59955"/>
-                <a:ext cx="1789936" cy="6641554"/>
-                <a:chOff x="3094516" y="157751"/>
-                <a:chExt cx="1789936" cy="6641554"/>
-              </a:xfrm>
-            </p:grpSpPr>
-            <p:grpSp>
-              <p:nvGrpSpPr>
-                <p:cNvPr id="17" name="Group 16">
-                  <a:extLst>
-                    <a:ext uri="{FF2B5EF4-FFF2-40B4-BE49-F238E27FC236}">
-                      <a16:creationId xmlns:a16="http://schemas.microsoft.com/office/drawing/2014/main" id="{32834F20-0A4D-4758-B032-0664ADE72B88}"/>
+                      <a16:creationId xmlns:a16="http://schemas.microsoft.com/office/drawing/2014/main" id="{487F9632-9FCD-4E9C-93D3-B491622B0498}"/>
                     </a:ext>
                   </a:extLst>
                 </p:cNvPr>
@@ -15437,18 +14871,18 @@
               </p:nvGrpSpPr>
               <p:grpSpPr>
                 <a:xfrm>
-                  <a:off x="3094516" y="157751"/>
-                  <a:ext cx="1762210" cy="2896845"/>
-                  <a:chOff x="1112429" y="-128008"/>
-                  <a:chExt cx="2001683" cy="2896845"/>
+                  <a:off x="4562169" y="56681"/>
+                  <a:ext cx="2130103" cy="6644828"/>
+                  <a:chOff x="9466540" y="254858"/>
+                  <a:chExt cx="2130103" cy="6644828"/>
                 </a:xfrm>
               </p:grpSpPr>
               <p:grpSp>
                 <p:nvGrpSpPr>
-                  <p:cNvPr id="6" name="Group 5">
+                  <p:cNvPr id="20" name="Group 19">
                     <a:extLst>
                       <a:ext uri="{FF2B5EF4-FFF2-40B4-BE49-F238E27FC236}">
-                        <a16:creationId xmlns:a16="http://schemas.microsoft.com/office/drawing/2014/main" id="{9F36F90E-0339-4E59-8F85-D9F903FCD739}"/>
+                        <a16:creationId xmlns:a16="http://schemas.microsoft.com/office/drawing/2014/main" id="{140FE715-5643-4417-87A4-5E936D20D797}"/>
                       </a:ext>
                     </a:extLst>
                   </p:cNvPr>
@@ -15457,56 +14891,18 @@
                 </p:nvGrpSpPr>
                 <p:grpSpPr>
                   <a:xfrm>
-                    <a:off x="1112429" y="-128008"/>
-                    <a:ext cx="2001683" cy="2896845"/>
-                    <a:chOff x="1184096" y="-47280"/>
-                    <a:chExt cx="2001683" cy="2896845"/>
+                    <a:off x="9466540" y="254858"/>
+                    <a:ext cx="2130103" cy="6644828"/>
+                    <a:chOff x="9466540" y="254858"/>
+                    <a:chExt cx="2130103" cy="6644828"/>
                   </a:xfrm>
                 </p:grpSpPr>
-                <p:pic>
-                  <p:nvPicPr>
-                    <p:cNvPr id="7" name="Graphic 6" descr="Smart Phone">
+                <p:sp>
+                  <p:nvSpPr>
+                    <p:cNvPr id="11" name="Rectangle 10">
                       <a:extLst>
                         <a:ext uri="{FF2B5EF4-FFF2-40B4-BE49-F238E27FC236}">
-                          <a16:creationId xmlns:a16="http://schemas.microsoft.com/office/drawing/2014/main" id="{0C34420A-8D04-4289-84D2-69B6D1111A5C}"/>
-                        </a:ext>
-                      </a:extLst>
-                    </p:cNvPr>
-                    <p:cNvPicPr>
-                      <a:picLocks noChangeAspect="1"/>
-                    </p:cNvPicPr>
-                    <p:nvPr/>
-                  </p:nvPicPr>
-                  <p:blipFill rotWithShape="1">
-                    <a:blip r:embed="rId3">
-                      <a:extLst>
-                        <a:ext uri="{28A0092B-C50C-407E-A947-70E740481C1C}">
-                          <a14:useLocalDpi xmlns:a14="http://schemas.microsoft.com/office/drawing/2010/main" val="0"/>
-                        </a:ext>
-                        <a:ext uri="{96DAC541-7B7A-43D3-8B79-37D633B846F1}">
-                          <asvg:svgBlip xmlns:asvg="http://schemas.microsoft.com/office/drawing/2016/SVG/main" r:embed="rId4"/>
-                        </a:ext>
-                      </a:extLst>
-                    </a:blip>
-                    <a:srcRect l="22191" r="23001"/>
-                    <a:stretch/>
-                  </p:blipFill>
-                  <p:spPr>
-                    <a:xfrm>
-                      <a:off x="1184096" y="-47280"/>
-                      <a:ext cx="2001683" cy="2896845"/>
-                    </a:xfrm>
-                    <a:prstGeom prst="rect">
-                      <a:avLst/>
-                    </a:prstGeom>
-                  </p:spPr>
-                </p:pic>
-                <p:sp>
-                  <p:nvSpPr>
-                    <p:cNvPr id="8" name="Rectangle 7">
-                      <a:extLst>
-                        <a:ext uri="{FF2B5EF4-FFF2-40B4-BE49-F238E27FC236}">
-                          <a16:creationId xmlns:a16="http://schemas.microsoft.com/office/drawing/2014/main" id="{6F5B01DC-AD61-4565-A16B-9D1EE4FEB0A9}"/>
+                          <a16:creationId xmlns:a16="http://schemas.microsoft.com/office/drawing/2014/main" id="{22E2ADF6-8080-458E-9708-D57C75815121}"/>
                         </a:ext>
                       </a:extLst>
                     </p:cNvPr>
@@ -15515,37 +14911,37 @@
                   </p:nvSpPr>
                   <p:spPr>
                     <a:xfrm>
-                      <a:off x="1363463" y="157641"/>
-                      <a:ext cx="1678859" cy="2276252"/>
+                      <a:off x="9466540" y="385157"/>
+                      <a:ext cx="2130103" cy="6514529"/>
                     </a:xfrm>
                     <a:prstGeom prst="rect">
                       <a:avLst/>
                     </a:prstGeom>
                     <a:solidFill>
-                      <a:schemeClr val="accent6">
-                        <a:lumMod val="40000"/>
-                        <a:lumOff val="60000"/>
+                      <a:schemeClr val="accent4">
+                        <a:lumMod val="20000"/>
+                        <a:lumOff val="80000"/>
                       </a:schemeClr>
                     </a:solidFill>
                     <a:ln>
                       <a:solidFill>
                         <a:schemeClr val="bg1">
-                          <a:lumMod val="50000"/>
+                          <a:lumMod val="95000"/>
                         </a:schemeClr>
                       </a:solidFill>
                     </a:ln>
                   </p:spPr>
                   <p:style>
                     <a:lnRef idx="2">
-                      <a:schemeClr val="accent6">
+                      <a:schemeClr val="accent2">
                         <a:shade val="50000"/>
                       </a:schemeClr>
                     </a:lnRef>
                     <a:fillRef idx="1">
-                      <a:schemeClr val="accent6"/>
+                      <a:schemeClr val="accent2"/>
                     </a:fillRef>
                     <a:effectRef idx="0">
-                      <a:schemeClr val="accent6"/>
+                      <a:schemeClr val="accent2"/>
                     </a:effectRef>
                     <a:fontRef idx="minor">
                       <a:schemeClr val="lt1"/>
@@ -15555,24 +14951,20 @@
                     <a:bodyPr rtlCol="0" anchor="t"/>
                     <a:lstStyle/>
                     <a:p>
-                      <a:pPr algn="ctr"/>
-                      <a:r>
-                        <a:rPr lang="en-SG" sz="1200" b="1" dirty="0">
-                          <a:solidFill>
-                            <a:schemeClr val="tx1"/>
-                          </a:solidFill>
-                        </a:rPr>
-                        <a:t>DESKMATE APP</a:t>
-                      </a:r>
+                      <a:endParaRPr lang="en-SG" sz="1200" b="1" dirty="0">
+                        <a:solidFill>
+                          <a:schemeClr val="tx1"/>
+                        </a:solidFill>
+                      </a:endParaRPr>
                     </a:p>
                   </p:txBody>
                 </p:sp>
                 <p:pic>
                   <p:nvPicPr>
-                    <p:cNvPr id="1028" name="Picture 4" descr="âandroid pngâçå¾çæç´¢ç»æ">
+                    <p:cNvPr id="1030" name="Picture 6" descr="âdialogflow pngâçå¾çæç´¢ç»æ">
                       <a:extLst>
                         <a:ext uri="{FF2B5EF4-FFF2-40B4-BE49-F238E27FC236}">
-                          <a16:creationId xmlns:a16="http://schemas.microsoft.com/office/drawing/2014/main" id="{6561ABE5-BB0E-49C0-89E0-9B11A043D2D3}"/>
+                          <a16:creationId xmlns:a16="http://schemas.microsoft.com/office/drawing/2014/main" id="{05D71D60-8D04-488E-8DAC-19190FC79039}"/>
                         </a:ext>
                       </a:extLst>
                     </p:cNvPr>
@@ -15582,7 +14974,7 @@
                     <p:nvPr/>
                   </p:nvPicPr>
                   <p:blipFill>
-                    <a:blip r:embed="rId5">
+                    <a:blip r:embed="rId4">
                       <a:extLst>
                         <a:ext uri="{28A0092B-C50C-407E-A947-70E740481C1C}">
                           <a14:useLocalDpi xmlns:a14="http://schemas.microsoft.com/office/drawing/2010/main" val="0"/>
@@ -15596,8 +14988,8 @@
                   </p:blipFill>
                   <p:spPr bwMode="auto">
                     <a:xfrm>
-                      <a:off x="1863048" y="2491066"/>
-                      <a:ext cx="684542" cy="158389"/>
+                      <a:off x="9612931" y="254858"/>
+                      <a:ext cx="1756586" cy="465222"/>
                     </a:xfrm>
                     <a:prstGeom prst="rect">
                       <a:avLst/>
@@ -15617,10 +15009,10 @@
               </p:grpSp>
               <p:sp>
                 <p:nvSpPr>
-                  <p:cNvPr id="9" name="Rectangle 8">
+                  <p:cNvPr id="51" name="Rectangle 50">
                     <a:extLst>
                       <a:ext uri="{FF2B5EF4-FFF2-40B4-BE49-F238E27FC236}">
-                        <a16:creationId xmlns:a16="http://schemas.microsoft.com/office/drawing/2014/main" id="{622F5860-9325-45AE-BA62-D1F7ACB13AAF}"/>
+                        <a16:creationId xmlns:a16="http://schemas.microsoft.com/office/drawing/2014/main" id="{73397B4A-1B58-4F05-90CF-A85E2FAC95A8}"/>
                       </a:ext>
                     </a:extLst>
                   </p:cNvPr>
@@ -15629,577 +15021,14 @@
                 </p:nvSpPr>
                 <p:spPr>
                   <a:xfrm>
-                    <a:off x="1346202" y="714116"/>
-                    <a:ext cx="1563595" cy="239185"/>
-                  </a:xfrm>
-                  <a:prstGeom prst="rect">
-                    <a:avLst/>
-                  </a:prstGeom>
-                </p:spPr>
-                <p:style>
-                  <a:lnRef idx="2">
-                    <a:schemeClr val="accent6">
-                      <a:shade val="50000"/>
-                    </a:schemeClr>
-                  </a:lnRef>
-                  <a:fillRef idx="1">
-                    <a:schemeClr val="accent6"/>
-                  </a:fillRef>
-                  <a:effectRef idx="0">
-                    <a:schemeClr val="accent6"/>
-                  </a:effectRef>
-                  <a:fontRef idx="minor">
-                    <a:schemeClr val="lt1"/>
-                  </a:fontRef>
-                </p:style>
-                <p:txBody>
-                  <a:bodyPr rtlCol="0" anchor="ctr"/>
-                  <a:lstStyle/>
-                  <a:p>
-                    <a:pPr algn="ctr"/>
-                    <a:r>
-                      <a:rPr lang="en-SG" sz="1200" dirty="0"/>
-                      <a:t>ASR</a:t>
-                    </a:r>
-                  </a:p>
-                </p:txBody>
-              </p:sp>
-              <p:sp>
-                <p:nvSpPr>
-                  <p:cNvPr id="10" name="Rectangle 9">
-                    <a:extLst>
-                      <a:ext uri="{FF2B5EF4-FFF2-40B4-BE49-F238E27FC236}">
-                        <a16:creationId xmlns:a16="http://schemas.microsoft.com/office/drawing/2014/main" id="{B4BCDFD0-28B2-45C8-B98C-848206F05A6E}"/>
-                      </a:ext>
-                    </a:extLst>
-                  </p:cNvPr>
-                  <p:cNvSpPr/>
-                  <p:nvPr/>
-                </p:nvSpPr>
-                <p:spPr>
-                  <a:xfrm>
-                    <a:off x="1346202" y="1241715"/>
-                    <a:ext cx="1563595" cy="381697"/>
-                  </a:xfrm>
-                  <a:prstGeom prst="rect">
-                    <a:avLst/>
-                  </a:prstGeom>
-                </p:spPr>
-                <p:style>
-                  <a:lnRef idx="2">
-                    <a:schemeClr val="accent4">
-                      <a:shade val="50000"/>
-                    </a:schemeClr>
-                  </a:lnRef>
-                  <a:fillRef idx="1">
-                    <a:schemeClr val="accent4"/>
-                  </a:fillRef>
-                  <a:effectRef idx="0">
-                    <a:schemeClr val="accent4"/>
-                  </a:effectRef>
-                  <a:fontRef idx="minor">
-                    <a:schemeClr val="lt1"/>
-                  </a:fontRef>
-                </p:style>
-                <p:txBody>
-                  <a:bodyPr rtlCol="0" anchor="ctr"/>
-                  <a:lstStyle/>
-                  <a:p>
-                    <a:pPr algn="ctr"/>
-                    <a:r>
-                      <a:rPr lang="en-SG" sz="1200" dirty="0"/>
-                      <a:t>TTS</a:t>
-                    </a:r>
-                  </a:p>
-                </p:txBody>
-              </p:sp>
-              <p:sp>
-                <p:nvSpPr>
-                  <p:cNvPr id="13" name="Rectangle 12">
-                    <a:extLst>
-                      <a:ext uri="{FF2B5EF4-FFF2-40B4-BE49-F238E27FC236}">
-                        <a16:creationId xmlns:a16="http://schemas.microsoft.com/office/drawing/2014/main" id="{35C8531A-EA53-4665-A7F1-307DA88270FF}"/>
-                      </a:ext>
-                    </a:extLst>
-                  </p:cNvPr>
-                  <p:cNvSpPr/>
-                  <p:nvPr/>
-                </p:nvSpPr>
-                <p:spPr>
-                  <a:xfrm>
-                    <a:off x="1346202" y="365670"/>
-                    <a:ext cx="1563595" cy="248316"/>
+                    <a:off x="9612931" y="824329"/>
+                    <a:ext cx="1800000" cy="720000"/>
                   </a:xfrm>
                   <a:prstGeom prst="rect">
                     <a:avLst/>
                   </a:prstGeom>
                   <a:solidFill>
-                    <a:srgbClr val="7030A0"/>
-                  </a:solidFill>
-                </p:spPr>
-                <p:style>
-                  <a:lnRef idx="2">
-                    <a:schemeClr val="accent6">
-                      <a:shade val="50000"/>
-                    </a:schemeClr>
-                  </a:lnRef>
-                  <a:fillRef idx="1">
-                    <a:schemeClr val="accent6"/>
-                  </a:fillRef>
-                  <a:effectRef idx="0">
-                    <a:schemeClr val="accent6"/>
-                  </a:effectRef>
-                  <a:fontRef idx="minor">
-                    <a:schemeClr val="lt1"/>
-                  </a:fontRef>
-                </p:style>
-                <p:txBody>
-                  <a:bodyPr rtlCol="0" anchor="ctr"/>
-                  <a:lstStyle/>
-                  <a:p>
-                    <a:pPr algn="ctr"/>
-                    <a:r>
-                      <a:rPr lang="en-SG" sz="1200" dirty="0"/>
-                      <a:t>HOTWORD</a:t>
-                    </a:r>
-                  </a:p>
-                </p:txBody>
-              </p:sp>
-              <p:sp>
-                <p:nvSpPr>
-                  <p:cNvPr id="60" name="Rectangle 59">
-                    <a:extLst>
-                      <a:ext uri="{FF2B5EF4-FFF2-40B4-BE49-F238E27FC236}">
-                        <a16:creationId xmlns:a16="http://schemas.microsoft.com/office/drawing/2014/main" id="{3D0C8A8D-1644-4ACA-9846-A3C7DD4A76BD}"/>
-                      </a:ext>
-                    </a:extLst>
-                  </p:cNvPr>
-                  <p:cNvSpPr/>
-                  <p:nvPr/>
-                </p:nvSpPr>
-                <p:spPr>
-                  <a:xfrm>
-                    <a:off x="1346202" y="1916721"/>
-                    <a:ext cx="1563594" cy="381697"/>
-                  </a:xfrm>
-                  <a:prstGeom prst="rect">
-                    <a:avLst/>
-                  </a:prstGeom>
-                  <a:solidFill>
-                    <a:schemeClr val="accent1"/>
-                  </a:solidFill>
-                </p:spPr>
-                <p:style>
-                  <a:lnRef idx="2">
                     <a:schemeClr val="accent4">
-                      <a:shade val="50000"/>
-                    </a:schemeClr>
-                  </a:lnRef>
-                  <a:fillRef idx="1">
-                    <a:schemeClr val="accent4"/>
-                  </a:fillRef>
-                  <a:effectRef idx="0">
-                    <a:schemeClr val="accent4"/>
-                  </a:effectRef>
-                  <a:fontRef idx="minor">
-                    <a:schemeClr val="lt1"/>
-                  </a:fontRef>
-                </p:style>
-                <p:txBody>
-                  <a:bodyPr rtlCol="0" anchor="ctr"/>
-                  <a:lstStyle/>
-                  <a:p>
-                    <a:pPr algn="ctr"/>
-                    <a:r>
-                      <a:rPr lang="en-SG" sz="1200" dirty="0"/>
-                      <a:t>SEARCH FUNCTION</a:t>
-                    </a:r>
-                  </a:p>
-                </p:txBody>
-              </p:sp>
-            </p:grpSp>
-            <p:sp>
-              <p:nvSpPr>
-                <p:cNvPr id="69" name="Rectangle 68">
-                  <a:extLst>
-                    <a:ext uri="{FF2B5EF4-FFF2-40B4-BE49-F238E27FC236}">
-                      <a16:creationId xmlns:a16="http://schemas.microsoft.com/office/drawing/2014/main" id="{06E3D97B-24A0-4D3C-9256-91607B8CC0E2}"/>
-                    </a:ext>
-                  </a:extLst>
-                </p:cNvPr>
-                <p:cNvSpPr/>
-                <p:nvPr/>
-              </p:nvSpPr>
-              <p:spPr>
-                <a:xfrm>
-                  <a:off x="3094516" y="3930297"/>
-                  <a:ext cx="1789936" cy="2869008"/>
-                </a:xfrm>
-                <a:prstGeom prst="rect">
-                  <a:avLst/>
-                </a:prstGeom>
-                <a:solidFill>
-                  <a:schemeClr val="accent5">
-                    <a:lumMod val="20000"/>
-                    <a:lumOff val="80000"/>
-                  </a:schemeClr>
-                </a:solidFill>
-                <a:ln>
-                  <a:solidFill>
-                    <a:schemeClr val="bg1">
-                      <a:lumMod val="95000"/>
-                    </a:schemeClr>
-                  </a:solidFill>
-                </a:ln>
-              </p:spPr>
-              <p:style>
-                <a:lnRef idx="2">
-                  <a:schemeClr val="accent2">
-                    <a:shade val="50000"/>
-                  </a:schemeClr>
-                </a:lnRef>
-                <a:fillRef idx="1">
-                  <a:schemeClr val="accent2"/>
-                </a:fillRef>
-                <a:effectRef idx="0">
-                  <a:schemeClr val="accent2"/>
-                </a:effectRef>
-                <a:fontRef idx="minor">
-                  <a:schemeClr val="lt1"/>
-                </a:fontRef>
-              </p:style>
-              <p:txBody>
-                <a:bodyPr rtlCol="0" anchor="t"/>
-                <a:lstStyle/>
-                <a:p>
-                  <a:pPr algn="ctr"/>
-                  <a:r>
-                    <a:rPr lang="en-SG" sz="1200" dirty="0">
-                      <a:solidFill>
-                        <a:schemeClr val="tx1"/>
-                      </a:solidFill>
-                    </a:rPr>
-                    <a:t>Http call </a:t>
-                  </a:r>
-                </a:p>
-                <a:p>
-                  <a:pPr algn="ctr"/>
-                  <a:r>
-                    <a:rPr lang="en-SG" sz="1200" dirty="0">
-                      <a:solidFill>
-                        <a:schemeClr val="tx1"/>
-                      </a:solidFill>
-                    </a:rPr>
-                    <a:t>To</a:t>
-                  </a:r>
-                </a:p>
-                <a:p>
-                  <a:pPr algn="ctr"/>
-                  <a:r>
-                    <a:rPr lang="en-SG" sz="1200" dirty="0">
-                      <a:solidFill>
-                        <a:schemeClr val="tx1"/>
-                      </a:solidFill>
-                    </a:rPr>
-                    <a:t>Retrieve </a:t>
-                  </a:r>
-                </a:p>
-                <a:p>
-                  <a:pPr algn="ctr"/>
-                  <a:r>
-                    <a:rPr lang="en-SG" sz="1200" dirty="0">
-                      <a:solidFill>
-                        <a:schemeClr val="tx1"/>
-                      </a:solidFill>
-                    </a:rPr>
-                    <a:t>Data </a:t>
-                  </a:r>
-                </a:p>
-                <a:p>
-                  <a:pPr algn="ctr"/>
-                  <a:r>
-                    <a:rPr lang="en-SG" sz="1200" dirty="0">
-                      <a:solidFill>
-                        <a:schemeClr val="tx1"/>
-                      </a:solidFill>
-                    </a:rPr>
-                    <a:t>From</a:t>
-                  </a:r>
-                </a:p>
-                <a:p>
-                  <a:pPr algn="ctr"/>
-                  <a:r>
-                    <a:rPr lang="en-SG" sz="1200" dirty="0">
-                      <a:solidFill>
-                        <a:schemeClr val="tx1"/>
-                      </a:solidFill>
-                    </a:rPr>
-                    <a:t>Answers.com</a:t>
-                  </a:r>
-                </a:p>
-              </p:txBody>
-            </p:sp>
-          </p:grpSp>
-          <p:sp>
-            <p:nvSpPr>
-              <p:cNvPr id="134" name="Arrow: Up-Down 133">
-                <a:extLst>
-                  <a:ext uri="{FF2B5EF4-FFF2-40B4-BE49-F238E27FC236}">
-                    <a16:creationId xmlns:a16="http://schemas.microsoft.com/office/drawing/2014/main" id="{F77223A4-CB4C-468B-B867-86CBEDE3F38F}"/>
-                  </a:ext>
-                </a:extLst>
-              </p:cNvPr>
-              <p:cNvSpPr/>
-              <p:nvPr/>
-            </p:nvSpPr>
-            <p:spPr>
-              <a:xfrm>
-                <a:off x="2081817" y="2901891"/>
-                <a:ext cx="528482" cy="804192"/>
-              </a:xfrm>
-              <a:prstGeom prst="upDownArrow">
-                <a:avLst/>
-              </a:prstGeom>
-            </p:spPr>
-            <p:style>
-              <a:lnRef idx="2">
-                <a:schemeClr val="accent1">
-                  <a:shade val="50000"/>
-                </a:schemeClr>
-              </a:lnRef>
-              <a:fillRef idx="1">
-                <a:schemeClr val="accent1"/>
-              </a:fillRef>
-              <a:effectRef idx="0">
-                <a:schemeClr val="accent1"/>
-              </a:effectRef>
-              <a:fontRef idx="minor">
-                <a:schemeClr val="lt1"/>
-              </a:fontRef>
-            </p:style>
-            <p:txBody>
-              <a:bodyPr rtlCol="0" anchor="ctr"/>
-              <a:lstStyle/>
-              <a:p>
-                <a:pPr algn="ctr"/>
-                <a:endParaRPr lang="en-SG"/>
-              </a:p>
-            </p:txBody>
-          </p:sp>
-        </p:grpSp>
-        <p:grpSp>
-          <p:nvGrpSpPr>
-            <p:cNvPr id="95" name="Group 94">
-              <a:extLst>
-                <a:ext uri="{FF2B5EF4-FFF2-40B4-BE49-F238E27FC236}">
-                  <a16:creationId xmlns:a16="http://schemas.microsoft.com/office/drawing/2014/main" id="{CAAE1420-5631-4F64-9928-57285A10A565}"/>
-                </a:ext>
-              </a:extLst>
-            </p:cNvPr>
-            <p:cNvGrpSpPr/>
-            <p:nvPr/>
-          </p:nvGrpSpPr>
-          <p:grpSpPr>
-            <a:xfrm>
-              <a:off x="8022162" y="99509"/>
-              <a:ext cx="2859315" cy="6602000"/>
-              <a:chOff x="8022162" y="99509"/>
-              <a:chExt cx="2859315" cy="6602000"/>
-            </a:xfrm>
-          </p:grpSpPr>
-          <p:grpSp>
-            <p:nvGrpSpPr>
-              <p:cNvPr id="81" name="Group 80">
-                <a:extLst>
-                  <a:ext uri="{FF2B5EF4-FFF2-40B4-BE49-F238E27FC236}">
-                    <a16:creationId xmlns:a16="http://schemas.microsoft.com/office/drawing/2014/main" id="{91905677-F00C-4FBC-81C6-11BCAF3265C4}"/>
-                  </a:ext>
-                </a:extLst>
-              </p:cNvPr>
-              <p:cNvGrpSpPr/>
-              <p:nvPr/>
-            </p:nvGrpSpPr>
-            <p:grpSpPr>
-              <a:xfrm>
-                <a:off x="8022162" y="99509"/>
-                <a:ext cx="2859315" cy="6602000"/>
-                <a:chOff x="8897256" y="114680"/>
-                <a:chExt cx="2859315" cy="6602000"/>
-              </a:xfrm>
-            </p:grpSpPr>
-            <p:grpSp>
-              <p:nvGrpSpPr>
-                <p:cNvPr id="19" name="Group 18">
-                  <a:extLst>
-                    <a:ext uri="{FF2B5EF4-FFF2-40B4-BE49-F238E27FC236}">
-                      <a16:creationId xmlns:a16="http://schemas.microsoft.com/office/drawing/2014/main" id="{E7654B16-0E98-48E4-B4BB-47738AAC27DE}"/>
-                    </a:ext>
-                  </a:extLst>
-                </p:cNvPr>
-                <p:cNvGrpSpPr/>
-                <p:nvPr/>
-              </p:nvGrpSpPr>
-              <p:grpSpPr>
-                <a:xfrm>
-                  <a:off x="8897256" y="114680"/>
-                  <a:ext cx="2859315" cy="6602000"/>
-                  <a:chOff x="8889157" y="1918012"/>
-                  <a:chExt cx="2859315" cy="4917500"/>
-                </a:xfrm>
-              </p:grpSpPr>
-              <p:sp>
-                <p:nvSpPr>
-                  <p:cNvPr id="64" name="Rectangle 63">
-                    <a:extLst>
-                      <a:ext uri="{FF2B5EF4-FFF2-40B4-BE49-F238E27FC236}">
-                        <a16:creationId xmlns:a16="http://schemas.microsoft.com/office/drawing/2014/main" id="{EDEBF444-D2C0-472F-8684-8B6734F9C090}"/>
-                      </a:ext>
-                    </a:extLst>
-                  </p:cNvPr>
-                  <p:cNvSpPr/>
-                  <p:nvPr/>
-                </p:nvSpPr>
-                <p:spPr>
-                  <a:xfrm>
-                    <a:off x="8889157" y="1969820"/>
-                    <a:ext cx="2859315" cy="4865692"/>
-                  </a:xfrm>
-                  <a:prstGeom prst="rect">
-                    <a:avLst/>
-                  </a:prstGeom>
-                  <a:solidFill>
-                    <a:schemeClr val="accent5">
-                      <a:lumMod val="20000"/>
-                      <a:lumOff val="80000"/>
-                    </a:schemeClr>
-                  </a:solidFill>
-                  <a:ln>
-                    <a:solidFill>
-                      <a:schemeClr val="bg1">
-                        <a:lumMod val="95000"/>
-                      </a:schemeClr>
-                    </a:solidFill>
-                  </a:ln>
-                </p:spPr>
-                <p:style>
-                  <a:lnRef idx="2">
-                    <a:schemeClr val="accent2">
-                      <a:shade val="50000"/>
-                    </a:schemeClr>
-                  </a:lnRef>
-                  <a:fillRef idx="1">
-                    <a:schemeClr val="accent2"/>
-                  </a:fillRef>
-                  <a:effectRef idx="0">
-                    <a:schemeClr val="accent2"/>
-                  </a:effectRef>
-                  <a:fontRef idx="minor">
-                    <a:schemeClr val="lt1"/>
-                  </a:fontRef>
-                </p:style>
-                <p:txBody>
-                  <a:bodyPr rtlCol="0" anchor="t"/>
-                  <a:lstStyle/>
-                  <a:p>
-                    <a:pPr algn="ctr"/>
-                    <a:endParaRPr lang="en-SG" sz="1200" b="1" dirty="0">
-                      <a:solidFill>
-                        <a:schemeClr val="tx1"/>
-                      </a:solidFill>
-                    </a:endParaRPr>
-                  </a:p>
-                </p:txBody>
-              </p:sp>
-              <p:pic>
-                <p:nvPicPr>
-                  <p:cNvPr id="1032" name="Picture 8" descr="âfirebase pngâçå¾çæç´¢ç»æ">
-                    <a:extLst>
-                      <a:ext uri="{FF2B5EF4-FFF2-40B4-BE49-F238E27FC236}">
-                        <a16:creationId xmlns:a16="http://schemas.microsoft.com/office/drawing/2014/main" id="{B7EF6767-06A0-43A5-8A92-341FCEC6A0F0}"/>
-                      </a:ext>
-                    </a:extLst>
-                  </p:cNvPr>
-                  <p:cNvPicPr>
-                    <a:picLocks noChangeAspect="1" noChangeArrowheads="1"/>
-                  </p:cNvPicPr>
-                  <p:nvPr/>
-                </p:nvPicPr>
-                <p:blipFill>
-                  <a:blip r:embed="rId6">
-                    <a:extLst>
-                      <a:ext uri="{28A0092B-C50C-407E-A947-70E740481C1C}">
-                        <a14:useLocalDpi xmlns:a14="http://schemas.microsoft.com/office/drawing/2010/main" val="0"/>
-                      </a:ext>
-                    </a:extLst>
-                  </a:blip>
-                  <a:srcRect/>
-                  <a:stretch>
-                    <a:fillRect/>
-                  </a:stretch>
-                </p:blipFill>
-                <p:spPr bwMode="auto">
-                  <a:xfrm>
-                    <a:off x="9490256" y="1918012"/>
-                    <a:ext cx="1657115" cy="346520"/>
-                  </a:xfrm>
-                  <a:prstGeom prst="rect">
-                    <a:avLst/>
-                  </a:prstGeom>
-                  <a:noFill/>
-                  <a:extLst>
-                    <a:ext uri="{909E8E84-426E-40DD-AFC4-6F175D3DCCD1}">
-                      <a14:hiddenFill xmlns:a14="http://schemas.microsoft.com/office/drawing/2010/main">
-                        <a:solidFill>
-                          <a:srgbClr val="FFFFFF"/>
-                        </a:solidFill>
-                      </a14:hiddenFill>
-                    </a:ext>
-                  </a:extLst>
-                </p:spPr>
-              </p:pic>
-            </p:grpSp>
-            <p:grpSp>
-              <p:nvGrpSpPr>
-                <p:cNvPr id="42" name="Group 41">
-                  <a:extLst>
-                    <a:ext uri="{FF2B5EF4-FFF2-40B4-BE49-F238E27FC236}">
-                      <a16:creationId xmlns:a16="http://schemas.microsoft.com/office/drawing/2014/main" id="{74A76B3E-9973-4318-83D9-67BC5211EDFE}"/>
-                    </a:ext>
-                  </a:extLst>
-                </p:cNvPr>
-                <p:cNvGrpSpPr/>
-                <p:nvPr/>
-              </p:nvGrpSpPr>
-              <p:grpSpPr>
-                <a:xfrm>
-                  <a:off x="9096242" y="641322"/>
-                  <a:ext cx="2455521" cy="1928071"/>
-                  <a:chOff x="3167611" y="4160112"/>
-                  <a:chExt cx="2455521" cy="1928071"/>
-                </a:xfrm>
-              </p:grpSpPr>
-              <p:sp>
-                <p:nvSpPr>
-                  <p:cNvPr id="34" name="Rectangle 33">
-                    <a:extLst>
-                      <a:ext uri="{FF2B5EF4-FFF2-40B4-BE49-F238E27FC236}">
-                        <a16:creationId xmlns:a16="http://schemas.microsoft.com/office/drawing/2014/main" id="{48600AC4-0E79-42E7-96B4-45A9FA97E23D}"/>
-                      </a:ext>
-                    </a:extLst>
-                  </p:cNvPr>
-                  <p:cNvSpPr/>
-                  <p:nvPr/>
-                </p:nvSpPr>
-                <p:spPr>
-                  <a:xfrm>
-                    <a:off x="3238856" y="4160112"/>
-                    <a:ext cx="2384276" cy="1881841"/>
-                  </a:xfrm>
-                  <a:prstGeom prst="rect">
-                    <a:avLst/>
-                  </a:prstGeom>
-                  <a:solidFill>
-                    <a:schemeClr val="accent1">
                       <a:lumMod val="60000"/>
                       <a:lumOff val="40000"/>
                     </a:schemeClr>
@@ -16225,60 +15054,476 @@
                   </a:fontRef>
                 </p:style>
                 <p:txBody>
-                  <a:bodyPr rtlCol="0" anchor="b"/>
+                  <a:bodyPr rtlCol="0" anchor="ctr"/>
                   <a:lstStyle/>
                   <a:p>
+                    <a:pPr algn="ctr"/>
                     <a:r>
-                      <a:rPr lang="en-US" altLang="zh-CN" dirty="0"/>
-                      <a:t>    Cloud Functions</a:t>
+                      <a:rPr lang="en-US" altLang="zh-CN" dirty="0">
+                        <a:solidFill>
+                          <a:schemeClr val="tx1"/>
+                        </a:solidFill>
+                      </a:rPr>
+                      <a:t>Welcome</a:t>
                     </a:r>
-                    <a:endParaRPr lang="en-SG" dirty="0"/>
+                    <a:endParaRPr lang="en-SG" dirty="0">
+                      <a:solidFill>
+                        <a:schemeClr val="tx1"/>
+                      </a:solidFill>
+                    </a:endParaRPr>
                   </a:p>
                 </p:txBody>
               </p:sp>
-              <p:pic>
-                <p:nvPicPr>
-                  <p:cNvPr id="94" name="Picture 93">
+              <p:sp>
+                <p:nvSpPr>
+                  <p:cNvPr id="106" name="Rectangle 105">
                     <a:extLst>
                       <a:ext uri="{FF2B5EF4-FFF2-40B4-BE49-F238E27FC236}">
-                        <a16:creationId xmlns:a16="http://schemas.microsoft.com/office/drawing/2014/main" id="{E7C94D25-3C20-4AB1-A6D9-88BF06BB9566}"/>
+                        <a16:creationId xmlns:a16="http://schemas.microsoft.com/office/drawing/2014/main" id="{8EC9A483-23E4-46EC-B396-6A61C8714321}"/>
                       </a:ext>
                     </a:extLst>
                   </p:cNvPr>
-                  <p:cNvPicPr>
-                    <a:picLocks noChangeAspect="1"/>
-                  </p:cNvPicPr>
+                  <p:cNvSpPr/>
                   <p:nvPr/>
-                </p:nvPicPr>
-                <p:blipFill>
-                  <a:blip r:embed="rId7">
-                    <a:extLst>
-                      <a:ext uri="{28A0092B-C50C-407E-A947-70E740481C1C}">
-                        <a14:useLocalDpi xmlns:a14="http://schemas.microsoft.com/office/drawing/2010/main" val="0"/>
-                      </a:ext>
-                    </a:extLst>
-                  </a:blip>
-                  <a:stretch>
-                    <a:fillRect/>
-                  </a:stretch>
-                </p:blipFill>
+                </p:nvSpPr>
                 <p:spPr>
                   <a:xfrm>
-                    <a:off x="3167611" y="5728183"/>
-                    <a:ext cx="360000" cy="360000"/>
+                    <a:off x="9612931" y="3411376"/>
+                    <a:ext cx="1800000" cy="720000"/>
                   </a:xfrm>
                   <a:prstGeom prst="rect">
                     <a:avLst/>
                   </a:prstGeom>
+                  <a:solidFill>
+                    <a:schemeClr val="accent4">
+                      <a:lumMod val="60000"/>
+                      <a:lumOff val="40000"/>
+                    </a:schemeClr>
+                  </a:solidFill>
+                  <a:ln>
+                    <a:noFill/>
+                  </a:ln>
                 </p:spPr>
-              </p:pic>
+                <p:style>
+                  <a:lnRef idx="2">
+                    <a:schemeClr val="accent1">
+                      <a:shade val="50000"/>
+                    </a:schemeClr>
+                  </a:lnRef>
+                  <a:fillRef idx="1">
+                    <a:schemeClr val="accent1"/>
+                  </a:fillRef>
+                  <a:effectRef idx="0">
+                    <a:schemeClr val="accent1"/>
+                  </a:effectRef>
+                  <a:fontRef idx="minor">
+                    <a:schemeClr val="lt1"/>
+                  </a:fontRef>
+                </p:style>
+                <p:txBody>
+                  <a:bodyPr rtlCol="0" anchor="ctr"/>
+                  <a:lstStyle/>
+                  <a:p>
+                    <a:pPr algn="ctr"/>
+                    <a:r>
+                      <a:rPr lang="en-US" altLang="zh-CN" dirty="0">
+                        <a:solidFill>
+                          <a:schemeClr val="tx1"/>
+                        </a:solidFill>
+                      </a:rPr>
+                      <a:t>Get Messages</a:t>
+                    </a:r>
+                    <a:endParaRPr lang="en-SG" dirty="0">
+                      <a:solidFill>
+                        <a:schemeClr val="tx1"/>
+                      </a:solidFill>
+                    </a:endParaRPr>
+                  </a:p>
+                </p:txBody>
+              </p:sp>
+              <p:sp>
+                <p:nvSpPr>
+                  <p:cNvPr id="107" name="Rectangle 106">
+                    <a:extLst>
+                      <a:ext uri="{FF2B5EF4-FFF2-40B4-BE49-F238E27FC236}">
+                        <a16:creationId xmlns:a16="http://schemas.microsoft.com/office/drawing/2014/main" id="{0091FB11-82C7-4C45-B217-4FBF80A28DCB}"/>
+                      </a:ext>
+                    </a:extLst>
+                  </p:cNvPr>
+                  <p:cNvSpPr/>
+                  <p:nvPr/>
+                </p:nvSpPr>
+                <p:spPr>
+                  <a:xfrm>
+                    <a:off x="9612931" y="4273725"/>
+                    <a:ext cx="1800000" cy="720000"/>
+                  </a:xfrm>
+                  <a:prstGeom prst="rect">
+                    <a:avLst/>
+                  </a:prstGeom>
+                  <a:solidFill>
+                    <a:schemeClr val="accent4">
+                      <a:lumMod val="60000"/>
+                      <a:lumOff val="40000"/>
+                    </a:schemeClr>
+                  </a:solidFill>
+                  <a:ln>
+                    <a:noFill/>
+                  </a:ln>
+                </p:spPr>
+                <p:style>
+                  <a:lnRef idx="2">
+                    <a:schemeClr val="accent1">
+                      <a:shade val="50000"/>
+                    </a:schemeClr>
+                  </a:lnRef>
+                  <a:fillRef idx="1">
+                    <a:schemeClr val="accent1"/>
+                  </a:fillRef>
+                  <a:effectRef idx="0">
+                    <a:schemeClr val="accent1"/>
+                  </a:effectRef>
+                  <a:fontRef idx="minor">
+                    <a:schemeClr val="lt1"/>
+                  </a:fontRef>
+                </p:style>
+                <p:txBody>
+                  <a:bodyPr rtlCol="0" anchor="ctr"/>
+                  <a:lstStyle/>
+                  <a:p>
+                    <a:pPr algn="ctr"/>
+                    <a:r>
+                      <a:rPr lang="en-US" altLang="zh-CN" dirty="0">
+                        <a:solidFill>
+                          <a:schemeClr val="tx1"/>
+                        </a:solidFill>
+                      </a:rPr>
+                      <a:t>Send Message</a:t>
+                    </a:r>
+                    <a:endParaRPr lang="en-SG" dirty="0">
+                      <a:solidFill>
+                        <a:schemeClr val="tx1"/>
+                      </a:solidFill>
+                    </a:endParaRPr>
+                  </a:p>
+                </p:txBody>
+              </p:sp>
+              <p:sp>
+                <p:nvSpPr>
+                  <p:cNvPr id="108" name="Rectangle 107">
+                    <a:extLst>
+                      <a:ext uri="{FF2B5EF4-FFF2-40B4-BE49-F238E27FC236}">
+                        <a16:creationId xmlns:a16="http://schemas.microsoft.com/office/drawing/2014/main" id="{CEE16E29-ECFE-4C4B-9AE2-9732079FA154}"/>
+                      </a:ext>
+                    </a:extLst>
+                  </p:cNvPr>
+                  <p:cNvSpPr/>
+                  <p:nvPr/>
+                </p:nvSpPr>
+                <p:spPr>
+                  <a:xfrm>
+                    <a:off x="9612931" y="1686678"/>
+                    <a:ext cx="1800000" cy="720000"/>
+                  </a:xfrm>
+                  <a:prstGeom prst="rect">
+                    <a:avLst/>
+                  </a:prstGeom>
+                  <a:solidFill>
+                    <a:schemeClr val="accent4">
+                      <a:lumMod val="60000"/>
+                      <a:lumOff val="40000"/>
+                    </a:schemeClr>
+                  </a:solidFill>
+                  <a:ln>
+                    <a:noFill/>
+                  </a:ln>
+                </p:spPr>
+                <p:style>
+                  <a:lnRef idx="2">
+                    <a:schemeClr val="accent1">
+                      <a:shade val="50000"/>
+                    </a:schemeClr>
+                  </a:lnRef>
+                  <a:fillRef idx="1">
+                    <a:schemeClr val="accent1"/>
+                  </a:fillRef>
+                  <a:effectRef idx="0">
+                    <a:schemeClr val="accent1"/>
+                  </a:effectRef>
+                  <a:fontRef idx="minor">
+                    <a:schemeClr val="lt1"/>
+                  </a:fontRef>
+                </p:style>
+                <p:txBody>
+                  <a:bodyPr rtlCol="0" anchor="ctr"/>
+                  <a:lstStyle/>
+                  <a:p>
+                    <a:pPr algn="ctr"/>
+                    <a:r>
+                      <a:rPr lang="en-US" altLang="zh-CN" dirty="0">
+                        <a:solidFill>
+                          <a:schemeClr val="tx1"/>
+                        </a:solidFill>
+                      </a:rPr>
+                      <a:t>Start Homework</a:t>
+                    </a:r>
+                    <a:endParaRPr lang="en-SG" dirty="0">
+                      <a:solidFill>
+                        <a:schemeClr val="tx1"/>
+                      </a:solidFill>
+                    </a:endParaRPr>
+                  </a:p>
+                </p:txBody>
+              </p:sp>
+              <p:sp>
+                <p:nvSpPr>
+                  <p:cNvPr id="109" name="Rectangle 108">
+                    <a:extLst>
+                      <a:ext uri="{FF2B5EF4-FFF2-40B4-BE49-F238E27FC236}">
+                        <a16:creationId xmlns:a16="http://schemas.microsoft.com/office/drawing/2014/main" id="{1FDC1E27-9EB6-4D38-9C63-DE5A47F5E7DB}"/>
+                      </a:ext>
+                    </a:extLst>
+                  </p:cNvPr>
+                  <p:cNvSpPr/>
+                  <p:nvPr/>
+                </p:nvSpPr>
+                <p:spPr>
+                  <a:xfrm>
+                    <a:off x="9612931" y="2549027"/>
+                    <a:ext cx="1800000" cy="720000"/>
+                  </a:xfrm>
+                  <a:prstGeom prst="rect">
+                    <a:avLst/>
+                  </a:prstGeom>
+                  <a:solidFill>
+                    <a:schemeClr val="accent4">
+                      <a:lumMod val="60000"/>
+                      <a:lumOff val="40000"/>
+                    </a:schemeClr>
+                  </a:solidFill>
+                  <a:ln>
+                    <a:noFill/>
+                  </a:ln>
+                </p:spPr>
+                <p:style>
+                  <a:lnRef idx="2">
+                    <a:schemeClr val="accent1">
+                      <a:shade val="50000"/>
+                    </a:schemeClr>
+                  </a:lnRef>
+                  <a:fillRef idx="1">
+                    <a:schemeClr val="accent1"/>
+                  </a:fillRef>
+                  <a:effectRef idx="0">
+                    <a:schemeClr val="accent1"/>
+                  </a:effectRef>
+                  <a:fontRef idx="minor">
+                    <a:schemeClr val="lt1"/>
+                  </a:fontRef>
+                </p:style>
+                <p:txBody>
+                  <a:bodyPr rtlCol="0" anchor="ctr"/>
+                  <a:lstStyle/>
+                  <a:p>
+                    <a:pPr algn="ctr"/>
+                    <a:r>
+                      <a:rPr lang="en-US" altLang="zh-CN" dirty="0">
+                        <a:solidFill>
+                          <a:schemeClr val="tx1"/>
+                        </a:solidFill>
+                      </a:rPr>
+                      <a:t>Get Homework</a:t>
+                    </a:r>
+                    <a:endParaRPr lang="en-SG" dirty="0">
+                      <a:solidFill>
+                        <a:schemeClr val="tx1"/>
+                      </a:solidFill>
+                    </a:endParaRPr>
+                  </a:p>
+                </p:txBody>
+              </p:sp>
+              <p:sp>
+                <p:nvSpPr>
+                  <p:cNvPr id="110" name="Rectangle 109">
+                    <a:extLst>
+                      <a:ext uri="{FF2B5EF4-FFF2-40B4-BE49-F238E27FC236}">
+                        <a16:creationId xmlns:a16="http://schemas.microsoft.com/office/drawing/2014/main" id="{A4A9BEB0-4451-470F-8FB5-03F329F69F1E}"/>
+                      </a:ext>
+                    </a:extLst>
+                  </p:cNvPr>
+                  <p:cNvSpPr/>
+                  <p:nvPr/>
+                </p:nvSpPr>
+                <p:spPr>
+                  <a:xfrm>
+                    <a:off x="9612931" y="5136074"/>
+                    <a:ext cx="1800000" cy="720000"/>
+                  </a:xfrm>
+                  <a:prstGeom prst="rect">
+                    <a:avLst/>
+                  </a:prstGeom>
+                  <a:solidFill>
+                    <a:schemeClr val="accent4">
+                      <a:lumMod val="40000"/>
+                      <a:lumOff val="60000"/>
+                    </a:schemeClr>
+                  </a:solidFill>
+                  <a:ln>
+                    <a:noFill/>
+                  </a:ln>
+                </p:spPr>
+                <p:style>
+                  <a:lnRef idx="2">
+                    <a:schemeClr val="accent1">
+                      <a:shade val="50000"/>
+                    </a:schemeClr>
+                  </a:lnRef>
+                  <a:fillRef idx="1">
+                    <a:schemeClr val="accent1"/>
+                  </a:fillRef>
+                  <a:effectRef idx="0">
+                    <a:schemeClr val="accent1"/>
+                  </a:effectRef>
+                  <a:fontRef idx="minor">
+                    <a:schemeClr val="lt1"/>
+                  </a:fontRef>
+                </p:style>
+                <p:txBody>
+                  <a:bodyPr rtlCol="0" anchor="ctr"/>
+                  <a:lstStyle/>
+                  <a:p>
+                    <a:pPr algn="ctr"/>
+                    <a:r>
+                      <a:rPr lang="en-US" altLang="zh-CN" dirty="0">
+                        <a:solidFill>
+                          <a:schemeClr val="tx1"/>
+                        </a:solidFill>
+                      </a:rPr>
+                      <a:t>Ask Anything</a:t>
+                    </a:r>
+                  </a:p>
+                </p:txBody>
+              </p:sp>
+              <p:sp>
+                <p:nvSpPr>
+                  <p:cNvPr id="111" name="Rectangle 110">
+                    <a:extLst>
+                      <a:ext uri="{FF2B5EF4-FFF2-40B4-BE49-F238E27FC236}">
+                        <a16:creationId xmlns:a16="http://schemas.microsoft.com/office/drawing/2014/main" id="{D238B546-2449-454B-ADC4-F7B050B0D187}"/>
+                      </a:ext>
+                    </a:extLst>
+                  </p:cNvPr>
+                  <p:cNvSpPr/>
+                  <p:nvPr/>
+                </p:nvSpPr>
+                <p:spPr>
+                  <a:xfrm>
+                    <a:off x="9612931" y="5998422"/>
+                    <a:ext cx="1800000" cy="720000"/>
+                  </a:xfrm>
+                  <a:prstGeom prst="rect">
+                    <a:avLst/>
+                  </a:prstGeom>
+                  <a:solidFill>
+                    <a:schemeClr val="accent4">
+                      <a:lumMod val="40000"/>
+                      <a:lumOff val="60000"/>
+                    </a:schemeClr>
+                  </a:solidFill>
+                  <a:ln>
+                    <a:noFill/>
+                  </a:ln>
+                </p:spPr>
+                <p:style>
+                  <a:lnRef idx="2">
+                    <a:schemeClr val="accent1">
+                      <a:shade val="50000"/>
+                    </a:schemeClr>
+                  </a:lnRef>
+                  <a:fillRef idx="1">
+                    <a:schemeClr val="accent1"/>
+                  </a:fillRef>
+                  <a:effectRef idx="0">
+                    <a:schemeClr val="accent1"/>
+                  </a:effectRef>
+                  <a:fontRef idx="minor">
+                    <a:schemeClr val="lt1"/>
+                  </a:fontRef>
+                </p:style>
+                <p:txBody>
+                  <a:bodyPr rtlCol="0" anchor="ctr"/>
+                  <a:lstStyle/>
+                  <a:p>
+                    <a:pPr algn="ctr"/>
+                    <a:r>
+                      <a:rPr lang="en-US" altLang="zh-CN" dirty="0">
+                        <a:solidFill>
+                          <a:schemeClr val="tx1"/>
+                        </a:solidFill>
+                      </a:rPr>
+                      <a:t>Other Helper Intents…</a:t>
+                    </a:r>
+                    <a:endParaRPr lang="en-SG" dirty="0">
+                      <a:solidFill>
+                        <a:schemeClr val="tx1"/>
+                      </a:solidFill>
+                    </a:endParaRPr>
+                  </a:p>
+                </p:txBody>
+              </p:sp>
             </p:grpSp>
+            <p:sp>
+              <p:nvSpPr>
+                <p:cNvPr id="131" name="Arrow: Up-Down 130">
+                  <a:extLst>
+                    <a:ext uri="{FF2B5EF4-FFF2-40B4-BE49-F238E27FC236}">
+                      <a16:creationId xmlns:a16="http://schemas.microsoft.com/office/drawing/2014/main" id="{FE6823B4-9BA5-4B97-8094-4197D440C471}"/>
+                    </a:ext>
+                  </a:extLst>
+                </p:cNvPr>
+                <p:cNvSpPr/>
+                <p:nvPr/>
+              </p:nvSpPr>
+              <p:spPr>
+                <a:xfrm rot="5400000">
+                  <a:off x="3494750" y="958078"/>
+                  <a:ext cx="745472" cy="1217985"/>
+                </a:xfrm>
+                <a:prstGeom prst="upDownArrow">
+                  <a:avLst/>
+                </a:prstGeom>
+              </p:spPr>
+              <p:style>
+                <a:lnRef idx="2">
+                  <a:schemeClr val="accent1">
+                    <a:shade val="50000"/>
+                  </a:schemeClr>
+                </a:lnRef>
+                <a:fillRef idx="1">
+                  <a:schemeClr val="accent1"/>
+                </a:fillRef>
+                <a:effectRef idx="0">
+                  <a:schemeClr val="accent1"/>
+                </a:effectRef>
+                <a:fontRef idx="minor">
+                  <a:schemeClr val="lt1"/>
+                </a:fontRef>
+              </p:style>
+              <p:txBody>
+                <a:bodyPr rtlCol="0" anchor="ctr"/>
+                <a:lstStyle/>
+                <a:p>
+                  <a:pPr algn="ctr"/>
+                  <a:endParaRPr lang="en-SG" dirty="0"/>
+                </a:p>
+              </p:txBody>
+            </p:sp>
             <p:grpSp>
               <p:nvGrpSpPr>
-                <p:cNvPr id="55" name="Group 54">
+                <p:cNvPr id="96" name="Group 95">
                   <a:extLst>
                     <a:ext uri="{FF2B5EF4-FFF2-40B4-BE49-F238E27FC236}">
-                      <a16:creationId xmlns:a16="http://schemas.microsoft.com/office/drawing/2014/main" id="{69C53A82-3627-4A7A-AB7B-931A4E4D9F1C}"/>
+                      <a16:creationId xmlns:a16="http://schemas.microsoft.com/office/drawing/2014/main" id="{B683B13E-B4BF-400D-B59B-A61C03F60DAA}"/>
                     </a:ext>
                   </a:extLst>
                 </p:cNvPr>
@@ -16287,18 +15532,18 @@
               </p:nvGrpSpPr>
               <p:grpSpPr>
                 <a:xfrm>
-                  <a:off x="9041864" y="2967529"/>
-                  <a:ext cx="2509899" cy="1958869"/>
-                  <a:chOff x="6009989" y="4155389"/>
-                  <a:chExt cx="2509899" cy="1958869"/>
+                  <a:off x="1458517" y="59955"/>
+                  <a:ext cx="1789936" cy="6641554"/>
+                  <a:chOff x="1458517" y="59955"/>
+                  <a:chExt cx="1789936" cy="6641554"/>
                 </a:xfrm>
               </p:grpSpPr>
               <p:grpSp>
                 <p:nvGrpSpPr>
-                  <p:cNvPr id="88" name="Group 87">
+                  <p:cNvPr id="82" name="Group 81">
                     <a:extLst>
                       <a:ext uri="{FF2B5EF4-FFF2-40B4-BE49-F238E27FC236}">
-                        <a16:creationId xmlns:a16="http://schemas.microsoft.com/office/drawing/2014/main" id="{48E1D720-6B29-4934-AAAA-26D598EC1244}"/>
+                        <a16:creationId xmlns:a16="http://schemas.microsoft.com/office/drawing/2014/main" id="{85F3E959-C868-4891-889C-2CEFA6E34A87}"/>
                       </a:ext>
                     </a:extLst>
                   </p:cNvPr>
@@ -16307,18 +15552,413 @@
                 </p:nvGrpSpPr>
                 <p:grpSpPr>
                   <a:xfrm>
-                    <a:off x="6009989" y="4155389"/>
-                    <a:ext cx="2509899" cy="1958869"/>
-                    <a:chOff x="3113233" y="4160112"/>
-                    <a:chExt cx="2509899" cy="1958869"/>
+                    <a:off x="1458517" y="59955"/>
+                    <a:ext cx="1789936" cy="6641554"/>
+                    <a:chOff x="3094516" y="157751"/>
+                    <a:chExt cx="1789936" cy="6641554"/>
                   </a:xfrm>
                 </p:grpSpPr>
+                <p:grpSp>
+                  <p:nvGrpSpPr>
+                    <p:cNvPr id="17" name="Group 16">
+                      <a:extLst>
+                        <a:ext uri="{FF2B5EF4-FFF2-40B4-BE49-F238E27FC236}">
+                          <a16:creationId xmlns:a16="http://schemas.microsoft.com/office/drawing/2014/main" id="{32834F20-0A4D-4758-B032-0664ADE72B88}"/>
+                        </a:ext>
+                      </a:extLst>
+                    </p:cNvPr>
+                    <p:cNvGrpSpPr/>
+                    <p:nvPr/>
+                  </p:nvGrpSpPr>
+                  <p:grpSpPr>
+                    <a:xfrm>
+                      <a:off x="3094516" y="157751"/>
+                      <a:ext cx="1762210" cy="2896845"/>
+                      <a:chOff x="1112429" y="-128008"/>
+                      <a:chExt cx="2001683" cy="2896845"/>
+                    </a:xfrm>
+                  </p:grpSpPr>
+                  <p:grpSp>
+                    <p:nvGrpSpPr>
+                      <p:cNvPr id="6" name="Group 5">
+                        <a:extLst>
+                          <a:ext uri="{FF2B5EF4-FFF2-40B4-BE49-F238E27FC236}">
+                            <a16:creationId xmlns:a16="http://schemas.microsoft.com/office/drawing/2014/main" id="{9F36F90E-0339-4E59-8F85-D9F903FCD739}"/>
+                          </a:ext>
+                        </a:extLst>
+                      </p:cNvPr>
+                      <p:cNvGrpSpPr/>
+                      <p:nvPr/>
+                    </p:nvGrpSpPr>
+                    <p:grpSpPr>
+                      <a:xfrm>
+                        <a:off x="1112429" y="-128008"/>
+                        <a:ext cx="2001683" cy="2896845"/>
+                        <a:chOff x="1184096" y="-47280"/>
+                        <a:chExt cx="2001683" cy="2896845"/>
+                      </a:xfrm>
+                    </p:grpSpPr>
+                    <p:pic>
+                      <p:nvPicPr>
+                        <p:cNvPr id="7" name="Graphic 6" descr="Smart Phone">
+                          <a:extLst>
+                            <a:ext uri="{FF2B5EF4-FFF2-40B4-BE49-F238E27FC236}">
+                              <a16:creationId xmlns:a16="http://schemas.microsoft.com/office/drawing/2014/main" id="{0C34420A-8D04-4289-84D2-69B6D1111A5C}"/>
+                            </a:ext>
+                          </a:extLst>
+                        </p:cNvPr>
+                        <p:cNvPicPr>
+                          <a:picLocks noChangeAspect="1"/>
+                        </p:cNvPicPr>
+                        <p:nvPr/>
+                      </p:nvPicPr>
+                      <p:blipFill rotWithShape="1">
+                        <a:blip r:embed="rId5">
+                          <a:extLst>
+                            <a:ext uri="{28A0092B-C50C-407E-A947-70E740481C1C}">
+                              <a14:useLocalDpi xmlns:a14="http://schemas.microsoft.com/office/drawing/2010/main" val="0"/>
+                            </a:ext>
+                            <a:ext uri="{96DAC541-7B7A-43D3-8B79-37D633B846F1}">
+                              <asvg:svgBlip xmlns:asvg="http://schemas.microsoft.com/office/drawing/2016/SVG/main" r:embed="rId6"/>
+                            </a:ext>
+                          </a:extLst>
+                        </a:blip>
+                        <a:srcRect l="22191" r="23001"/>
+                        <a:stretch/>
+                      </p:blipFill>
+                      <p:spPr>
+                        <a:xfrm>
+                          <a:off x="1184096" y="-47280"/>
+                          <a:ext cx="2001683" cy="2896845"/>
+                        </a:xfrm>
+                        <a:prstGeom prst="rect">
+                          <a:avLst/>
+                        </a:prstGeom>
+                      </p:spPr>
+                    </p:pic>
+                    <p:sp>
+                      <p:nvSpPr>
+                        <p:cNvPr id="8" name="Rectangle 7">
+                          <a:extLst>
+                            <a:ext uri="{FF2B5EF4-FFF2-40B4-BE49-F238E27FC236}">
+                              <a16:creationId xmlns:a16="http://schemas.microsoft.com/office/drawing/2014/main" id="{6F5B01DC-AD61-4565-A16B-9D1EE4FEB0A9}"/>
+                            </a:ext>
+                          </a:extLst>
+                        </p:cNvPr>
+                        <p:cNvSpPr/>
+                        <p:nvPr/>
+                      </p:nvSpPr>
+                      <p:spPr>
+                        <a:xfrm>
+                          <a:off x="1363463" y="157641"/>
+                          <a:ext cx="1678859" cy="2276252"/>
+                        </a:xfrm>
+                        <a:prstGeom prst="rect">
+                          <a:avLst/>
+                        </a:prstGeom>
+                        <a:solidFill>
+                          <a:schemeClr val="accent6">
+                            <a:lumMod val="40000"/>
+                            <a:lumOff val="60000"/>
+                          </a:schemeClr>
+                        </a:solidFill>
+                        <a:ln>
+                          <a:solidFill>
+                            <a:schemeClr val="bg1">
+                              <a:lumMod val="50000"/>
+                            </a:schemeClr>
+                          </a:solidFill>
+                        </a:ln>
+                      </p:spPr>
+                      <p:style>
+                        <a:lnRef idx="2">
+                          <a:schemeClr val="accent6">
+                            <a:shade val="50000"/>
+                          </a:schemeClr>
+                        </a:lnRef>
+                        <a:fillRef idx="1">
+                          <a:schemeClr val="accent6"/>
+                        </a:fillRef>
+                        <a:effectRef idx="0">
+                          <a:schemeClr val="accent6"/>
+                        </a:effectRef>
+                        <a:fontRef idx="minor">
+                          <a:schemeClr val="lt1"/>
+                        </a:fontRef>
+                      </p:style>
+                      <p:txBody>
+                        <a:bodyPr rtlCol="0" anchor="t"/>
+                        <a:lstStyle/>
+                        <a:p>
+                          <a:pPr algn="ctr"/>
+                          <a:r>
+                            <a:rPr lang="en-SG" sz="1200" b="1" dirty="0">
+                              <a:solidFill>
+                                <a:schemeClr val="tx1"/>
+                              </a:solidFill>
+                            </a:rPr>
+                            <a:t>DESKMATE APP</a:t>
+                          </a:r>
+                        </a:p>
+                      </p:txBody>
+                    </p:sp>
+                    <p:pic>
+                      <p:nvPicPr>
+                        <p:cNvPr id="1028" name="Picture 4" descr="âandroid pngâçå¾çæç´¢ç»æ">
+                          <a:extLst>
+                            <a:ext uri="{FF2B5EF4-FFF2-40B4-BE49-F238E27FC236}">
+                              <a16:creationId xmlns:a16="http://schemas.microsoft.com/office/drawing/2014/main" id="{6561ABE5-BB0E-49C0-89E0-9B11A043D2D3}"/>
+                            </a:ext>
+                          </a:extLst>
+                        </p:cNvPr>
+                        <p:cNvPicPr>
+                          <a:picLocks noChangeAspect="1" noChangeArrowheads="1"/>
+                        </p:cNvPicPr>
+                        <p:nvPr/>
+                      </p:nvPicPr>
+                      <p:blipFill>
+                        <a:blip r:embed="rId7">
+                          <a:extLst>
+                            <a:ext uri="{28A0092B-C50C-407E-A947-70E740481C1C}">
+                              <a14:useLocalDpi xmlns:a14="http://schemas.microsoft.com/office/drawing/2010/main" val="0"/>
+                            </a:ext>
+                          </a:extLst>
+                        </a:blip>
+                        <a:srcRect/>
+                        <a:stretch>
+                          <a:fillRect/>
+                        </a:stretch>
+                      </p:blipFill>
+                      <p:spPr bwMode="auto">
+                        <a:xfrm>
+                          <a:off x="1863048" y="2491066"/>
+                          <a:ext cx="684542" cy="158389"/>
+                        </a:xfrm>
+                        <a:prstGeom prst="rect">
+                          <a:avLst/>
+                        </a:prstGeom>
+                        <a:noFill/>
+                        <a:extLst>
+                          <a:ext uri="{909E8E84-426E-40DD-AFC4-6F175D3DCCD1}">
+                            <a14:hiddenFill xmlns:a14="http://schemas.microsoft.com/office/drawing/2010/main">
+                              <a:solidFill>
+                                <a:srgbClr val="FFFFFF"/>
+                              </a:solidFill>
+                            </a14:hiddenFill>
+                          </a:ext>
+                        </a:extLst>
+                      </p:spPr>
+                    </p:pic>
+                  </p:grpSp>
+                  <p:sp>
+                    <p:nvSpPr>
+                      <p:cNvPr id="9" name="Rectangle 8">
+                        <a:extLst>
+                          <a:ext uri="{FF2B5EF4-FFF2-40B4-BE49-F238E27FC236}">
+                            <a16:creationId xmlns:a16="http://schemas.microsoft.com/office/drawing/2014/main" id="{622F5860-9325-45AE-BA62-D1F7ACB13AAF}"/>
+                          </a:ext>
+                        </a:extLst>
+                      </p:cNvPr>
+                      <p:cNvSpPr/>
+                      <p:nvPr/>
+                    </p:nvSpPr>
+                    <p:spPr>
+                      <a:xfrm>
+                        <a:off x="1346202" y="714116"/>
+                        <a:ext cx="1563595" cy="239185"/>
+                      </a:xfrm>
+                      <a:prstGeom prst="rect">
+                        <a:avLst/>
+                      </a:prstGeom>
+                    </p:spPr>
+                    <p:style>
+                      <a:lnRef idx="2">
+                        <a:schemeClr val="accent6">
+                          <a:shade val="50000"/>
+                        </a:schemeClr>
+                      </a:lnRef>
+                      <a:fillRef idx="1">
+                        <a:schemeClr val="accent6"/>
+                      </a:fillRef>
+                      <a:effectRef idx="0">
+                        <a:schemeClr val="accent6"/>
+                      </a:effectRef>
+                      <a:fontRef idx="minor">
+                        <a:schemeClr val="lt1"/>
+                      </a:fontRef>
+                    </p:style>
+                    <p:txBody>
+                      <a:bodyPr rtlCol="0" anchor="ctr"/>
+                      <a:lstStyle/>
+                      <a:p>
+                        <a:pPr algn="ctr"/>
+                        <a:r>
+                          <a:rPr lang="en-SG" sz="1200" dirty="0"/>
+                          <a:t>ASR</a:t>
+                        </a:r>
+                      </a:p>
+                    </p:txBody>
+                  </p:sp>
+                  <p:sp>
+                    <p:nvSpPr>
+                      <p:cNvPr id="10" name="Rectangle 9">
+                        <a:extLst>
+                          <a:ext uri="{FF2B5EF4-FFF2-40B4-BE49-F238E27FC236}">
+                            <a16:creationId xmlns:a16="http://schemas.microsoft.com/office/drawing/2014/main" id="{B4BCDFD0-28B2-45C8-B98C-848206F05A6E}"/>
+                          </a:ext>
+                        </a:extLst>
+                      </p:cNvPr>
+                      <p:cNvSpPr/>
+                      <p:nvPr/>
+                    </p:nvSpPr>
+                    <p:spPr>
+                      <a:xfrm>
+                        <a:off x="1346202" y="1241715"/>
+                        <a:ext cx="1563595" cy="381697"/>
+                      </a:xfrm>
+                      <a:prstGeom prst="rect">
+                        <a:avLst/>
+                      </a:prstGeom>
+                    </p:spPr>
+                    <p:style>
+                      <a:lnRef idx="2">
+                        <a:schemeClr val="accent4">
+                          <a:shade val="50000"/>
+                        </a:schemeClr>
+                      </a:lnRef>
+                      <a:fillRef idx="1">
+                        <a:schemeClr val="accent4"/>
+                      </a:fillRef>
+                      <a:effectRef idx="0">
+                        <a:schemeClr val="accent4"/>
+                      </a:effectRef>
+                      <a:fontRef idx="minor">
+                        <a:schemeClr val="lt1"/>
+                      </a:fontRef>
+                    </p:style>
+                    <p:txBody>
+                      <a:bodyPr rtlCol="0" anchor="ctr"/>
+                      <a:lstStyle/>
+                      <a:p>
+                        <a:pPr algn="ctr"/>
+                        <a:r>
+                          <a:rPr lang="en-SG" sz="1200" dirty="0"/>
+                          <a:t>TTS</a:t>
+                        </a:r>
+                      </a:p>
+                    </p:txBody>
+                  </p:sp>
+                  <p:sp>
+                    <p:nvSpPr>
+                      <p:cNvPr id="13" name="Rectangle 12">
+                        <a:extLst>
+                          <a:ext uri="{FF2B5EF4-FFF2-40B4-BE49-F238E27FC236}">
+                            <a16:creationId xmlns:a16="http://schemas.microsoft.com/office/drawing/2014/main" id="{35C8531A-EA53-4665-A7F1-307DA88270FF}"/>
+                          </a:ext>
+                        </a:extLst>
+                      </p:cNvPr>
+                      <p:cNvSpPr/>
+                      <p:nvPr/>
+                    </p:nvSpPr>
+                    <p:spPr>
+                      <a:xfrm>
+                        <a:off x="1346202" y="365670"/>
+                        <a:ext cx="1563595" cy="248316"/>
+                      </a:xfrm>
+                      <a:prstGeom prst="rect">
+                        <a:avLst/>
+                      </a:prstGeom>
+                      <a:solidFill>
+                        <a:srgbClr val="7030A0"/>
+                      </a:solidFill>
+                    </p:spPr>
+                    <p:style>
+                      <a:lnRef idx="2">
+                        <a:schemeClr val="accent6">
+                          <a:shade val="50000"/>
+                        </a:schemeClr>
+                      </a:lnRef>
+                      <a:fillRef idx="1">
+                        <a:schemeClr val="accent6"/>
+                      </a:fillRef>
+                      <a:effectRef idx="0">
+                        <a:schemeClr val="accent6"/>
+                      </a:effectRef>
+                      <a:fontRef idx="minor">
+                        <a:schemeClr val="lt1"/>
+                      </a:fontRef>
+                    </p:style>
+                    <p:txBody>
+                      <a:bodyPr rtlCol="0" anchor="ctr"/>
+                      <a:lstStyle/>
+                      <a:p>
+                        <a:pPr algn="ctr"/>
+                        <a:r>
+                          <a:rPr lang="en-SG" sz="1200" dirty="0"/>
+                          <a:t>HOTWORD</a:t>
+                        </a:r>
+                      </a:p>
+                    </p:txBody>
+                  </p:sp>
+                  <p:sp>
+                    <p:nvSpPr>
+                      <p:cNvPr id="60" name="Rectangle 59">
+                        <a:extLst>
+                          <a:ext uri="{FF2B5EF4-FFF2-40B4-BE49-F238E27FC236}">
+                            <a16:creationId xmlns:a16="http://schemas.microsoft.com/office/drawing/2014/main" id="{3D0C8A8D-1644-4ACA-9846-A3C7DD4A76BD}"/>
+                          </a:ext>
+                        </a:extLst>
+                      </p:cNvPr>
+                      <p:cNvSpPr/>
+                      <p:nvPr/>
+                    </p:nvSpPr>
+                    <p:spPr>
+                      <a:xfrm>
+                        <a:off x="1346202" y="1916721"/>
+                        <a:ext cx="1563594" cy="381697"/>
+                      </a:xfrm>
+                      <a:prstGeom prst="rect">
+                        <a:avLst/>
+                      </a:prstGeom>
+                      <a:solidFill>
+                        <a:schemeClr val="accent1"/>
+                      </a:solidFill>
+                    </p:spPr>
+                    <p:style>
+                      <a:lnRef idx="2">
+                        <a:schemeClr val="accent4">
+                          <a:shade val="50000"/>
+                        </a:schemeClr>
+                      </a:lnRef>
+                      <a:fillRef idx="1">
+                        <a:schemeClr val="accent4"/>
+                      </a:fillRef>
+                      <a:effectRef idx="0">
+                        <a:schemeClr val="accent4"/>
+                      </a:effectRef>
+                      <a:fontRef idx="minor">
+                        <a:schemeClr val="lt1"/>
+                      </a:fontRef>
+                    </p:style>
+                    <p:txBody>
+                      <a:bodyPr rtlCol="0" anchor="ctr"/>
+                      <a:lstStyle/>
+                      <a:p>
+                        <a:pPr algn="ctr"/>
+                        <a:r>
+                          <a:rPr lang="en-SG" sz="1200" dirty="0"/>
+                          <a:t>SEARCH FUNCTION</a:t>
+                        </a:r>
+                      </a:p>
+                    </p:txBody>
+                  </p:sp>
+                </p:grpSp>
                 <p:sp>
                   <p:nvSpPr>
-                    <p:cNvPr id="89" name="Rectangle 88">
+                    <p:cNvPr id="69" name="Rectangle 68">
                       <a:extLst>
                         <a:ext uri="{FF2B5EF4-FFF2-40B4-BE49-F238E27FC236}">
-                          <a16:creationId xmlns:a16="http://schemas.microsoft.com/office/drawing/2014/main" id="{72E96D8C-6A90-4810-9E81-F8D2401EFD60}"/>
+                          <a16:creationId xmlns:a16="http://schemas.microsoft.com/office/drawing/2014/main" id="{06E3D97B-24A0-4D3C-9256-91607B8CC0E2}"/>
                         </a:ext>
                       </a:extLst>
                     </p:cNvPr>
@@ -16327,91 +15967,120 @@
                   </p:nvSpPr>
                   <p:spPr>
                     <a:xfrm>
-                      <a:off x="3238856" y="4160112"/>
-                      <a:ext cx="2384276" cy="1881841"/>
+                      <a:off x="3094516" y="3930297"/>
+                      <a:ext cx="1789936" cy="2869008"/>
                     </a:xfrm>
                     <a:prstGeom prst="rect">
                       <a:avLst/>
                     </a:prstGeom>
                     <a:solidFill>
-                      <a:schemeClr val="accent1">
-                        <a:lumMod val="75000"/>
+                      <a:schemeClr val="accent5">
+                        <a:lumMod val="20000"/>
+                        <a:lumOff val="80000"/>
                       </a:schemeClr>
                     </a:solidFill>
                     <a:ln>
-                      <a:noFill/>
+                      <a:solidFill>
+                        <a:schemeClr val="bg1">
+                          <a:lumMod val="95000"/>
+                        </a:schemeClr>
+                      </a:solidFill>
                     </a:ln>
                   </p:spPr>
                   <p:style>
                     <a:lnRef idx="2">
-                      <a:schemeClr val="accent1">
+                      <a:schemeClr val="accent2">
                         <a:shade val="50000"/>
                       </a:schemeClr>
                     </a:lnRef>
                     <a:fillRef idx="1">
-                      <a:schemeClr val="accent1"/>
+                      <a:schemeClr val="accent2"/>
                     </a:fillRef>
                     <a:effectRef idx="0">
-                      <a:schemeClr val="accent1"/>
+                      <a:schemeClr val="accent2"/>
                     </a:effectRef>
                     <a:fontRef idx="minor">
                       <a:schemeClr val="lt1"/>
                     </a:fontRef>
                   </p:style>
                   <p:txBody>
-                    <a:bodyPr rtlCol="0" anchor="b"/>
+                    <a:bodyPr rtlCol="0" anchor="t"/>
                     <a:lstStyle/>
                     <a:p>
+                      <a:pPr algn="ctr"/>
                       <a:r>
-                        <a:rPr lang="en-SG" dirty="0"/>
-                        <a:t>   Real Time BD</a:t>
+                        <a:rPr lang="en-SG" sz="1200" dirty="0">
+                          <a:solidFill>
+                            <a:schemeClr val="tx1"/>
+                          </a:solidFill>
+                        </a:rPr>
+                        <a:t>Http call </a:t>
+                      </a:r>
+                    </a:p>
+                    <a:p>
+                      <a:pPr algn="ctr"/>
+                      <a:r>
+                        <a:rPr lang="en-SG" sz="1200" dirty="0">
+                          <a:solidFill>
+                            <a:schemeClr val="tx1"/>
+                          </a:solidFill>
+                        </a:rPr>
+                        <a:t>To</a:t>
+                      </a:r>
+                    </a:p>
+                    <a:p>
+                      <a:pPr algn="ctr"/>
+                      <a:r>
+                        <a:rPr lang="en-SG" sz="1200" dirty="0">
+                          <a:solidFill>
+                            <a:schemeClr val="tx1"/>
+                          </a:solidFill>
+                        </a:rPr>
+                        <a:t>Retrieve </a:t>
+                      </a:r>
+                    </a:p>
+                    <a:p>
+                      <a:pPr algn="ctr"/>
+                      <a:r>
+                        <a:rPr lang="en-SG" sz="1200" dirty="0">
+                          <a:solidFill>
+                            <a:schemeClr val="tx1"/>
+                          </a:solidFill>
+                        </a:rPr>
+                        <a:t>Data </a:t>
+                      </a:r>
+                    </a:p>
+                    <a:p>
+                      <a:pPr algn="ctr"/>
+                      <a:r>
+                        <a:rPr lang="en-SG" sz="1200" dirty="0">
+                          <a:solidFill>
+                            <a:schemeClr val="tx1"/>
+                          </a:solidFill>
+                        </a:rPr>
+                        <a:t>From</a:t>
+                      </a:r>
+                    </a:p>
+                    <a:p>
+                      <a:pPr algn="ctr"/>
+                      <a:r>
+                        <a:rPr lang="en-SG" sz="1200" dirty="0">
+                          <a:solidFill>
+                            <a:schemeClr val="tx1"/>
+                          </a:solidFill>
+                        </a:rPr>
+                        <a:t>Answers.com</a:t>
                       </a:r>
                     </a:p>
                   </p:txBody>
                 </p:sp>
-                <p:pic>
-                  <p:nvPicPr>
-                    <p:cNvPr id="90" name="Picture 89">
-                      <a:extLst>
-                        <a:ext uri="{FF2B5EF4-FFF2-40B4-BE49-F238E27FC236}">
-                          <a16:creationId xmlns:a16="http://schemas.microsoft.com/office/drawing/2014/main" id="{DCA647E5-34CB-4B41-8F58-5EBACCF79B11}"/>
-                        </a:ext>
-                      </a:extLst>
-                    </p:cNvPr>
-                    <p:cNvPicPr>
-                      <a:picLocks noChangeAspect="1"/>
-                    </p:cNvPicPr>
-                    <p:nvPr/>
-                  </p:nvPicPr>
-                  <p:blipFill>
-                    <a:blip r:embed="rId8">
-                      <a:extLst>
-                        <a:ext uri="{28A0092B-C50C-407E-A947-70E740481C1C}">
-                          <a14:useLocalDpi xmlns:a14="http://schemas.microsoft.com/office/drawing/2010/main" val="0"/>
-                        </a:ext>
-                      </a:extLst>
-                    </a:blip>
-                    <a:stretch>
-                      <a:fillRect/>
-                    </a:stretch>
-                  </p:blipFill>
-                  <p:spPr>
-                    <a:xfrm>
-                      <a:off x="3113233" y="5758981"/>
-                      <a:ext cx="360000" cy="360000"/>
-                    </a:xfrm>
-                    <a:prstGeom prst="rect">
-                      <a:avLst/>
-                    </a:prstGeom>
-                  </p:spPr>
-                </p:pic>
               </p:grpSp>
               <p:sp>
                 <p:nvSpPr>
-                  <p:cNvPr id="52" name="Rectangle 51">
+                  <p:cNvPr id="134" name="Arrow: Up-Down 133">
                     <a:extLst>
                       <a:ext uri="{FF2B5EF4-FFF2-40B4-BE49-F238E27FC236}">
-                        <a16:creationId xmlns:a16="http://schemas.microsoft.com/office/drawing/2014/main" id="{C6ACB847-159E-4A52-8383-F63D6504A4FD}"/>
+                        <a16:creationId xmlns:a16="http://schemas.microsoft.com/office/drawing/2014/main" id="{F77223A4-CB4C-468B-B867-86CBEDE3F38F}"/>
                       </a:ext>
                     </a:extLst>
                   </p:cNvPr>
@@ -16420,8 +16089,865 @@
                 </p:nvSpPr>
                 <p:spPr>
                   <a:xfrm>
-                    <a:off x="6310479" y="4265659"/>
-                    <a:ext cx="2034540" cy="388620"/>
+                    <a:off x="2081817" y="2901891"/>
+                    <a:ext cx="528482" cy="804192"/>
+                  </a:xfrm>
+                  <a:prstGeom prst="upDownArrow">
+                    <a:avLst/>
+                  </a:prstGeom>
+                </p:spPr>
+                <p:style>
+                  <a:lnRef idx="2">
+                    <a:schemeClr val="accent1">
+                      <a:shade val="50000"/>
+                    </a:schemeClr>
+                  </a:lnRef>
+                  <a:fillRef idx="1">
+                    <a:schemeClr val="accent1"/>
+                  </a:fillRef>
+                  <a:effectRef idx="0">
+                    <a:schemeClr val="accent1"/>
+                  </a:effectRef>
+                  <a:fontRef idx="minor">
+                    <a:schemeClr val="lt1"/>
+                  </a:fontRef>
+                </p:style>
+                <p:txBody>
+                  <a:bodyPr rtlCol="0" anchor="ctr"/>
+                  <a:lstStyle/>
+                  <a:p>
+                    <a:pPr algn="ctr"/>
+                    <a:endParaRPr lang="en-SG"/>
+                  </a:p>
+                </p:txBody>
+              </p:sp>
+            </p:grpSp>
+            <p:grpSp>
+              <p:nvGrpSpPr>
+                <p:cNvPr id="95" name="Group 94">
+                  <a:extLst>
+                    <a:ext uri="{FF2B5EF4-FFF2-40B4-BE49-F238E27FC236}">
+                      <a16:creationId xmlns:a16="http://schemas.microsoft.com/office/drawing/2014/main" id="{CAAE1420-5631-4F64-9928-57285A10A565}"/>
+                    </a:ext>
+                  </a:extLst>
+                </p:cNvPr>
+                <p:cNvGrpSpPr/>
+                <p:nvPr/>
+              </p:nvGrpSpPr>
+              <p:grpSpPr>
+                <a:xfrm>
+                  <a:off x="8022162" y="99509"/>
+                  <a:ext cx="2859315" cy="6602000"/>
+                  <a:chOff x="8022162" y="99509"/>
+                  <a:chExt cx="2859315" cy="6602000"/>
+                </a:xfrm>
+              </p:grpSpPr>
+              <p:grpSp>
+                <p:nvGrpSpPr>
+                  <p:cNvPr id="81" name="Group 80">
+                    <a:extLst>
+                      <a:ext uri="{FF2B5EF4-FFF2-40B4-BE49-F238E27FC236}">
+                        <a16:creationId xmlns:a16="http://schemas.microsoft.com/office/drawing/2014/main" id="{91905677-F00C-4FBC-81C6-11BCAF3265C4}"/>
+                      </a:ext>
+                    </a:extLst>
+                  </p:cNvPr>
+                  <p:cNvGrpSpPr/>
+                  <p:nvPr/>
+                </p:nvGrpSpPr>
+                <p:grpSpPr>
+                  <a:xfrm>
+                    <a:off x="8022162" y="99509"/>
+                    <a:ext cx="2859315" cy="6602000"/>
+                    <a:chOff x="8897256" y="114680"/>
+                    <a:chExt cx="2859315" cy="6602000"/>
+                  </a:xfrm>
+                </p:grpSpPr>
+                <p:grpSp>
+                  <p:nvGrpSpPr>
+                    <p:cNvPr id="19" name="Group 18">
+                      <a:extLst>
+                        <a:ext uri="{FF2B5EF4-FFF2-40B4-BE49-F238E27FC236}">
+                          <a16:creationId xmlns:a16="http://schemas.microsoft.com/office/drawing/2014/main" id="{E7654B16-0E98-48E4-B4BB-47738AAC27DE}"/>
+                        </a:ext>
+                      </a:extLst>
+                    </p:cNvPr>
+                    <p:cNvGrpSpPr/>
+                    <p:nvPr/>
+                  </p:nvGrpSpPr>
+                  <p:grpSpPr>
+                    <a:xfrm>
+                      <a:off x="8897256" y="114680"/>
+                      <a:ext cx="2859315" cy="6602000"/>
+                      <a:chOff x="8889157" y="1918012"/>
+                      <a:chExt cx="2859315" cy="4917500"/>
+                    </a:xfrm>
+                  </p:grpSpPr>
+                  <p:sp>
+                    <p:nvSpPr>
+                      <p:cNvPr id="64" name="Rectangle 63">
+                        <a:extLst>
+                          <a:ext uri="{FF2B5EF4-FFF2-40B4-BE49-F238E27FC236}">
+                            <a16:creationId xmlns:a16="http://schemas.microsoft.com/office/drawing/2014/main" id="{EDEBF444-D2C0-472F-8684-8B6734F9C090}"/>
+                          </a:ext>
+                        </a:extLst>
+                      </p:cNvPr>
+                      <p:cNvSpPr/>
+                      <p:nvPr/>
+                    </p:nvSpPr>
+                    <p:spPr>
+                      <a:xfrm>
+                        <a:off x="8889157" y="1969820"/>
+                        <a:ext cx="2859315" cy="4865692"/>
+                      </a:xfrm>
+                      <a:prstGeom prst="rect">
+                        <a:avLst/>
+                      </a:prstGeom>
+                      <a:solidFill>
+                        <a:schemeClr val="accent5">
+                          <a:lumMod val="20000"/>
+                          <a:lumOff val="80000"/>
+                        </a:schemeClr>
+                      </a:solidFill>
+                      <a:ln>
+                        <a:solidFill>
+                          <a:schemeClr val="bg1">
+                            <a:lumMod val="95000"/>
+                          </a:schemeClr>
+                        </a:solidFill>
+                      </a:ln>
+                    </p:spPr>
+                    <p:style>
+                      <a:lnRef idx="2">
+                        <a:schemeClr val="accent2">
+                          <a:shade val="50000"/>
+                        </a:schemeClr>
+                      </a:lnRef>
+                      <a:fillRef idx="1">
+                        <a:schemeClr val="accent2"/>
+                      </a:fillRef>
+                      <a:effectRef idx="0">
+                        <a:schemeClr val="accent2"/>
+                      </a:effectRef>
+                      <a:fontRef idx="minor">
+                        <a:schemeClr val="lt1"/>
+                      </a:fontRef>
+                    </p:style>
+                    <p:txBody>
+                      <a:bodyPr rtlCol="0" anchor="t"/>
+                      <a:lstStyle/>
+                      <a:p>
+                        <a:pPr algn="ctr"/>
+                        <a:endParaRPr lang="en-SG" sz="1200" b="1" dirty="0">
+                          <a:solidFill>
+                            <a:schemeClr val="tx1"/>
+                          </a:solidFill>
+                        </a:endParaRPr>
+                      </a:p>
+                    </p:txBody>
+                  </p:sp>
+                  <p:pic>
+                    <p:nvPicPr>
+                      <p:cNvPr id="1032" name="Picture 8" descr="âfirebase pngâçå¾çæç´¢ç»æ">
+                        <a:extLst>
+                          <a:ext uri="{FF2B5EF4-FFF2-40B4-BE49-F238E27FC236}">
+                            <a16:creationId xmlns:a16="http://schemas.microsoft.com/office/drawing/2014/main" id="{B7EF6767-06A0-43A5-8A92-341FCEC6A0F0}"/>
+                          </a:ext>
+                        </a:extLst>
+                      </p:cNvPr>
+                      <p:cNvPicPr>
+                        <a:picLocks noChangeAspect="1" noChangeArrowheads="1"/>
+                      </p:cNvPicPr>
+                      <p:nvPr/>
+                    </p:nvPicPr>
+                    <p:blipFill>
+                      <a:blip r:embed="rId8">
+                        <a:extLst>
+                          <a:ext uri="{28A0092B-C50C-407E-A947-70E740481C1C}">
+                            <a14:useLocalDpi xmlns:a14="http://schemas.microsoft.com/office/drawing/2010/main" val="0"/>
+                          </a:ext>
+                        </a:extLst>
+                      </a:blip>
+                      <a:srcRect/>
+                      <a:stretch>
+                        <a:fillRect/>
+                      </a:stretch>
+                    </p:blipFill>
+                    <p:spPr bwMode="auto">
+                      <a:xfrm>
+                        <a:off x="9490256" y="1918012"/>
+                        <a:ext cx="1657115" cy="346520"/>
+                      </a:xfrm>
+                      <a:prstGeom prst="rect">
+                        <a:avLst/>
+                      </a:prstGeom>
+                      <a:noFill/>
+                      <a:extLst>
+                        <a:ext uri="{909E8E84-426E-40DD-AFC4-6F175D3DCCD1}">
+                          <a14:hiddenFill xmlns:a14="http://schemas.microsoft.com/office/drawing/2010/main">
+                            <a:solidFill>
+                              <a:srgbClr val="FFFFFF"/>
+                            </a:solidFill>
+                          </a14:hiddenFill>
+                        </a:ext>
+                      </a:extLst>
+                    </p:spPr>
+                  </p:pic>
+                </p:grpSp>
+                <p:grpSp>
+                  <p:nvGrpSpPr>
+                    <p:cNvPr id="42" name="Group 41">
+                      <a:extLst>
+                        <a:ext uri="{FF2B5EF4-FFF2-40B4-BE49-F238E27FC236}">
+                          <a16:creationId xmlns:a16="http://schemas.microsoft.com/office/drawing/2014/main" id="{74A76B3E-9973-4318-83D9-67BC5211EDFE}"/>
+                        </a:ext>
+                      </a:extLst>
+                    </p:cNvPr>
+                    <p:cNvGrpSpPr/>
+                    <p:nvPr/>
+                  </p:nvGrpSpPr>
+                  <p:grpSpPr>
+                    <a:xfrm>
+                      <a:off x="9096242" y="641322"/>
+                      <a:ext cx="2455521" cy="1928071"/>
+                      <a:chOff x="3167611" y="4160112"/>
+                      <a:chExt cx="2455521" cy="1928071"/>
+                    </a:xfrm>
+                  </p:grpSpPr>
+                  <p:sp>
+                    <p:nvSpPr>
+                      <p:cNvPr id="34" name="Rectangle 33">
+                        <a:extLst>
+                          <a:ext uri="{FF2B5EF4-FFF2-40B4-BE49-F238E27FC236}">
+                            <a16:creationId xmlns:a16="http://schemas.microsoft.com/office/drawing/2014/main" id="{48600AC4-0E79-42E7-96B4-45A9FA97E23D}"/>
+                          </a:ext>
+                        </a:extLst>
+                      </p:cNvPr>
+                      <p:cNvSpPr/>
+                      <p:nvPr/>
+                    </p:nvSpPr>
+                    <p:spPr>
+                      <a:xfrm>
+                        <a:off x="3238856" y="4160112"/>
+                        <a:ext cx="2384276" cy="1881841"/>
+                      </a:xfrm>
+                      <a:prstGeom prst="rect">
+                        <a:avLst/>
+                      </a:prstGeom>
+                      <a:solidFill>
+                        <a:schemeClr val="accent1">
+                          <a:lumMod val="60000"/>
+                          <a:lumOff val="40000"/>
+                        </a:schemeClr>
+                      </a:solidFill>
+                      <a:ln>
+                        <a:noFill/>
+                      </a:ln>
+                    </p:spPr>
+                    <p:style>
+                      <a:lnRef idx="2">
+                        <a:schemeClr val="accent1">
+                          <a:shade val="50000"/>
+                        </a:schemeClr>
+                      </a:lnRef>
+                      <a:fillRef idx="1">
+                        <a:schemeClr val="accent1"/>
+                      </a:fillRef>
+                      <a:effectRef idx="0">
+                        <a:schemeClr val="accent1"/>
+                      </a:effectRef>
+                      <a:fontRef idx="minor">
+                        <a:schemeClr val="lt1"/>
+                      </a:fontRef>
+                    </p:style>
+                    <p:txBody>
+                      <a:bodyPr rtlCol="0" anchor="b"/>
+                      <a:lstStyle/>
+                      <a:p>
+                        <a:r>
+                          <a:rPr lang="en-US" altLang="zh-CN" dirty="0"/>
+                          <a:t>    Cloud Functions</a:t>
+                        </a:r>
+                        <a:endParaRPr lang="en-SG" dirty="0"/>
+                      </a:p>
+                    </p:txBody>
+                  </p:sp>
+                  <p:pic>
+                    <p:nvPicPr>
+                      <p:cNvPr id="94" name="Picture 93">
+                        <a:extLst>
+                          <a:ext uri="{FF2B5EF4-FFF2-40B4-BE49-F238E27FC236}">
+                            <a16:creationId xmlns:a16="http://schemas.microsoft.com/office/drawing/2014/main" id="{E7C94D25-3C20-4AB1-A6D9-88BF06BB9566}"/>
+                          </a:ext>
+                        </a:extLst>
+                      </p:cNvPr>
+                      <p:cNvPicPr>
+                        <a:picLocks noChangeAspect="1"/>
+                      </p:cNvPicPr>
+                      <p:nvPr/>
+                    </p:nvPicPr>
+                    <p:blipFill>
+                      <a:blip r:embed="rId9">
+                        <a:extLst>
+                          <a:ext uri="{28A0092B-C50C-407E-A947-70E740481C1C}">
+                            <a14:useLocalDpi xmlns:a14="http://schemas.microsoft.com/office/drawing/2010/main" val="0"/>
+                          </a:ext>
+                        </a:extLst>
+                      </a:blip>
+                      <a:stretch>
+                        <a:fillRect/>
+                      </a:stretch>
+                    </p:blipFill>
+                    <p:spPr>
+                      <a:xfrm>
+                        <a:off x="3167611" y="5728183"/>
+                        <a:ext cx="360000" cy="360000"/>
+                      </a:xfrm>
+                      <a:prstGeom prst="rect">
+                        <a:avLst/>
+                      </a:prstGeom>
+                    </p:spPr>
+                  </p:pic>
+                </p:grpSp>
+                <p:grpSp>
+                  <p:nvGrpSpPr>
+                    <p:cNvPr id="55" name="Group 54">
+                      <a:extLst>
+                        <a:ext uri="{FF2B5EF4-FFF2-40B4-BE49-F238E27FC236}">
+                          <a16:creationId xmlns:a16="http://schemas.microsoft.com/office/drawing/2014/main" id="{69C53A82-3627-4A7A-AB7B-931A4E4D9F1C}"/>
+                        </a:ext>
+                      </a:extLst>
+                    </p:cNvPr>
+                    <p:cNvGrpSpPr/>
+                    <p:nvPr/>
+                  </p:nvGrpSpPr>
+                  <p:grpSpPr>
+                    <a:xfrm>
+                      <a:off x="9041864" y="2967529"/>
+                      <a:ext cx="2509899" cy="1958869"/>
+                      <a:chOff x="6009989" y="4155389"/>
+                      <a:chExt cx="2509899" cy="1958869"/>
+                    </a:xfrm>
+                  </p:grpSpPr>
+                  <p:grpSp>
+                    <p:nvGrpSpPr>
+                      <p:cNvPr id="88" name="Group 87">
+                        <a:extLst>
+                          <a:ext uri="{FF2B5EF4-FFF2-40B4-BE49-F238E27FC236}">
+                            <a16:creationId xmlns:a16="http://schemas.microsoft.com/office/drawing/2014/main" id="{48E1D720-6B29-4934-AAAA-26D598EC1244}"/>
+                          </a:ext>
+                        </a:extLst>
+                      </p:cNvPr>
+                      <p:cNvGrpSpPr/>
+                      <p:nvPr/>
+                    </p:nvGrpSpPr>
+                    <p:grpSpPr>
+                      <a:xfrm>
+                        <a:off x="6009989" y="4155389"/>
+                        <a:ext cx="2509899" cy="1958869"/>
+                        <a:chOff x="3113233" y="4160112"/>
+                        <a:chExt cx="2509899" cy="1958869"/>
+                      </a:xfrm>
+                    </p:grpSpPr>
+                    <p:sp>
+                      <p:nvSpPr>
+                        <p:cNvPr id="89" name="Rectangle 88">
+                          <a:extLst>
+                            <a:ext uri="{FF2B5EF4-FFF2-40B4-BE49-F238E27FC236}">
+                              <a16:creationId xmlns:a16="http://schemas.microsoft.com/office/drawing/2014/main" id="{72E96D8C-6A90-4810-9E81-F8D2401EFD60}"/>
+                            </a:ext>
+                          </a:extLst>
+                        </p:cNvPr>
+                        <p:cNvSpPr/>
+                        <p:nvPr/>
+                      </p:nvSpPr>
+                      <p:spPr>
+                        <a:xfrm>
+                          <a:off x="3238856" y="4160112"/>
+                          <a:ext cx="2384276" cy="1881841"/>
+                        </a:xfrm>
+                        <a:prstGeom prst="rect">
+                          <a:avLst/>
+                        </a:prstGeom>
+                        <a:solidFill>
+                          <a:schemeClr val="accent1">
+                            <a:lumMod val="75000"/>
+                          </a:schemeClr>
+                        </a:solidFill>
+                        <a:ln>
+                          <a:noFill/>
+                        </a:ln>
+                      </p:spPr>
+                      <p:style>
+                        <a:lnRef idx="2">
+                          <a:schemeClr val="accent1">
+                            <a:shade val="50000"/>
+                          </a:schemeClr>
+                        </a:lnRef>
+                        <a:fillRef idx="1">
+                          <a:schemeClr val="accent1"/>
+                        </a:fillRef>
+                        <a:effectRef idx="0">
+                          <a:schemeClr val="accent1"/>
+                        </a:effectRef>
+                        <a:fontRef idx="minor">
+                          <a:schemeClr val="lt1"/>
+                        </a:fontRef>
+                      </p:style>
+                      <p:txBody>
+                        <a:bodyPr rtlCol="0" anchor="b"/>
+                        <a:lstStyle/>
+                        <a:p>
+                          <a:r>
+                            <a:rPr lang="en-SG" dirty="0"/>
+                            <a:t>   Real Time BD</a:t>
+                          </a:r>
+                        </a:p>
+                      </p:txBody>
+                    </p:sp>
+                    <p:pic>
+                      <p:nvPicPr>
+                        <p:cNvPr id="90" name="Picture 89">
+                          <a:extLst>
+                            <a:ext uri="{FF2B5EF4-FFF2-40B4-BE49-F238E27FC236}">
+                              <a16:creationId xmlns:a16="http://schemas.microsoft.com/office/drawing/2014/main" id="{DCA647E5-34CB-4B41-8F58-5EBACCF79B11}"/>
+                            </a:ext>
+                          </a:extLst>
+                        </p:cNvPr>
+                        <p:cNvPicPr>
+                          <a:picLocks noChangeAspect="1"/>
+                        </p:cNvPicPr>
+                        <p:nvPr/>
+                      </p:nvPicPr>
+                      <p:blipFill>
+                        <a:blip r:embed="rId10">
+                          <a:extLst>
+                            <a:ext uri="{28A0092B-C50C-407E-A947-70E740481C1C}">
+                              <a14:useLocalDpi xmlns:a14="http://schemas.microsoft.com/office/drawing/2010/main" val="0"/>
+                            </a:ext>
+                          </a:extLst>
+                        </a:blip>
+                        <a:stretch>
+                          <a:fillRect/>
+                        </a:stretch>
+                      </p:blipFill>
+                      <p:spPr>
+                        <a:xfrm>
+                          <a:off x="3113233" y="5758981"/>
+                          <a:ext cx="360000" cy="360000"/>
+                        </a:xfrm>
+                        <a:prstGeom prst="rect">
+                          <a:avLst/>
+                        </a:prstGeom>
+                      </p:spPr>
+                    </p:pic>
+                  </p:grpSp>
+                  <p:sp>
+                    <p:nvSpPr>
+                      <p:cNvPr id="52" name="Rectangle 51">
+                        <a:extLst>
+                          <a:ext uri="{FF2B5EF4-FFF2-40B4-BE49-F238E27FC236}">
+                            <a16:creationId xmlns:a16="http://schemas.microsoft.com/office/drawing/2014/main" id="{C6ACB847-159E-4A52-8383-F63D6504A4FD}"/>
+                          </a:ext>
+                        </a:extLst>
+                      </p:cNvPr>
+                      <p:cNvSpPr/>
+                      <p:nvPr/>
+                    </p:nvSpPr>
+                    <p:spPr>
+                      <a:xfrm>
+                        <a:off x="6310479" y="4265659"/>
+                        <a:ext cx="2034540" cy="388620"/>
+                      </a:xfrm>
+                      <a:prstGeom prst="rect">
+                        <a:avLst/>
+                      </a:prstGeom>
+                      <a:solidFill>
+                        <a:schemeClr val="accent1">
+                          <a:lumMod val="20000"/>
+                          <a:lumOff val="80000"/>
+                        </a:schemeClr>
+                      </a:solidFill>
+                    </p:spPr>
+                    <p:style>
+                      <a:lnRef idx="2">
+                        <a:schemeClr val="accent1">
+                          <a:shade val="50000"/>
+                        </a:schemeClr>
+                      </a:lnRef>
+                      <a:fillRef idx="1">
+                        <a:schemeClr val="accent1"/>
+                      </a:fillRef>
+                      <a:effectRef idx="0">
+                        <a:schemeClr val="accent1"/>
+                      </a:effectRef>
+                      <a:fontRef idx="minor">
+                        <a:schemeClr val="lt1"/>
+                      </a:fontRef>
+                    </p:style>
+                    <p:txBody>
+                      <a:bodyPr rtlCol="0" anchor="ctr"/>
+                      <a:lstStyle/>
+                      <a:p>
+                        <a:pPr algn="ctr"/>
+                        <a:r>
+                          <a:rPr lang="en-US" altLang="zh-CN" dirty="0">
+                            <a:solidFill>
+                              <a:schemeClr val="tx1"/>
+                            </a:solidFill>
+                          </a:rPr>
+                          <a:t>Student Profile</a:t>
+                        </a:r>
+                        <a:endParaRPr lang="en-SG" dirty="0">
+                          <a:solidFill>
+                            <a:schemeClr val="tx1"/>
+                          </a:solidFill>
+                        </a:endParaRPr>
+                      </a:p>
+                    </p:txBody>
+                  </p:sp>
+                  <p:sp>
+                    <p:nvSpPr>
+                      <p:cNvPr id="113" name="Rectangle 112">
+                        <a:extLst>
+                          <a:ext uri="{FF2B5EF4-FFF2-40B4-BE49-F238E27FC236}">
+                            <a16:creationId xmlns:a16="http://schemas.microsoft.com/office/drawing/2014/main" id="{C801FB9F-1FF3-4C41-868A-E4BB91E2B51A}"/>
+                          </a:ext>
+                        </a:extLst>
+                      </p:cNvPr>
+                      <p:cNvSpPr/>
+                      <p:nvPr/>
+                    </p:nvSpPr>
+                    <p:spPr>
+                      <a:xfrm>
+                        <a:off x="6316866" y="4721165"/>
+                        <a:ext cx="2034540" cy="388620"/>
+                      </a:xfrm>
+                      <a:prstGeom prst="rect">
+                        <a:avLst/>
+                      </a:prstGeom>
+                      <a:solidFill>
+                        <a:schemeClr val="accent1">
+                          <a:lumMod val="20000"/>
+                          <a:lumOff val="80000"/>
+                        </a:schemeClr>
+                      </a:solidFill>
+                    </p:spPr>
+                    <p:style>
+                      <a:lnRef idx="2">
+                        <a:schemeClr val="accent1">
+                          <a:shade val="50000"/>
+                        </a:schemeClr>
+                      </a:lnRef>
+                      <a:fillRef idx="1">
+                        <a:schemeClr val="accent1"/>
+                      </a:fillRef>
+                      <a:effectRef idx="0">
+                        <a:schemeClr val="accent1"/>
+                      </a:effectRef>
+                      <a:fontRef idx="minor">
+                        <a:schemeClr val="lt1"/>
+                      </a:fontRef>
+                    </p:style>
+                    <p:txBody>
+                      <a:bodyPr rtlCol="0" anchor="ctr"/>
+                      <a:lstStyle/>
+                      <a:p>
+                        <a:pPr algn="ctr"/>
+                        <a:r>
+                          <a:rPr lang="en-US" altLang="zh-CN" dirty="0">
+                            <a:solidFill>
+                              <a:schemeClr val="tx1"/>
+                            </a:solidFill>
+                          </a:rPr>
+                          <a:t>Questions</a:t>
+                        </a:r>
+                        <a:endParaRPr lang="en-SG" dirty="0">
+                          <a:solidFill>
+                            <a:schemeClr val="tx1"/>
+                          </a:solidFill>
+                        </a:endParaRPr>
+                      </a:p>
+                    </p:txBody>
+                  </p:sp>
+                  <p:sp>
+                    <p:nvSpPr>
+                      <p:cNvPr id="114" name="Rectangle 113">
+                        <a:extLst>
+                          <a:ext uri="{FF2B5EF4-FFF2-40B4-BE49-F238E27FC236}">
+                            <a16:creationId xmlns:a16="http://schemas.microsoft.com/office/drawing/2014/main" id="{A47C035C-1446-40F5-ADA7-BAD3C9A2BE61}"/>
+                          </a:ext>
+                        </a:extLst>
+                      </p:cNvPr>
+                      <p:cNvSpPr/>
+                      <p:nvPr/>
+                    </p:nvSpPr>
+                    <p:spPr>
+                      <a:xfrm>
+                        <a:off x="6316866" y="5199344"/>
+                        <a:ext cx="2034540" cy="388620"/>
+                      </a:xfrm>
+                      <a:prstGeom prst="rect">
+                        <a:avLst/>
+                      </a:prstGeom>
+                      <a:solidFill>
+                        <a:schemeClr val="accent1">
+                          <a:lumMod val="20000"/>
+                          <a:lumOff val="80000"/>
+                        </a:schemeClr>
+                      </a:solidFill>
+                    </p:spPr>
+                    <p:style>
+                      <a:lnRef idx="2">
+                        <a:schemeClr val="accent1">
+                          <a:shade val="50000"/>
+                        </a:schemeClr>
+                      </a:lnRef>
+                      <a:fillRef idx="1">
+                        <a:schemeClr val="accent1"/>
+                      </a:fillRef>
+                      <a:effectRef idx="0">
+                        <a:schemeClr val="accent1"/>
+                      </a:effectRef>
+                      <a:fontRef idx="minor">
+                        <a:schemeClr val="lt1"/>
+                      </a:fontRef>
+                    </p:style>
+                    <p:txBody>
+                      <a:bodyPr rtlCol="0" anchor="ctr"/>
+                      <a:lstStyle/>
+                      <a:p>
+                        <a:pPr algn="ctr"/>
+                        <a:r>
+                          <a:rPr lang="en-US" altLang="zh-CN" dirty="0">
+                            <a:solidFill>
+                              <a:schemeClr val="tx1"/>
+                            </a:solidFill>
+                          </a:rPr>
+                          <a:t>Messages</a:t>
+                        </a:r>
+                        <a:endParaRPr lang="en-SG" dirty="0">
+                          <a:solidFill>
+                            <a:schemeClr val="tx1"/>
+                          </a:solidFill>
+                        </a:endParaRPr>
+                      </a:p>
+                    </p:txBody>
+                  </p:sp>
+                </p:grpSp>
+                <p:grpSp>
+                  <p:nvGrpSpPr>
+                    <p:cNvPr id="78" name="Group 77">
+                      <a:extLst>
+                        <a:ext uri="{FF2B5EF4-FFF2-40B4-BE49-F238E27FC236}">
+                          <a16:creationId xmlns:a16="http://schemas.microsoft.com/office/drawing/2014/main" id="{5F0ACDF9-32FE-4A9F-9F9C-89AA89CCDC31}"/>
+                        </a:ext>
+                      </a:extLst>
+                    </p:cNvPr>
+                    <p:cNvGrpSpPr/>
+                    <p:nvPr/>
+                  </p:nvGrpSpPr>
+                  <p:grpSpPr>
+                    <a:xfrm>
+                      <a:off x="9051362" y="5346593"/>
+                      <a:ext cx="2500401" cy="1144708"/>
+                      <a:chOff x="8916242" y="4943475"/>
+                      <a:chExt cx="2500401" cy="1144708"/>
+                    </a:xfrm>
+                  </p:grpSpPr>
+                  <p:grpSp>
+                    <p:nvGrpSpPr>
+                      <p:cNvPr id="59" name="Group 58">
+                        <a:extLst>
+                          <a:ext uri="{FF2B5EF4-FFF2-40B4-BE49-F238E27FC236}">
+                            <a16:creationId xmlns:a16="http://schemas.microsoft.com/office/drawing/2014/main" id="{52E6A825-1093-431F-B6D7-F3B525E9F5DB}"/>
+                          </a:ext>
+                        </a:extLst>
+                      </p:cNvPr>
+                      <p:cNvGrpSpPr/>
+                      <p:nvPr/>
+                    </p:nvGrpSpPr>
+                    <p:grpSpPr>
+                      <a:xfrm>
+                        <a:off x="8916242" y="4943475"/>
+                        <a:ext cx="2500401" cy="1144708"/>
+                        <a:chOff x="8916243" y="4943475"/>
+                        <a:chExt cx="2500401" cy="1144708"/>
+                      </a:xfrm>
+                    </p:grpSpPr>
+                    <p:sp>
+                      <p:nvSpPr>
+                        <p:cNvPr id="92" name="Rectangle 91">
+                          <a:hlinkClick r:id="rId11"/>
+                          <a:extLst>
+                            <a:ext uri="{FF2B5EF4-FFF2-40B4-BE49-F238E27FC236}">
+                              <a16:creationId xmlns:a16="http://schemas.microsoft.com/office/drawing/2014/main" id="{75B78D9C-9DF0-4428-AF7E-CCFC88D47636}"/>
+                            </a:ext>
+                          </a:extLst>
+                        </p:cNvPr>
+                        <p:cNvSpPr/>
+                        <p:nvPr/>
+                      </p:nvSpPr>
+                      <p:spPr>
+                        <a:xfrm>
+                          <a:off x="9032368" y="4943475"/>
+                          <a:ext cx="2384276" cy="1098478"/>
+                        </a:xfrm>
+                        <a:prstGeom prst="rect">
+                          <a:avLst/>
+                        </a:prstGeom>
+                        <a:solidFill>
+                          <a:schemeClr val="accent1">
+                            <a:lumMod val="50000"/>
+                          </a:schemeClr>
+                        </a:solidFill>
+                      </p:spPr>
+                      <p:style>
+                        <a:lnRef idx="2">
+                          <a:schemeClr val="accent1">
+                            <a:shade val="50000"/>
+                          </a:schemeClr>
+                        </a:lnRef>
+                        <a:fillRef idx="1">
+                          <a:schemeClr val="accent1"/>
+                        </a:fillRef>
+                        <a:effectRef idx="0">
+                          <a:schemeClr val="accent1"/>
+                        </a:effectRef>
+                        <a:fontRef idx="minor">
+                          <a:schemeClr val="lt1"/>
+                        </a:fontRef>
+                      </p:style>
+                      <p:txBody>
+                        <a:bodyPr rtlCol="0" anchor="b"/>
+                        <a:lstStyle/>
+                        <a:p>
+                          <a:r>
+                            <a:rPr lang="en-SG" dirty="0"/>
+                            <a:t>    Hosting</a:t>
+                          </a:r>
+                        </a:p>
+                      </p:txBody>
+                    </p:sp>
+                    <p:pic>
+                      <p:nvPicPr>
+                        <p:cNvPr id="36" name="Picture 35">
+                          <a:extLst>
+                            <a:ext uri="{FF2B5EF4-FFF2-40B4-BE49-F238E27FC236}">
+                              <a16:creationId xmlns:a16="http://schemas.microsoft.com/office/drawing/2014/main" id="{08A40782-CA25-4BFB-8ED5-03B50DA544F1}"/>
+                            </a:ext>
+                          </a:extLst>
+                        </p:cNvPr>
+                        <p:cNvPicPr>
+                          <a:picLocks noChangeAspect="1"/>
+                        </p:cNvPicPr>
+                        <p:nvPr/>
+                      </p:nvPicPr>
+                      <p:blipFill>
+                        <a:blip r:embed="rId12">
+                          <a:extLst>
+                            <a:ext uri="{28A0092B-C50C-407E-A947-70E740481C1C}">
+                              <a14:useLocalDpi xmlns:a14="http://schemas.microsoft.com/office/drawing/2010/main" val="0"/>
+                            </a:ext>
+                          </a:extLst>
+                        </a:blip>
+                        <a:stretch>
+                          <a:fillRect/>
+                        </a:stretch>
+                      </p:blipFill>
+                      <p:spPr>
+                        <a:xfrm>
+                          <a:off x="8916243" y="5728183"/>
+                          <a:ext cx="360000" cy="360000"/>
+                        </a:xfrm>
+                        <a:prstGeom prst="rect">
+                          <a:avLst/>
+                        </a:prstGeom>
+                      </p:spPr>
+                    </p:pic>
+                  </p:grpSp>
+                  <p:sp>
+                    <p:nvSpPr>
+                      <p:cNvPr id="115" name="Rectangle 114">
+                        <a:extLst>
+                          <a:ext uri="{FF2B5EF4-FFF2-40B4-BE49-F238E27FC236}">
+                            <a16:creationId xmlns:a16="http://schemas.microsoft.com/office/drawing/2014/main" id="{E1F959A9-93F8-4B13-97D7-FA3987871CB1}"/>
+                          </a:ext>
+                        </a:extLst>
+                      </p:cNvPr>
+                      <p:cNvSpPr/>
+                      <p:nvPr/>
+                    </p:nvSpPr>
+                    <p:spPr>
+                      <a:xfrm>
+                        <a:off x="9223120" y="5108076"/>
+                        <a:ext cx="2034540" cy="455506"/>
+                      </a:xfrm>
+                      <a:prstGeom prst="rect">
+                        <a:avLst/>
+                      </a:prstGeom>
+                      <a:solidFill>
+                        <a:schemeClr val="accent1">
+                          <a:lumMod val="20000"/>
+                          <a:lumOff val="80000"/>
+                        </a:schemeClr>
+                      </a:solidFill>
+                    </p:spPr>
+                    <p:style>
+                      <a:lnRef idx="2">
+                        <a:schemeClr val="accent1">
+                          <a:shade val="50000"/>
+                        </a:schemeClr>
+                      </a:lnRef>
+                      <a:fillRef idx="1">
+                        <a:schemeClr val="accent1"/>
+                      </a:fillRef>
+                      <a:effectRef idx="0">
+                        <a:schemeClr val="accent1"/>
+                      </a:effectRef>
+                      <a:fontRef idx="minor">
+                        <a:schemeClr val="lt1"/>
+                      </a:fontRef>
+                    </p:style>
+                    <p:txBody>
+                      <a:bodyPr rtlCol="0" anchor="ctr"/>
+                      <a:lstStyle/>
+                      <a:p>
+                        <a:pPr algn="ctr"/>
+                        <a:r>
+                          <a:rPr lang="en-US" altLang="zh-CN" dirty="0">
+                            <a:solidFill>
+                              <a:schemeClr val="tx1"/>
+                            </a:solidFill>
+                            <a:hlinkClick r:id="rId11"/>
+                          </a:rPr>
+                          <a:t>Teachers Portal</a:t>
+                        </a:r>
+                        <a:endParaRPr lang="en-SG" dirty="0">
+                          <a:solidFill>
+                            <a:schemeClr val="tx1"/>
+                          </a:solidFill>
+                        </a:endParaRPr>
+                      </a:p>
+                    </p:txBody>
+                  </p:sp>
+                </p:grpSp>
+              </p:grpSp>
+              <p:sp>
+                <p:nvSpPr>
+                  <p:cNvPr id="141" name="Rectangle 140">
+                    <a:extLst>
+                      <a:ext uri="{FF2B5EF4-FFF2-40B4-BE49-F238E27FC236}">
+                        <a16:creationId xmlns:a16="http://schemas.microsoft.com/office/drawing/2014/main" id="{D31660D2-BDCF-4E49-8508-FD61C60A808B}"/>
+                      </a:ext>
+                    </a:extLst>
+                  </p:cNvPr>
+                  <p:cNvSpPr/>
+                  <p:nvPr/>
+                </p:nvSpPr>
+                <p:spPr>
+                  <a:xfrm>
+                    <a:off x="8467260" y="740103"/>
+                    <a:ext cx="2034540" cy="1155408"/>
                   </a:xfrm>
                   <a:prstGeom prst="rect">
                     <a:avLst/>
@@ -16455,337 +16981,12 @@
                   <a:p>
                     <a:pPr algn="ctr"/>
                     <a:r>
-                      <a:rPr lang="en-US" altLang="zh-CN" dirty="0">
+                      <a:rPr lang="en-US" dirty="0">
                         <a:solidFill>
                           <a:schemeClr val="tx1"/>
                         </a:solidFill>
                       </a:rPr>
-                      <a:t>Student Profile</a:t>
-                    </a:r>
-                    <a:endParaRPr lang="en-SG" dirty="0">
-                      <a:solidFill>
-                        <a:schemeClr val="tx1"/>
-                      </a:solidFill>
-                    </a:endParaRPr>
-                  </a:p>
-                </p:txBody>
-              </p:sp>
-              <p:sp>
-                <p:nvSpPr>
-                  <p:cNvPr id="113" name="Rectangle 112">
-                    <a:extLst>
-                      <a:ext uri="{FF2B5EF4-FFF2-40B4-BE49-F238E27FC236}">
-                        <a16:creationId xmlns:a16="http://schemas.microsoft.com/office/drawing/2014/main" id="{C801FB9F-1FF3-4C41-868A-E4BB91E2B51A}"/>
-                      </a:ext>
-                    </a:extLst>
-                  </p:cNvPr>
-                  <p:cNvSpPr/>
-                  <p:nvPr/>
-                </p:nvSpPr>
-                <p:spPr>
-                  <a:xfrm>
-                    <a:off x="6316866" y="4721165"/>
-                    <a:ext cx="2034540" cy="388620"/>
-                  </a:xfrm>
-                  <a:prstGeom prst="rect">
-                    <a:avLst/>
-                  </a:prstGeom>
-                  <a:solidFill>
-                    <a:schemeClr val="accent1">
-                      <a:lumMod val="20000"/>
-                      <a:lumOff val="80000"/>
-                    </a:schemeClr>
-                  </a:solidFill>
-                </p:spPr>
-                <p:style>
-                  <a:lnRef idx="2">
-                    <a:schemeClr val="accent1">
-                      <a:shade val="50000"/>
-                    </a:schemeClr>
-                  </a:lnRef>
-                  <a:fillRef idx="1">
-                    <a:schemeClr val="accent1"/>
-                  </a:fillRef>
-                  <a:effectRef idx="0">
-                    <a:schemeClr val="accent1"/>
-                  </a:effectRef>
-                  <a:fontRef idx="minor">
-                    <a:schemeClr val="lt1"/>
-                  </a:fontRef>
-                </p:style>
-                <p:txBody>
-                  <a:bodyPr rtlCol="0" anchor="ctr"/>
-                  <a:lstStyle/>
-                  <a:p>
-                    <a:pPr algn="ctr"/>
-                    <a:r>
-                      <a:rPr lang="en-US" altLang="zh-CN" dirty="0">
-                        <a:solidFill>
-                          <a:schemeClr val="tx1"/>
-                        </a:solidFill>
-                      </a:rPr>
-                      <a:t>Questions</a:t>
-                    </a:r>
-                    <a:endParaRPr lang="en-SG" dirty="0">
-                      <a:solidFill>
-                        <a:schemeClr val="tx1"/>
-                      </a:solidFill>
-                    </a:endParaRPr>
-                  </a:p>
-                </p:txBody>
-              </p:sp>
-              <p:sp>
-                <p:nvSpPr>
-                  <p:cNvPr id="114" name="Rectangle 113">
-                    <a:extLst>
-                      <a:ext uri="{FF2B5EF4-FFF2-40B4-BE49-F238E27FC236}">
-                        <a16:creationId xmlns:a16="http://schemas.microsoft.com/office/drawing/2014/main" id="{A47C035C-1446-40F5-ADA7-BAD3C9A2BE61}"/>
-                      </a:ext>
-                    </a:extLst>
-                  </p:cNvPr>
-                  <p:cNvSpPr/>
-                  <p:nvPr/>
-                </p:nvSpPr>
-                <p:spPr>
-                  <a:xfrm>
-                    <a:off x="6316866" y="5199344"/>
-                    <a:ext cx="2034540" cy="388620"/>
-                  </a:xfrm>
-                  <a:prstGeom prst="rect">
-                    <a:avLst/>
-                  </a:prstGeom>
-                  <a:solidFill>
-                    <a:schemeClr val="accent1">
-                      <a:lumMod val="20000"/>
-                      <a:lumOff val="80000"/>
-                    </a:schemeClr>
-                  </a:solidFill>
-                </p:spPr>
-                <p:style>
-                  <a:lnRef idx="2">
-                    <a:schemeClr val="accent1">
-                      <a:shade val="50000"/>
-                    </a:schemeClr>
-                  </a:lnRef>
-                  <a:fillRef idx="1">
-                    <a:schemeClr val="accent1"/>
-                  </a:fillRef>
-                  <a:effectRef idx="0">
-                    <a:schemeClr val="accent1"/>
-                  </a:effectRef>
-                  <a:fontRef idx="minor">
-                    <a:schemeClr val="lt1"/>
-                  </a:fontRef>
-                </p:style>
-                <p:txBody>
-                  <a:bodyPr rtlCol="0" anchor="ctr"/>
-                  <a:lstStyle/>
-                  <a:p>
-                    <a:pPr algn="ctr"/>
-                    <a:r>
-                      <a:rPr lang="en-US" altLang="zh-CN" dirty="0">
-                        <a:solidFill>
-                          <a:schemeClr val="tx1"/>
-                        </a:solidFill>
-                      </a:rPr>
-                      <a:t>Messages</a:t>
-                    </a:r>
-                    <a:endParaRPr lang="en-SG" dirty="0">
-                      <a:solidFill>
-                        <a:schemeClr val="tx1"/>
-                      </a:solidFill>
-                    </a:endParaRPr>
-                  </a:p>
-                </p:txBody>
-              </p:sp>
-            </p:grpSp>
-            <p:grpSp>
-              <p:nvGrpSpPr>
-                <p:cNvPr id="78" name="Group 77">
-                  <a:extLst>
-                    <a:ext uri="{FF2B5EF4-FFF2-40B4-BE49-F238E27FC236}">
-                      <a16:creationId xmlns:a16="http://schemas.microsoft.com/office/drawing/2014/main" id="{5F0ACDF9-32FE-4A9F-9F9C-89AA89CCDC31}"/>
-                    </a:ext>
-                  </a:extLst>
-                </p:cNvPr>
-                <p:cNvGrpSpPr/>
-                <p:nvPr/>
-              </p:nvGrpSpPr>
-              <p:grpSpPr>
-                <a:xfrm>
-                  <a:off x="9051362" y="5346593"/>
-                  <a:ext cx="2500401" cy="1144708"/>
-                  <a:chOff x="8916242" y="4943475"/>
-                  <a:chExt cx="2500401" cy="1144708"/>
-                </a:xfrm>
-              </p:grpSpPr>
-              <p:grpSp>
-                <p:nvGrpSpPr>
-                  <p:cNvPr id="59" name="Group 58">
-                    <a:extLst>
-                      <a:ext uri="{FF2B5EF4-FFF2-40B4-BE49-F238E27FC236}">
-                        <a16:creationId xmlns:a16="http://schemas.microsoft.com/office/drawing/2014/main" id="{52E6A825-1093-431F-B6D7-F3B525E9F5DB}"/>
-                      </a:ext>
-                    </a:extLst>
-                  </p:cNvPr>
-                  <p:cNvGrpSpPr/>
-                  <p:nvPr/>
-                </p:nvGrpSpPr>
-                <p:grpSpPr>
-                  <a:xfrm>
-                    <a:off x="8916242" y="4943475"/>
-                    <a:ext cx="2500401" cy="1144708"/>
-                    <a:chOff x="8916243" y="4943475"/>
-                    <a:chExt cx="2500401" cy="1144708"/>
-                  </a:xfrm>
-                </p:grpSpPr>
-                <p:sp>
-                  <p:nvSpPr>
-                    <p:cNvPr id="92" name="Rectangle 91">
-                      <a:hlinkClick r:id="rId9"/>
-                      <a:extLst>
-                        <a:ext uri="{FF2B5EF4-FFF2-40B4-BE49-F238E27FC236}">
-                          <a16:creationId xmlns:a16="http://schemas.microsoft.com/office/drawing/2014/main" id="{75B78D9C-9DF0-4428-AF7E-CCFC88D47636}"/>
-                        </a:ext>
-                      </a:extLst>
-                    </p:cNvPr>
-                    <p:cNvSpPr/>
-                    <p:nvPr/>
-                  </p:nvSpPr>
-                  <p:spPr>
-                    <a:xfrm>
-                      <a:off x="9032368" y="4943475"/>
-                      <a:ext cx="2384276" cy="1098478"/>
-                    </a:xfrm>
-                    <a:prstGeom prst="rect">
-                      <a:avLst/>
-                    </a:prstGeom>
-                    <a:solidFill>
-                      <a:schemeClr val="accent1">
-                        <a:lumMod val="50000"/>
-                      </a:schemeClr>
-                    </a:solidFill>
-                  </p:spPr>
-                  <p:style>
-                    <a:lnRef idx="2">
-                      <a:schemeClr val="accent1">
-                        <a:shade val="50000"/>
-                      </a:schemeClr>
-                    </a:lnRef>
-                    <a:fillRef idx="1">
-                      <a:schemeClr val="accent1"/>
-                    </a:fillRef>
-                    <a:effectRef idx="0">
-                      <a:schemeClr val="accent1"/>
-                    </a:effectRef>
-                    <a:fontRef idx="minor">
-                      <a:schemeClr val="lt1"/>
-                    </a:fontRef>
-                  </p:style>
-                  <p:txBody>
-                    <a:bodyPr rtlCol="0" anchor="b"/>
-                    <a:lstStyle/>
-                    <a:p>
-                      <a:r>
-                        <a:rPr lang="en-SG" dirty="0"/>
-                        <a:t>    Hosting</a:t>
-                      </a:r>
-                    </a:p>
-                  </p:txBody>
-                </p:sp>
-                <p:pic>
-                  <p:nvPicPr>
-                    <p:cNvPr id="36" name="Picture 35">
-                      <a:extLst>
-                        <a:ext uri="{FF2B5EF4-FFF2-40B4-BE49-F238E27FC236}">
-                          <a16:creationId xmlns:a16="http://schemas.microsoft.com/office/drawing/2014/main" id="{08A40782-CA25-4BFB-8ED5-03B50DA544F1}"/>
-                        </a:ext>
-                      </a:extLst>
-                    </p:cNvPr>
-                    <p:cNvPicPr>
-                      <a:picLocks noChangeAspect="1"/>
-                    </p:cNvPicPr>
-                    <p:nvPr/>
-                  </p:nvPicPr>
-                  <p:blipFill>
-                    <a:blip r:embed="rId10">
-                      <a:extLst>
-                        <a:ext uri="{28A0092B-C50C-407E-A947-70E740481C1C}">
-                          <a14:useLocalDpi xmlns:a14="http://schemas.microsoft.com/office/drawing/2010/main" val="0"/>
-                        </a:ext>
-                      </a:extLst>
-                    </a:blip>
-                    <a:stretch>
-                      <a:fillRect/>
-                    </a:stretch>
-                  </p:blipFill>
-                  <p:spPr>
-                    <a:xfrm>
-                      <a:off x="8916243" y="5728183"/>
-                      <a:ext cx="360000" cy="360000"/>
-                    </a:xfrm>
-                    <a:prstGeom prst="rect">
-                      <a:avLst/>
-                    </a:prstGeom>
-                  </p:spPr>
-                </p:pic>
-              </p:grpSp>
-              <p:sp>
-                <p:nvSpPr>
-                  <p:cNvPr id="115" name="Rectangle 114">
-                    <a:extLst>
-                      <a:ext uri="{FF2B5EF4-FFF2-40B4-BE49-F238E27FC236}">
-                        <a16:creationId xmlns:a16="http://schemas.microsoft.com/office/drawing/2014/main" id="{E1F959A9-93F8-4B13-97D7-FA3987871CB1}"/>
-                      </a:ext>
-                    </a:extLst>
-                  </p:cNvPr>
-                  <p:cNvSpPr/>
-                  <p:nvPr/>
-                </p:nvSpPr>
-                <p:spPr>
-                  <a:xfrm>
-                    <a:off x="9223120" y="5108076"/>
-                    <a:ext cx="2034540" cy="455506"/>
-                  </a:xfrm>
-                  <a:prstGeom prst="rect">
-                    <a:avLst/>
-                  </a:prstGeom>
-                  <a:solidFill>
-                    <a:schemeClr val="accent1">
-                      <a:lumMod val="20000"/>
-                      <a:lumOff val="80000"/>
-                    </a:schemeClr>
-                  </a:solidFill>
-                </p:spPr>
-                <p:style>
-                  <a:lnRef idx="2">
-                    <a:schemeClr val="accent1">
-                      <a:shade val="50000"/>
-                    </a:schemeClr>
-                  </a:lnRef>
-                  <a:fillRef idx="1">
-                    <a:schemeClr val="accent1"/>
-                  </a:fillRef>
-                  <a:effectRef idx="0">
-                    <a:schemeClr val="accent1"/>
-                  </a:effectRef>
-                  <a:fontRef idx="minor">
-                    <a:schemeClr val="lt1"/>
-                  </a:fontRef>
-                </p:style>
-                <p:txBody>
-                  <a:bodyPr rtlCol="0" anchor="ctr"/>
-                  <a:lstStyle/>
-                  <a:p>
-                    <a:pPr algn="ctr"/>
-                    <a:r>
-                      <a:rPr lang="en-US" altLang="zh-CN" dirty="0">
-                        <a:solidFill>
-                          <a:schemeClr val="tx1"/>
-                        </a:solidFill>
-                        <a:hlinkClick r:id="rId9"/>
-                      </a:rPr>
-                      <a:t>Teachers Portal</a:t>
+                      <a:t>Fulfillment Functions</a:t>
                     </a:r>
                     <a:endParaRPr lang="en-SG" dirty="0">
                       <a:solidFill>
@@ -16797,275 +16998,116 @@
               </p:sp>
             </p:grpSp>
           </p:grpSp>
-          <p:sp>
-            <p:nvSpPr>
-              <p:cNvPr id="141" name="Rectangle 140">
+          <p:pic>
+            <p:nvPicPr>
+              <p:cNvPr id="3" name="Picture 2">
                 <a:extLst>
                   <a:ext uri="{FF2B5EF4-FFF2-40B4-BE49-F238E27FC236}">
-                    <a16:creationId xmlns:a16="http://schemas.microsoft.com/office/drawing/2014/main" id="{D31660D2-BDCF-4E49-8508-FD61C60A808B}"/>
+                    <a16:creationId xmlns:a16="http://schemas.microsoft.com/office/drawing/2014/main" id="{B50DB7D9-FDB9-478B-8308-83BAFB53DDFF}"/>
                   </a:ext>
                 </a:extLst>
               </p:cNvPr>
-              <p:cNvSpPr/>
+              <p:cNvPicPr>
+                <a:picLocks noChangeAspect="1"/>
+              </p:cNvPicPr>
               <p:nvPr/>
-            </p:nvSpPr>
+            </p:nvPicPr>
+            <p:blipFill>
+              <a:blip r:embed="rId13">
+                <a:extLst>
+                  <a:ext uri="{28A0092B-C50C-407E-A947-70E740481C1C}">
+                    <a14:useLocalDpi xmlns:a14="http://schemas.microsoft.com/office/drawing/2010/main" val="0"/>
+                  </a:ext>
+                </a:extLst>
+              </a:blip>
+              <a:stretch>
+                <a:fillRect/>
+              </a:stretch>
+            </p:blipFill>
             <p:spPr>
               <a:xfrm>
-                <a:off x="8467260" y="740103"/>
-                <a:ext cx="2034540" cy="1155408"/>
+                <a:off x="1508995" y="5045435"/>
+                <a:ext cx="1480662" cy="1480662"/>
               </a:xfrm>
               <a:prstGeom prst="rect">
                 <a:avLst/>
               </a:prstGeom>
-              <a:solidFill>
-                <a:schemeClr val="accent1">
-                  <a:lumMod val="20000"/>
-                  <a:lumOff val="80000"/>
-                </a:schemeClr>
-              </a:solidFill>
             </p:spPr>
-            <p:style>
-              <a:lnRef idx="2">
-                <a:schemeClr val="accent1">
-                  <a:shade val="50000"/>
-                </a:schemeClr>
-              </a:lnRef>
-              <a:fillRef idx="1">
-                <a:schemeClr val="accent1"/>
-              </a:fillRef>
-              <a:effectRef idx="0">
-                <a:schemeClr val="accent1"/>
-              </a:effectRef>
-              <a:fontRef idx="minor">
-                <a:schemeClr val="lt1"/>
-              </a:fontRef>
-            </p:style>
-            <p:txBody>
-              <a:bodyPr rtlCol="0" anchor="ctr"/>
-              <a:lstStyle/>
-              <a:p>
-                <a:pPr algn="ctr"/>
-                <a:r>
-                  <a:rPr lang="en-US" dirty="0">
-                    <a:solidFill>
-                      <a:schemeClr val="tx1"/>
-                    </a:solidFill>
-                  </a:rPr>
-                  <a:t>Fulfillment Functions</a:t>
-                </a:r>
-                <a:endParaRPr lang="en-SG" dirty="0">
-                  <a:solidFill>
-                    <a:schemeClr val="tx1"/>
-                  </a:solidFill>
-                </a:endParaRPr>
-              </a:p>
-            </p:txBody>
-          </p:sp>
+          </p:pic>
         </p:grpSp>
+        <p:sp>
+          <p:nvSpPr>
+            <p:cNvPr id="4" name="TextBox 3">
+              <a:extLst>
+                <a:ext uri="{FF2B5EF4-FFF2-40B4-BE49-F238E27FC236}">
+                  <a16:creationId xmlns:a16="http://schemas.microsoft.com/office/drawing/2014/main" id="{F968F43C-1335-47A3-B8DA-24E7EFE57E0F}"/>
+                </a:ext>
+              </a:extLst>
+            </p:cNvPr>
+            <p:cNvSpPr txBox="1"/>
+            <p:nvPr/>
+          </p:nvSpPr>
+          <p:spPr>
+            <a:xfrm>
+              <a:off x="276460" y="2087156"/>
+              <a:ext cx="994014" cy="369332"/>
+            </a:xfrm>
+            <a:prstGeom prst="rect">
+              <a:avLst/>
+            </a:prstGeom>
+            <a:noFill/>
+          </p:spPr>
+          <p:txBody>
+            <a:bodyPr wrap="square" rtlCol="0">
+              <a:spAutoFit/>
+            </a:bodyPr>
+            <a:lstStyle/>
+            <a:p>
+              <a:r>
+                <a:rPr lang="en-SG" altLang="zh-CN" dirty="0"/>
+                <a:t>Student</a:t>
+              </a:r>
+              <a:endParaRPr lang="zh-CN" altLang="en-US" dirty="0"/>
+            </a:p>
+          </p:txBody>
+        </p:sp>
+        <p:sp>
+          <p:nvSpPr>
+            <p:cNvPr id="62" name="TextBox 61">
+              <a:extLst>
+                <a:ext uri="{FF2B5EF4-FFF2-40B4-BE49-F238E27FC236}">
+                  <a16:creationId xmlns:a16="http://schemas.microsoft.com/office/drawing/2014/main" id="{A46CE0F4-36D0-48B7-92F4-DBAA38F86464}"/>
+                </a:ext>
+              </a:extLst>
+            </p:cNvPr>
+            <p:cNvSpPr txBox="1"/>
+            <p:nvPr/>
+          </p:nvSpPr>
+          <p:spPr>
+            <a:xfrm rot="5400000">
+              <a:off x="11408520" y="6003438"/>
+              <a:ext cx="1026811" cy="369332"/>
+            </a:xfrm>
+            <a:prstGeom prst="rect">
+              <a:avLst/>
+            </a:prstGeom>
+            <a:noFill/>
+          </p:spPr>
+          <p:txBody>
+            <a:bodyPr wrap="square" rtlCol="0">
+              <a:spAutoFit/>
+            </a:bodyPr>
+            <a:lstStyle/>
+            <a:p>
+              <a:r>
+                <a:rPr lang="en-SG" altLang="zh-CN" dirty="0"/>
+                <a:t>Teacher</a:t>
+              </a:r>
+              <a:endParaRPr lang="zh-CN" altLang="en-US" dirty="0"/>
+            </a:p>
+          </p:txBody>
+        </p:sp>
       </p:grpSp>
-      <p:pic>
-        <p:nvPicPr>
-          <p:cNvPr id="1036" name="Picture 12" descr="âstudent pngâçå¾çæç´¢ç»æ">
-            <a:extLst>
-              <a:ext uri="{FF2B5EF4-FFF2-40B4-BE49-F238E27FC236}">
-                <a16:creationId xmlns:a16="http://schemas.microsoft.com/office/drawing/2014/main" id="{22CB1FAC-FCD9-486C-B04A-290475ED0C0F}"/>
-              </a:ext>
-            </a:extLst>
-          </p:cNvPr>
-          <p:cNvPicPr>
-            <a:picLocks noChangeAspect="1" noChangeArrowheads="1"/>
-          </p:cNvPicPr>
-          <p:nvPr/>
-        </p:nvPicPr>
-        <p:blipFill>
-          <a:blip r:embed="rId11">
-            <a:extLst>
-              <a:ext uri="{28A0092B-C50C-407E-A947-70E740481C1C}">
-                <a14:useLocalDpi xmlns:a14="http://schemas.microsoft.com/office/drawing/2010/main" val="0"/>
-              </a:ext>
-            </a:extLst>
-          </a:blip>
-          <a:srcRect/>
-          <a:stretch>
-            <a:fillRect/>
-          </a:stretch>
-        </p:blipFill>
-        <p:spPr bwMode="auto">
-          <a:xfrm>
-            <a:off x="10059426" y="4837974"/>
-            <a:ext cx="2136067" cy="2136067"/>
-          </a:xfrm>
-          <a:prstGeom prst="rect">
-            <a:avLst/>
-          </a:prstGeom>
-          <a:noFill/>
-          <a:extLst>
-            <a:ext uri="{909E8E84-426E-40DD-AFC4-6F175D3DCCD1}">
-              <a14:hiddenFill xmlns:a14="http://schemas.microsoft.com/office/drawing/2010/main">
-                <a:solidFill>
-                  <a:srgbClr val="FFFFFF"/>
-                </a:solidFill>
-              </a14:hiddenFill>
-            </a:ext>
-          </a:extLst>
-        </p:spPr>
-      </p:pic>
-      <p:pic>
-        <p:nvPicPr>
-          <p:cNvPr id="1038" name="Picture 14" descr="ç¸å-³å¾ç">
-            <a:extLst>
-              <a:ext uri="{FF2B5EF4-FFF2-40B4-BE49-F238E27FC236}">
-                <a16:creationId xmlns:a16="http://schemas.microsoft.com/office/drawing/2014/main" id="{206A12B7-DE5F-419B-B6FC-EEA7CCB3DCB2}"/>
-              </a:ext>
-            </a:extLst>
-          </p:cNvPr>
-          <p:cNvPicPr>
-            <a:picLocks noChangeAspect="1" noChangeArrowheads="1"/>
-          </p:cNvPicPr>
-          <p:nvPr/>
-        </p:nvPicPr>
-        <p:blipFill>
-          <a:blip r:embed="rId12">
-            <a:extLst>
-              <a:ext uri="{28A0092B-C50C-407E-A947-70E740481C1C}">
-                <a14:useLocalDpi xmlns:a14="http://schemas.microsoft.com/office/drawing/2010/main" val="0"/>
-              </a:ext>
-            </a:extLst>
-          </a:blip>
-          <a:srcRect/>
-          <a:stretch>
-            <a:fillRect/>
-          </a:stretch>
-        </p:blipFill>
-        <p:spPr bwMode="auto">
-          <a:xfrm>
-            <a:off x="114696" y="842463"/>
-            <a:ext cx="1292075" cy="1292075"/>
-          </a:xfrm>
-          <a:prstGeom prst="rect">
-            <a:avLst/>
-          </a:prstGeom>
-          <a:noFill/>
-          <a:extLst>
-            <a:ext uri="{909E8E84-426E-40DD-AFC4-6F175D3DCCD1}">
-              <a14:hiddenFill xmlns:a14="http://schemas.microsoft.com/office/drawing/2010/main">
-                <a:solidFill>
-                  <a:srgbClr val="FFFFFF"/>
-                </a:solidFill>
-              </a14:hiddenFill>
-            </a:ext>
-          </a:extLst>
-        </p:spPr>
-      </p:pic>
-      <p:pic>
-        <p:nvPicPr>
-          <p:cNvPr id="3" name="Picture 2">
-            <a:extLst>
-              <a:ext uri="{FF2B5EF4-FFF2-40B4-BE49-F238E27FC236}">
-                <a16:creationId xmlns:a16="http://schemas.microsoft.com/office/drawing/2014/main" id="{B50DB7D9-FDB9-478B-8308-83BAFB53DDFF}"/>
-              </a:ext>
-            </a:extLst>
-          </p:cNvPr>
-          <p:cNvPicPr>
-            <a:picLocks noChangeAspect="1"/>
-          </p:cNvPicPr>
-          <p:nvPr/>
-        </p:nvPicPr>
-        <p:blipFill>
-          <a:blip r:embed="rId13">
-            <a:extLst>
-              <a:ext uri="{28A0092B-C50C-407E-A947-70E740481C1C}">
-                <a14:useLocalDpi xmlns:a14="http://schemas.microsoft.com/office/drawing/2010/main" val="0"/>
-              </a:ext>
-            </a:extLst>
-          </a:blip>
-          <a:stretch>
-            <a:fillRect/>
-          </a:stretch>
-        </p:blipFill>
-        <p:spPr>
-          <a:xfrm>
-            <a:off x="1508995" y="5045435"/>
-            <a:ext cx="1480662" cy="1480662"/>
-          </a:xfrm>
-          <a:prstGeom prst="rect">
-            <a:avLst/>
-          </a:prstGeom>
-        </p:spPr>
-      </p:pic>
-      <p:sp>
-        <p:nvSpPr>
-          <p:cNvPr id="4" name="TextBox 3">
-            <a:extLst>
-              <a:ext uri="{FF2B5EF4-FFF2-40B4-BE49-F238E27FC236}">
-                <a16:creationId xmlns:a16="http://schemas.microsoft.com/office/drawing/2014/main" id="{F968F43C-1335-47A3-B8DA-24E7EFE57E0F}"/>
-              </a:ext>
-            </a:extLst>
-          </p:cNvPr>
-          <p:cNvSpPr txBox="1"/>
-          <p:nvPr/>
-        </p:nvSpPr>
-        <p:spPr>
-          <a:xfrm>
-            <a:off x="276460" y="2087156"/>
-            <a:ext cx="994014" cy="369332"/>
-          </a:xfrm>
-          <a:prstGeom prst="rect">
-            <a:avLst/>
-          </a:prstGeom>
-          <a:noFill/>
-        </p:spPr>
-        <p:txBody>
-          <a:bodyPr wrap="square" rtlCol="0">
-            <a:spAutoFit/>
-          </a:bodyPr>
-          <a:lstStyle/>
-          <a:p>
-            <a:r>
-              <a:rPr lang="en-SG" altLang="zh-CN" dirty="0"/>
-              <a:t>Student</a:t>
-            </a:r>
-            <a:endParaRPr lang="zh-CN" altLang="en-US" dirty="0"/>
-          </a:p>
-        </p:txBody>
-      </p:sp>
-      <p:sp>
-        <p:nvSpPr>
-          <p:cNvPr id="62" name="TextBox 61">
-            <a:extLst>
-              <a:ext uri="{FF2B5EF4-FFF2-40B4-BE49-F238E27FC236}">
-                <a16:creationId xmlns:a16="http://schemas.microsoft.com/office/drawing/2014/main" id="{A46CE0F4-36D0-48B7-92F4-DBAA38F86464}"/>
-              </a:ext>
-            </a:extLst>
-          </p:cNvPr>
-          <p:cNvSpPr txBox="1"/>
-          <p:nvPr/>
-        </p:nvSpPr>
-        <p:spPr>
-          <a:xfrm rot="5400000">
-            <a:off x="11408520" y="6003438"/>
-            <a:ext cx="1026811" cy="369332"/>
-          </a:xfrm>
-          <a:prstGeom prst="rect">
-            <a:avLst/>
-          </a:prstGeom>
-          <a:noFill/>
-        </p:spPr>
-        <p:txBody>
-          <a:bodyPr wrap="square" rtlCol="0">
-            <a:spAutoFit/>
-          </a:bodyPr>
-          <a:lstStyle/>
-          <a:p>
-            <a:r>
-              <a:rPr lang="en-SG" altLang="zh-CN" dirty="0"/>
-              <a:t>Teacher</a:t>
-            </a:r>
-            <a:endParaRPr lang="zh-CN" altLang="en-US" dirty="0"/>
-          </a:p>
-        </p:txBody>
-      </p:sp>
       <p:cxnSp>
         <p:nvCxnSpPr>
           <p:cNvPr id="15" name="Straight Arrow Connector 14">
